--- a/Hadoop Ecosystem Icons/Hadoop Ecosystem.pptx
+++ b/Hadoop Ecosystem Icons/Hadoop Ecosystem.pptx
@@ -1673,7 +1673,7 @@
                 <a:spcPct val="100000"/>
               </a:lnSpc>
             </a:pPr>
-            <a:fld id="{D34218D6-5007-4EAF-9629-CFDB9F48D38C}" type="slidenum">
+            <a:fld id="{6EADA6A7-FA87-4981-8BE8-BD517F295F58}" type="slidenum">
               <a:rPr b="0" lang="en-US" sz="1200" spc="-1" strike="noStrike">
                 <a:solidFill>
                   <a:srgbClr val="8b8b8b"/>
@@ -2014,7 +2014,7 @@
         </p:nvSpPr>
         <p:spPr>
           <a:xfrm>
-            <a:off x="2286000" y="3266280"/>
+            <a:off x="1706760" y="3271680"/>
             <a:ext cx="5211720" cy="548280"/>
           </a:xfrm>
           <a:prstGeom prst="roundRect">
@@ -2061,7 +2061,35 @@
                 </a:uFill>
                 <a:latin typeface="Calibri"/>
               </a:rPr>
-              <a:t>                      </a:t>
+              <a:t>         </a:t>
+            </a:r>
+            <a:r>
+              <a:rPr b="0" lang="en-US" sz="1800" spc="-1" strike="noStrike">
+                <a:solidFill>
+                  <a:srgbClr val="000000"/>
+                </a:solidFill>
+                <a:uFill>
+                  <a:solidFill>
+                    <a:srgbClr val="ffffff"/>
+                  </a:solidFill>
+                </a:uFill>
+                <a:latin typeface="Calibri"/>
+              </a:rPr>
+              <a:t>         </a:t>
+            </a:r>
+            <a:r>
+              <a:rPr b="0" lang="en-US" sz="1800" spc="-1" strike="noStrike">
+                <a:solidFill>
+                  <a:srgbClr val="000000"/>
+                </a:solidFill>
+                <a:uFill>
+                  <a:solidFill>
+                    <a:srgbClr val="ffffff"/>
+                  </a:solidFill>
+                </a:uFill>
+                <a:latin typeface="Calibri"/>
+              </a:rPr>
+              <a:t>    </a:t>
             </a:r>
             <a:endParaRPr b="0" lang="en-US" sz="1800" spc="-1" strike="noStrike">
               <a:solidFill>
@@ -2085,7 +2113,7 @@
         </p:nvSpPr>
         <p:spPr>
           <a:xfrm>
-            <a:off x="3377880" y="3349800"/>
+            <a:off x="2798640" y="3355200"/>
             <a:ext cx="799920" cy="364680"/>
           </a:xfrm>
           <a:prstGeom prst="rect">
@@ -2150,7 +2178,7 @@
         </p:blipFill>
         <p:spPr>
           <a:xfrm>
-            <a:off x="5020200" y="3327840"/>
+            <a:off x="4440960" y="3333240"/>
             <a:ext cx="1793880" cy="416160"/>
           </a:xfrm>
           <a:prstGeom prst="rect">
@@ -2169,7 +2197,7 @@
         </p:nvSpPr>
         <p:spPr>
           <a:xfrm>
-            <a:off x="2286000" y="2662560"/>
+            <a:off x="1706760" y="2667960"/>
             <a:ext cx="4571640" cy="543240"/>
           </a:xfrm>
           <a:prstGeom prst="roundRect">
@@ -2240,7 +2268,7 @@
         </p:nvSpPr>
         <p:spPr>
           <a:xfrm>
-            <a:off x="3210120" y="2745000"/>
+            <a:off x="2630880" y="2750400"/>
             <a:ext cx="787680" cy="364680"/>
           </a:xfrm>
           <a:prstGeom prst="rect">
@@ -2277,7 +2305,49 @@
                 </a:uFill>
                 <a:latin typeface="Calibri"/>
               </a:rPr>
-              <a:t>YARN</a:t>
+              <a:t>Y</a:t>
+            </a:r>
+            <a:r>
+              <a:rPr b="0" lang="en-US" sz="1800" spc="-1" strike="noStrike">
+                <a:solidFill>
+                  <a:srgbClr val="000000"/>
+                </a:solidFill>
+                <a:uFill>
+                  <a:solidFill>
+                    <a:srgbClr val="ffffff"/>
+                  </a:solidFill>
+                </a:uFill>
+                <a:latin typeface="Calibri"/>
+              </a:rPr>
+              <a:t>A</a:t>
+            </a:r>
+            <a:r>
+              <a:rPr b="0" lang="en-US" sz="1800" spc="-1" strike="noStrike">
+                <a:solidFill>
+                  <a:srgbClr val="000000"/>
+                </a:solidFill>
+                <a:uFill>
+                  <a:solidFill>
+                    <a:srgbClr val="ffffff"/>
+                  </a:solidFill>
+                </a:uFill>
+                <a:latin typeface="Calibri"/>
+              </a:rPr>
+              <a:t>R</a:t>
+            </a:r>
+            <a:r>
+              <a:rPr b="0" lang="en-US" sz="1800" spc="-1" strike="noStrike">
+                <a:solidFill>
+                  <a:srgbClr val="000000"/>
+                </a:solidFill>
+                <a:uFill>
+                  <a:solidFill>
+                    <a:srgbClr val="ffffff"/>
+                  </a:solidFill>
+                </a:uFill>
+                <a:latin typeface="Calibri"/>
+              </a:rPr>
+              <a:t>N</a:t>
             </a:r>
             <a:endParaRPr b="0" lang="en-US" sz="1800" spc="-1" strike="noStrike">
               <a:solidFill>
@@ -2305,7 +2375,7 @@
         </p:blipFill>
         <p:spPr>
           <a:xfrm>
-            <a:off x="4684320" y="2723400"/>
+            <a:off x="4105080" y="2728800"/>
             <a:ext cx="1573560" cy="412200"/>
           </a:xfrm>
           <a:prstGeom prst="rect">
@@ -2324,7 +2394,7 @@
         </p:nvSpPr>
         <p:spPr>
           <a:xfrm>
-            <a:off x="2334600" y="2046960"/>
+            <a:off x="1755360" y="2052360"/>
             <a:ext cx="2478600" cy="543240"/>
           </a:xfrm>
           <a:prstGeom prst="roundRect">
@@ -2371,7 +2441,77 @@
                 </a:uFill>
                 <a:latin typeface="Calibri"/>
               </a:rPr>
-              <a:t>                      </a:t>
+              <a:t>    </a:t>
+            </a:r>
+            <a:r>
+              <a:rPr b="0" lang="en-US" sz="1800" spc="-1" strike="noStrike">
+                <a:solidFill>
+                  <a:srgbClr val="000000"/>
+                </a:solidFill>
+                <a:uFill>
+                  <a:solidFill>
+                    <a:srgbClr val="ffffff"/>
+                  </a:solidFill>
+                </a:uFill>
+                <a:latin typeface="Calibri"/>
+              </a:rPr>
+              <a:t>    </a:t>
+            </a:r>
+            <a:r>
+              <a:rPr b="0" lang="en-US" sz="1800" spc="-1" strike="noStrike">
+                <a:solidFill>
+                  <a:srgbClr val="000000"/>
+                </a:solidFill>
+                <a:uFill>
+                  <a:solidFill>
+                    <a:srgbClr val="ffffff"/>
+                  </a:solidFill>
+                </a:uFill>
+                <a:latin typeface="Calibri"/>
+              </a:rPr>
+              <a:t>    </a:t>
+            </a:r>
+            <a:r>
+              <a:rPr b="0" lang="en-US" sz="1800" spc="-1" strike="noStrike">
+                <a:solidFill>
+                  <a:srgbClr val="000000"/>
+                </a:solidFill>
+                <a:uFill>
+                  <a:solidFill>
+                    <a:srgbClr val="ffffff"/>
+                  </a:solidFill>
+                </a:uFill>
+                <a:latin typeface="Calibri"/>
+              </a:rPr>
+              <a:t>    </a:t>
+            </a:r>
+            <a:r>
+              <a:rPr b="0" lang="en-US" sz="1800" spc="-1" strike="noStrike">
+                <a:solidFill>
+                  <a:srgbClr val="000000"/>
+                </a:solidFill>
+                <a:uFill>
+                  <a:solidFill>
+                    <a:srgbClr val="ffffff"/>
+                  </a:solidFill>
+                </a:uFill>
+                <a:latin typeface="Calibri"/>
+              </a:rPr>
+              <a:t>    </a:t>
+            </a:r>
+            <a:r>
+              <a:rPr b="0" lang="en-US" sz="1800" spc="-1" strike="noStrike">
+                <a:solidFill>
+                  <a:srgbClr val="000000"/>
+                </a:solidFill>
+                <a:uFill>
+                  <a:solidFill>
+                    <a:srgbClr val="ffffff"/>
+                  </a:solidFill>
+                </a:uFill>
+                <a:latin typeface="Calibri"/>
+              </a:rPr>
+              <a:t>  </a:t>
             </a:r>
             <a:endParaRPr b="0" lang="en-US" sz="1800" spc="-1" strike="noStrike">
               <a:solidFill>
@@ -2395,7 +2535,7 @@
         </p:nvSpPr>
         <p:spPr>
           <a:xfrm>
-            <a:off x="2364840" y="2157120"/>
+            <a:off x="1785600" y="2162520"/>
             <a:ext cx="1505520" cy="364680"/>
           </a:xfrm>
           <a:prstGeom prst="rect">
@@ -2460,7 +2600,7 @@
         </p:blipFill>
         <p:spPr>
           <a:xfrm>
-            <a:off x="3794760" y="2170440"/>
+            <a:off x="3215520" y="2175840"/>
             <a:ext cx="1018440" cy="306720"/>
           </a:xfrm>
           <a:prstGeom prst="rect">
@@ -2479,7 +2619,7 @@
         </p:nvSpPr>
         <p:spPr>
           <a:xfrm>
-            <a:off x="2305440" y="3886200"/>
+            <a:off x="1726200" y="3891600"/>
             <a:ext cx="1656720" cy="543240"/>
           </a:xfrm>
           <a:prstGeom prst="roundRect">
@@ -2550,7 +2690,7 @@
         </p:nvSpPr>
         <p:spPr>
           <a:xfrm>
-            <a:off x="2256840" y="3932280"/>
+            <a:off x="1677600" y="3937680"/>
             <a:ext cx="894240" cy="364680"/>
           </a:xfrm>
           <a:prstGeom prst="rect">
@@ -2587,7 +2727,35 @@
                 </a:uFill>
                 <a:latin typeface="Calibri"/>
               </a:rPr>
-              <a:t>Sqoop</a:t>
+              <a:t>Sq</a:t>
+            </a:r>
+            <a:r>
+              <a:rPr b="0" lang="en-US" sz="1800" spc="-1" strike="noStrike">
+                <a:solidFill>
+                  <a:srgbClr val="000000"/>
+                </a:solidFill>
+                <a:uFill>
+                  <a:solidFill>
+                    <a:srgbClr val="ffffff"/>
+                  </a:solidFill>
+                </a:uFill>
+                <a:latin typeface="Calibri"/>
+              </a:rPr>
+              <a:t>oo</a:t>
+            </a:r>
+            <a:r>
+              <a:rPr b="0" lang="en-US" sz="1800" spc="-1" strike="noStrike">
+                <a:solidFill>
+                  <a:srgbClr val="000000"/>
+                </a:solidFill>
+                <a:uFill>
+                  <a:solidFill>
+                    <a:srgbClr val="ffffff"/>
+                  </a:solidFill>
+                </a:uFill>
+                <a:latin typeface="Calibri"/>
+              </a:rPr>
+              <a:t>p</a:t>
             </a:r>
             <a:endParaRPr b="0" lang="en-US" sz="1800" spc="-1" strike="noStrike">
               <a:solidFill>
@@ -2615,7 +2783,7 @@
         </p:blipFill>
         <p:spPr>
           <a:xfrm>
-            <a:off x="3079080" y="3960360"/>
+            <a:off x="2499840" y="3965760"/>
             <a:ext cx="806760" cy="245520"/>
           </a:xfrm>
           <a:prstGeom prst="rect">
@@ -2634,7 +2802,7 @@
         </p:nvSpPr>
         <p:spPr>
           <a:xfrm>
-            <a:off x="4027320" y="3895920"/>
+            <a:off x="3448080" y="3901320"/>
             <a:ext cx="1675440" cy="543240"/>
           </a:xfrm>
           <a:prstGeom prst="roundRect">
@@ -2681,7 +2849,63 @@
                 </a:uFill>
                 <a:latin typeface="Calibri"/>
               </a:rPr>
-              <a:t>                      </a:t>
+              <a:t>     </a:t>
+            </a:r>
+            <a:r>
+              <a:rPr b="0" lang="en-US" sz="1800" spc="-1" strike="noStrike">
+                <a:solidFill>
+                  <a:srgbClr val="000000"/>
+                </a:solidFill>
+                <a:uFill>
+                  <a:solidFill>
+                    <a:srgbClr val="ffffff"/>
+                  </a:solidFill>
+                </a:uFill>
+                <a:latin typeface="Calibri"/>
+              </a:rPr>
+              <a:t>     </a:t>
+            </a:r>
+            <a:r>
+              <a:rPr b="0" lang="en-US" sz="1800" spc="-1" strike="noStrike">
+                <a:solidFill>
+                  <a:srgbClr val="000000"/>
+                </a:solidFill>
+                <a:uFill>
+                  <a:solidFill>
+                    <a:srgbClr val="ffffff"/>
+                  </a:solidFill>
+                </a:uFill>
+                <a:latin typeface="Calibri"/>
+              </a:rPr>
+              <a:t>     </a:t>
+            </a:r>
+            <a:r>
+              <a:rPr b="0" lang="en-US" sz="1800" spc="-1" strike="noStrike">
+                <a:solidFill>
+                  <a:srgbClr val="000000"/>
+                </a:solidFill>
+                <a:uFill>
+                  <a:solidFill>
+                    <a:srgbClr val="ffffff"/>
+                  </a:solidFill>
+                </a:uFill>
+                <a:latin typeface="Calibri"/>
+              </a:rPr>
+              <a:t>     </a:t>
+            </a:r>
+            <a:r>
+              <a:rPr b="0" lang="en-US" sz="1800" spc="-1" strike="noStrike">
+                <a:solidFill>
+                  <a:srgbClr val="000000"/>
+                </a:solidFill>
+                <a:uFill>
+                  <a:solidFill>
+                    <a:srgbClr val="ffffff"/>
+                  </a:solidFill>
+                </a:uFill>
+                <a:latin typeface="Calibri"/>
+              </a:rPr>
+              <a:t>  </a:t>
             </a:r>
             <a:endParaRPr b="0" lang="en-US" sz="1800" spc="-1" strike="noStrike">
               <a:solidFill>
@@ -2705,7 +2929,7 @@
         </p:nvSpPr>
         <p:spPr>
           <a:xfrm>
-            <a:off x="4073760" y="3976920"/>
+            <a:off x="3494520" y="3982320"/>
             <a:ext cx="882360" cy="364680"/>
           </a:xfrm>
           <a:prstGeom prst="rect">
@@ -2770,7 +2994,7 @@
         </p:blipFill>
         <p:spPr>
           <a:xfrm>
-            <a:off x="5020200" y="3886200"/>
+            <a:off x="4440960" y="3891600"/>
             <a:ext cx="505800" cy="505800"/>
           </a:xfrm>
           <a:prstGeom prst="rect">
@@ -2789,7 +3013,7 @@
         </p:nvSpPr>
         <p:spPr>
           <a:xfrm>
-            <a:off x="5760720" y="3895920"/>
+            <a:off x="5181480" y="3901320"/>
             <a:ext cx="1737000" cy="543240"/>
           </a:xfrm>
           <a:prstGeom prst="roundRect">
@@ -2860,7 +3084,7 @@
         </p:nvSpPr>
         <p:spPr>
           <a:xfrm>
-            <a:off x="5734800" y="3942000"/>
+            <a:off x="5155560" y="3947400"/>
             <a:ext cx="687240" cy="364680"/>
           </a:xfrm>
           <a:prstGeom prst="rect">
@@ -2897,7 +3121,21 @@
                 </a:uFill>
                 <a:latin typeface="Calibri"/>
               </a:rPr>
-              <a:t>Avro</a:t>
+              <a:t>Av</a:t>
+            </a:r>
+            <a:r>
+              <a:rPr b="0" lang="en-US" sz="1800" spc="-1" strike="noStrike">
+                <a:solidFill>
+                  <a:srgbClr val="000000"/>
+                </a:solidFill>
+                <a:uFill>
+                  <a:solidFill>
+                    <a:srgbClr val="ffffff"/>
+                  </a:solidFill>
+                </a:uFill>
+                <a:latin typeface="Calibri"/>
+              </a:rPr>
+              <a:t>ro</a:t>
             </a:r>
             <a:endParaRPr b="0" lang="en-US" sz="1800" spc="-1" strike="noStrike">
               <a:solidFill>
@@ -2925,7 +3163,7 @@
         </p:blipFill>
         <p:spPr>
           <a:xfrm>
-            <a:off x="6413040" y="3986280"/>
+            <a:off x="5833800" y="3991680"/>
             <a:ext cx="984240" cy="305640"/>
           </a:xfrm>
           <a:prstGeom prst="rect">
@@ -2944,7 +3182,7 @@
         </p:nvSpPr>
         <p:spPr>
           <a:xfrm>
-            <a:off x="2295720" y="1219320"/>
+            <a:off x="1716480" y="1224720"/>
             <a:ext cx="731160" cy="761760"/>
           </a:xfrm>
           <a:prstGeom prst="roundRect">
@@ -2991,7 +3229,63 @@
                 </a:uFill>
                 <a:latin typeface="Calibri"/>
               </a:rPr>
-              <a:t>                      </a:t>
+              <a:t>     </a:t>
+            </a:r>
+            <a:r>
+              <a:rPr b="0" lang="en-US" sz="1800" spc="-1" strike="noStrike">
+                <a:solidFill>
+                  <a:srgbClr val="000000"/>
+                </a:solidFill>
+                <a:uFill>
+                  <a:solidFill>
+                    <a:srgbClr val="ffffff"/>
+                  </a:solidFill>
+                </a:uFill>
+                <a:latin typeface="Calibri"/>
+              </a:rPr>
+              <a:t>     </a:t>
+            </a:r>
+            <a:r>
+              <a:rPr b="0" lang="en-US" sz="1800" spc="-1" strike="noStrike">
+                <a:solidFill>
+                  <a:srgbClr val="000000"/>
+                </a:solidFill>
+                <a:uFill>
+                  <a:solidFill>
+                    <a:srgbClr val="ffffff"/>
+                  </a:solidFill>
+                </a:uFill>
+                <a:latin typeface="Calibri"/>
+              </a:rPr>
+              <a:t>     </a:t>
+            </a:r>
+            <a:r>
+              <a:rPr b="0" lang="en-US" sz="1800" spc="-1" strike="noStrike">
+                <a:solidFill>
+                  <a:srgbClr val="000000"/>
+                </a:solidFill>
+                <a:uFill>
+                  <a:solidFill>
+                    <a:srgbClr val="ffffff"/>
+                  </a:solidFill>
+                </a:uFill>
+                <a:latin typeface="Calibri"/>
+              </a:rPr>
+              <a:t>     </a:t>
+            </a:r>
+            <a:r>
+              <a:rPr b="0" lang="en-US" sz="1800" spc="-1" strike="noStrike">
+                <a:solidFill>
+                  <a:srgbClr val="000000"/>
+                </a:solidFill>
+                <a:uFill>
+                  <a:solidFill>
+                    <a:srgbClr val="ffffff"/>
+                  </a:solidFill>
+                </a:uFill>
+                <a:latin typeface="Calibri"/>
+              </a:rPr>
+              <a:t>  </a:t>
             </a:r>
             <a:endParaRPr b="0" lang="en-US" sz="1800" spc="-1" strike="noStrike">
               <a:solidFill>
@@ -3019,7 +3313,7 @@
         </p:blipFill>
         <p:spPr>
           <a:xfrm>
-            <a:off x="2553120" y="1251360"/>
+            <a:off x="1973880" y="1256760"/>
             <a:ext cx="301680" cy="426600"/>
           </a:xfrm>
           <a:prstGeom prst="rect">
@@ -3038,7 +3332,7 @@
         </p:nvSpPr>
         <p:spPr>
           <a:xfrm>
-            <a:off x="2401560" y="1657800"/>
+            <a:off x="1822320" y="1663200"/>
             <a:ext cx="519480" cy="364680"/>
           </a:xfrm>
           <a:prstGeom prst="rect">
@@ -3075,7 +3369,35 @@
                 </a:uFill>
                 <a:latin typeface="Calibri"/>
               </a:rPr>
-              <a:t>Pig</a:t>
+              <a:t>P</a:t>
+            </a:r>
+            <a:r>
+              <a:rPr b="0" lang="en-US" sz="1800" spc="-1" strike="noStrike">
+                <a:solidFill>
+                  <a:srgbClr val="000000"/>
+                </a:solidFill>
+                <a:uFill>
+                  <a:solidFill>
+                    <a:srgbClr val="ffffff"/>
+                  </a:solidFill>
+                </a:uFill>
+                <a:latin typeface="Calibri"/>
+              </a:rPr>
+              <a:t>i</a:t>
+            </a:r>
+            <a:r>
+              <a:rPr b="0" lang="en-US" sz="1800" spc="-1" strike="noStrike">
+                <a:solidFill>
+                  <a:srgbClr val="000000"/>
+                </a:solidFill>
+                <a:uFill>
+                  <a:solidFill>
+                    <a:srgbClr val="ffffff"/>
+                  </a:solidFill>
+                </a:uFill>
+                <a:latin typeface="Calibri"/>
+              </a:rPr>
+              <a:t>g</a:t>
             </a:r>
             <a:endParaRPr b="0" lang="en-US" sz="1800" spc="-1" strike="noStrike">
               <a:solidFill>
@@ -3099,7 +3421,7 @@
         </p:nvSpPr>
         <p:spPr>
           <a:xfrm>
-            <a:off x="3078720" y="1219320"/>
+            <a:off x="2499480" y="1224720"/>
             <a:ext cx="731160" cy="761760"/>
           </a:xfrm>
           <a:prstGeom prst="roundRect">
@@ -3170,7 +3492,7 @@
         </p:nvSpPr>
         <p:spPr>
           <a:xfrm>
-            <a:off x="3123360" y="1679760"/>
+            <a:off x="2544120" y="1685160"/>
             <a:ext cx="691560" cy="364680"/>
           </a:xfrm>
           <a:prstGeom prst="rect">
@@ -3207,7 +3529,21 @@
                 </a:uFill>
                 <a:latin typeface="Calibri"/>
               </a:rPr>
-              <a:t>Hive</a:t>
+              <a:t>Hi</a:t>
+            </a:r>
+            <a:r>
+              <a:rPr b="0" lang="en-US" sz="1800" spc="-1" strike="noStrike">
+                <a:solidFill>
+                  <a:srgbClr val="000000"/>
+                </a:solidFill>
+                <a:uFill>
+                  <a:solidFill>
+                    <a:srgbClr val="ffffff"/>
+                  </a:solidFill>
+                </a:uFill>
+                <a:latin typeface="Calibri"/>
+              </a:rPr>
+              <a:t>ve</a:t>
             </a:r>
             <a:endParaRPr b="0" lang="en-US" sz="1800" spc="-1" strike="noStrike">
               <a:solidFill>
@@ -3235,7 +3571,7 @@
         </p:blipFill>
         <p:spPr>
           <a:xfrm>
-            <a:off x="3206880" y="1251360"/>
+            <a:off x="2627640" y="1256760"/>
             <a:ext cx="435600" cy="435600"/>
           </a:xfrm>
           <a:prstGeom prst="rect">
@@ -3254,7 +3590,7 @@
         </p:nvSpPr>
         <p:spPr>
           <a:xfrm>
-            <a:off x="3878640" y="1219320"/>
+            <a:off x="3299400" y="1224720"/>
             <a:ext cx="896040" cy="761760"/>
           </a:xfrm>
           <a:prstGeom prst="roundRect">
@@ -3301,7 +3637,105 @@
                 </a:uFill>
                 <a:latin typeface="Calibri"/>
               </a:rPr>
-              <a:t>                      </a:t>
+              <a:t>   </a:t>
+            </a:r>
+            <a:r>
+              <a:rPr b="0" lang="en-US" sz="1800" spc="-1" strike="noStrike">
+                <a:solidFill>
+                  <a:srgbClr val="000000"/>
+                </a:solidFill>
+                <a:uFill>
+                  <a:solidFill>
+                    <a:srgbClr val="ffffff"/>
+                  </a:solidFill>
+                </a:uFill>
+                <a:latin typeface="Calibri"/>
+              </a:rPr>
+              <a:t>   </a:t>
+            </a:r>
+            <a:r>
+              <a:rPr b="0" lang="en-US" sz="1800" spc="-1" strike="noStrike">
+                <a:solidFill>
+                  <a:srgbClr val="000000"/>
+                </a:solidFill>
+                <a:uFill>
+                  <a:solidFill>
+                    <a:srgbClr val="ffffff"/>
+                  </a:solidFill>
+                </a:uFill>
+                <a:latin typeface="Calibri"/>
+              </a:rPr>
+              <a:t>   </a:t>
+            </a:r>
+            <a:r>
+              <a:rPr b="0" lang="en-US" sz="1800" spc="-1" strike="noStrike">
+                <a:solidFill>
+                  <a:srgbClr val="000000"/>
+                </a:solidFill>
+                <a:uFill>
+                  <a:solidFill>
+                    <a:srgbClr val="ffffff"/>
+                  </a:solidFill>
+                </a:uFill>
+                <a:latin typeface="Calibri"/>
+              </a:rPr>
+              <a:t>   </a:t>
+            </a:r>
+            <a:r>
+              <a:rPr b="0" lang="en-US" sz="1800" spc="-1" strike="noStrike">
+                <a:solidFill>
+                  <a:srgbClr val="000000"/>
+                </a:solidFill>
+                <a:uFill>
+                  <a:solidFill>
+                    <a:srgbClr val="ffffff"/>
+                  </a:solidFill>
+                </a:uFill>
+                <a:latin typeface="Calibri"/>
+              </a:rPr>
+              <a:t>   </a:t>
+            </a:r>
+            <a:r>
+              <a:rPr b="0" lang="en-US" sz="1800" spc="-1" strike="noStrike">
+                <a:solidFill>
+                  <a:srgbClr val="000000"/>
+                </a:solidFill>
+                <a:uFill>
+                  <a:solidFill>
+                    <a:srgbClr val="ffffff"/>
+                  </a:solidFill>
+                </a:uFill>
+                <a:latin typeface="Calibri"/>
+              </a:rPr>
+              <a:t>   </a:t>
+            </a:r>
+            <a:r>
+              <a:rPr b="0" lang="en-US" sz="1800" spc="-1" strike="noStrike">
+                <a:solidFill>
+                  <a:srgbClr val="000000"/>
+                </a:solidFill>
+                <a:uFill>
+                  <a:solidFill>
+                    <a:srgbClr val="ffffff"/>
+                  </a:solidFill>
+                </a:uFill>
+                <a:latin typeface="Calibri"/>
+              </a:rPr>
+              <a:t>   </a:t>
+            </a:r>
+            <a:r>
+              <a:rPr b="0" lang="en-US" sz="1800" spc="-1" strike="noStrike">
+                <a:solidFill>
+                  <a:srgbClr val="000000"/>
+                </a:solidFill>
+                <a:uFill>
+                  <a:solidFill>
+                    <a:srgbClr val="ffffff"/>
+                  </a:solidFill>
+                </a:uFill>
+                <a:latin typeface="Calibri"/>
+              </a:rPr>
+              <a:t> </a:t>
             </a:r>
             <a:endParaRPr b="0" lang="en-US" sz="1800" spc="-1" strike="noStrike">
               <a:solidFill>
@@ -3325,7 +3759,7 @@
         </p:nvSpPr>
         <p:spPr>
           <a:xfrm>
-            <a:off x="3812040" y="1623600"/>
+            <a:off x="3232800" y="1629000"/>
             <a:ext cx="1036080" cy="364680"/>
           </a:xfrm>
           <a:prstGeom prst="rect">
@@ -3391,7 +3825,7 @@
         </p:blipFill>
         <p:spPr>
           <a:xfrm>
-            <a:off x="3938400" y="1296000"/>
+            <a:off x="3359160" y="1301400"/>
             <a:ext cx="783000" cy="346320"/>
           </a:xfrm>
           <a:prstGeom prst="rect">
@@ -3410,7 +3844,7 @@
         </p:nvSpPr>
         <p:spPr>
           <a:xfrm>
-            <a:off x="4832280" y="1213920"/>
+            <a:off x="4253040" y="1219320"/>
             <a:ext cx="456480" cy="1376640"/>
           </a:xfrm>
           <a:prstGeom prst="roundRect">
@@ -3481,7 +3915,7 @@
         </p:nvSpPr>
         <p:spPr>
           <a:xfrm>
-            <a:off x="5340960" y="1216440"/>
+            <a:off x="4761720" y="1221840"/>
             <a:ext cx="456840" cy="1376640"/>
           </a:xfrm>
           <a:prstGeom prst="roundRect">
@@ -3528,7 +3962,77 @@
                 </a:uFill>
                 <a:latin typeface="Calibri"/>
               </a:rPr>
-              <a:t>                      </a:t>
+              <a:t>    </a:t>
+            </a:r>
+            <a:r>
+              <a:rPr b="0" lang="en-US" sz="1800" spc="-1" strike="noStrike">
+                <a:solidFill>
+                  <a:srgbClr val="000000"/>
+                </a:solidFill>
+                <a:uFill>
+                  <a:solidFill>
+                    <a:srgbClr val="ffffff"/>
+                  </a:solidFill>
+                </a:uFill>
+                <a:latin typeface="Calibri"/>
+              </a:rPr>
+              <a:t>    </a:t>
+            </a:r>
+            <a:r>
+              <a:rPr b="0" lang="en-US" sz="1800" spc="-1" strike="noStrike">
+                <a:solidFill>
+                  <a:srgbClr val="000000"/>
+                </a:solidFill>
+                <a:uFill>
+                  <a:solidFill>
+                    <a:srgbClr val="ffffff"/>
+                  </a:solidFill>
+                </a:uFill>
+                <a:latin typeface="Calibri"/>
+              </a:rPr>
+              <a:t>    </a:t>
+            </a:r>
+            <a:r>
+              <a:rPr b="0" lang="en-US" sz="1800" spc="-1" strike="noStrike">
+                <a:solidFill>
+                  <a:srgbClr val="000000"/>
+                </a:solidFill>
+                <a:uFill>
+                  <a:solidFill>
+                    <a:srgbClr val="ffffff"/>
+                  </a:solidFill>
+                </a:uFill>
+                <a:latin typeface="Calibri"/>
+              </a:rPr>
+              <a:t>    </a:t>
+            </a:r>
+            <a:r>
+              <a:rPr b="0" lang="en-US" sz="1800" spc="-1" strike="noStrike">
+                <a:solidFill>
+                  <a:srgbClr val="000000"/>
+                </a:solidFill>
+                <a:uFill>
+                  <a:solidFill>
+                    <a:srgbClr val="ffffff"/>
+                  </a:solidFill>
+                </a:uFill>
+                <a:latin typeface="Calibri"/>
+              </a:rPr>
+              <a:t>    </a:t>
+            </a:r>
+            <a:r>
+              <a:rPr b="0" lang="en-US" sz="1800" spc="-1" strike="noStrike">
+                <a:solidFill>
+                  <a:srgbClr val="000000"/>
+                </a:solidFill>
+                <a:uFill>
+                  <a:solidFill>
+                    <a:srgbClr val="ffffff"/>
+                  </a:solidFill>
+                </a:uFill>
+                <a:latin typeface="Calibri"/>
+              </a:rPr>
+              <a:t>  </a:t>
             </a:r>
             <a:endParaRPr b="0" lang="en-US" sz="1800" spc="-1" strike="noStrike">
               <a:solidFill>
@@ -3552,7 +4056,7 @@
         </p:nvSpPr>
         <p:spPr>
           <a:xfrm>
-            <a:off x="5859360" y="1224360"/>
+            <a:off x="5280120" y="1229760"/>
             <a:ext cx="456840" cy="1376640"/>
           </a:xfrm>
           <a:prstGeom prst="roundRect">
@@ -3623,7 +4127,7 @@
         </p:nvSpPr>
         <p:spPr>
           <a:xfrm>
-            <a:off x="6374520" y="1213920"/>
+            <a:off x="5795280" y="1219320"/>
             <a:ext cx="456840" cy="1381680"/>
           </a:xfrm>
           <a:prstGeom prst="roundRect">
@@ -3670,7 +4174,35 @@
                 </a:uFill>
                 <a:latin typeface="Calibri"/>
               </a:rPr>
-              <a:t>                      </a:t>
+              <a:t>          </a:t>
+            </a:r>
+            <a:r>
+              <a:rPr b="0" lang="en-US" sz="1800" spc="-1" strike="noStrike">
+                <a:solidFill>
+                  <a:srgbClr val="000000"/>
+                </a:solidFill>
+                <a:uFill>
+                  <a:solidFill>
+                    <a:srgbClr val="ffffff"/>
+                  </a:solidFill>
+                </a:uFill>
+                <a:latin typeface="Calibri"/>
+              </a:rPr>
+              <a:t>          </a:t>
+            </a:r>
+            <a:r>
+              <a:rPr b="0" lang="en-US" sz="1800" spc="-1" strike="noStrike">
+                <a:solidFill>
+                  <a:srgbClr val="000000"/>
+                </a:solidFill>
+                <a:uFill>
+                  <a:solidFill>
+                    <a:srgbClr val="ffffff"/>
+                  </a:solidFill>
+                </a:uFill>
+                <a:latin typeface="Calibri"/>
+              </a:rPr>
+              <a:t>  </a:t>
             </a:r>
             <a:endParaRPr b="0" lang="en-US" sz="1800" spc="-1" strike="noStrike">
               <a:solidFill>
@@ -3694,7 +4226,7 @@
         </p:nvSpPr>
         <p:spPr>
           <a:xfrm>
-            <a:off x="6940080" y="1224360"/>
+            <a:off x="6360840" y="1229760"/>
             <a:ext cx="557640" cy="1981440"/>
           </a:xfrm>
           <a:prstGeom prst="roundRect">
@@ -3765,7 +4297,7 @@
         </p:nvSpPr>
         <p:spPr>
           <a:xfrm>
-            <a:off x="7557480" y="1219320"/>
+            <a:off x="6978240" y="1224720"/>
             <a:ext cx="557640" cy="2595240"/>
           </a:xfrm>
           <a:prstGeom prst="roundRect">
@@ -3812,7 +4344,21 @@
                 </a:uFill>
                 <a:latin typeface="Calibri"/>
               </a:rPr>
-              <a:t>                      </a:t>
+              <a:t>              </a:t>
+            </a:r>
+            <a:r>
+              <a:rPr b="0" lang="en-US" sz="1800" spc="-1" strike="noStrike">
+                <a:solidFill>
+                  <a:srgbClr val="000000"/>
+                </a:solidFill>
+                <a:uFill>
+                  <a:solidFill>
+                    <a:srgbClr val="ffffff"/>
+                  </a:solidFill>
+                </a:uFill>
+                <a:latin typeface="Calibri"/>
+              </a:rPr>
+              <a:t>        </a:t>
             </a:r>
             <a:endParaRPr b="0" lang="en-US" sz="1800" spc="-1" strike="noStrike">
               <a:solidFill>
@@ -3836,7 +4382,7 @@
         </p:nvSpPr>
         <p:spPr>
           <a:xfrm>
-            <a:off x="8182440" y="1219320"/>
+            <a:off x="7603200" y="1224720"/>
             <a:ext cx="557640" cy="2627640"/>
           </a:xfrm>
           <a:prstGeom prst="roundRect">
@@ -3907,7 +4453,7 @@
         </p:nvSpPr>
         <p:spPr>
           <a:xfrm>
-            <a:off x="1676520" y="1213920"/>
+            <a:off x="1097280" y="1219320"/>
             <a:ext cx="557640" cy="2595240"/>
           </a:xfrm>
           <a:prstGeom prst="roundRect">
@@ -3954,7 +4500,63 @@
                 </a:uFill>
                 <a:latin typeface="Calibri"/>
               </a:rPr>
-              <a:t>                      </a:t>
+              <a:t>     </a:t>
+            </a:r>
+            <a:r>
+              <a:rPr b="0" lang="en-US" sz="1800" spc="-1" strike="noStrike">
+                <a:solidFill>
+                  <a:srgbClr val="000000"/>
+                </a:solidFill>
+                <a:uFill>
+                  <a:solidFill>
+                    <a:srgbClr val="ffffff"/>
+                  </a:solidFill>
+                </a:uFill>
+                <a:latin typeface="Calibri"/>
+              </a:rPr>
+              <a:t>     </a:t>
+            </a:r>
+            <a:r>
+              <a:rPr b="0" lang="en-US" sz="1800" spc="-1" strike="noStrike">
+                <a:solidFill>
+                  <a:srgbClr val="000000"/>
+                </a:solidFill>
+                <a:uFill>
+                  <a:solidFill>
+                    <a:srgbClr val="ffffff"/>
+                  </a:solidFill>
+                </a:uFill>
+                <a:latin typeface="Calibri"/>
+              </a:rPr>
+              <a:t>     </a:t>
+            </a:r>
+            <a:r>
+              <a:rPr b="0" lang="en-US" sz="1800" spc="-1" strike="noStrike">
+                <a:solidFill>
+                  <a:srgbClr val="000000"/>
+                </a:solidFill>
+                <a:uFill>
+                  <a:solidFill>
+                    <a:srgbClr val="ffffff"/>
+                  </a:solidFill>
+                </a:uFill>
+                <a:latin typeface="Calibri"/>
+              </a:rPr>
+              <a:t>     </a:t>
+            </a:r>
+            <a:r>
+              <a:rPr b="0" lang="en-US" sz="1800" spc="-1" strike="noStrike">
+                <a:solidFill>
+                  <a:srgbClr val="000000"/>
+                </a:solidFill>
+                <a:uFill>
+                  <a:solidFill>
+                    <a:srgbClr val="ffffff"/>
+                  </a:solidFill>
+                </a:uFill>
+                <a:latin typeface="Calibri"/>
+              </a:rPr>
+              <a:t>  </a:t>
             </a:r>
             <a:endParaRPr b="0" lang="en-US" sz="1800" spc="-1" strike="noStrike">
               <a:solidFill>
@@ -3977,38 +4579,28 @@
           <p:nvPr/>
         </p:nvSpPr>
         <p:spPr>
-          <a:xfrm>
-            <a:off x="274680" y="731520"/>
-            <a:ext cx="731160" cy="761760"/>
-          </a:xfrm>
-          <a:prstGeom prst="roundRect">
-            <a:avLst>
-              <a:gd name="adj" fmla="val 16667"/>
-            </a:avLst>
+          <a:xfrm rot="16200000">
+            <a:off x="633960" y="2773080"/>
+            <a:ext cx="1415160" cy="364320"/>
+          </a:xfrm>
+          <a:prstGeom prst="rect">
+            <a:avLst/>
           </a:prstGeom>
           <a:noFill/>
-          <a:ln w="6480">
-            <a:round/>
+          <a:ln>
+            <a:noFill/>
           </a:ln>
         </p:spPr>
         <p:style>
-          <a:lnRef idx="2">
-            <a:schemeClr val="accent1">
-              <a:shade val="50000"/>
-            </a:schemeClr>
-          </a:lnRef>
-          <a:fillRef idx="1">
-            <a:schemeClr val="accent1"/>
-          </a:fillRef>
-          <a:effectRef idx="0">
-            <a:schemeClr val="accent1"/>
-          </a:effectRef>
+          <a:lnRef idx="0"/>
+          <a:fillRef idx="0"/>
+          <a:effectRef idx="0"/>
           <a:fontRef idx="minor"/>
         </p:style>
         <p:txBody>
-          <a:bodyPr lIns="90000" rIns="90000" tIns="45000" bIns="45000" anchor="ctr"/>
-          <a:p>
-            <a:pPr algn="ctr">
+          <a:bodyPr wrap="none" lIns="90000" rIns="90000" tIns="45000" bIns="45000"/>
+          <a:p>
+            <a:pPr>
               <a:lnSpc>
                 <a:spcPct val="100000"/>
               </a:lnSpc>
@@ -4025,7 +4617,7 @@
                 </a:uFill>
                 <a:latin typeface="Calibri"/>
               </a:rPr>
-              <a:t>                      </a:t>
+              <a:t>ZooKeeper</a:t>
             </a:r>
             <a:endParaRPr b="0" lang="en-US" sz="1800" spc="-1" strike="noStrike">
               <a:solidFill>
@@ -4043,7 +4635,7 @@
       </p:sp>
       <p:pic>
         <p:nvPicPr>
-          <p:cNvPr id="75" name="Picture 49" descr=""/>
+          <p:cNvPr id="75" name="" descr=""/>
           <p:cNvPicPr/>
           <p:nvPr/>
         </p:nvPicPr>
@@ -4053,8 +4645,8 @@
         </p:blipFill>
         <p:spPr>
           <a:xfrm>
-            <a:off x="532080" y="763560"/>
-            <a:ext cx="301680" cy="426600"/>
+            <a:off x="1158120" y="1315440"/>
+            <a:ext cx="365760" cy="518760"/>
           </a:xfrm>
           <a:prstGeom prst="rect">
             <a:avLst/>
@@ -4071,9 +4663,9 @@
           <p:nvPr/>
         </p:nvSpPr>
         <p:spPr>
-          <a:xfrm>
-            <a:off x="1097280" y="5121720"/>
-            <a:ext cx="519480" cy="364680"/>
+          <a:xfrm rot="16200000">
+            <a:off x="3978720" y="1977120"/>
+            <a:ext cx="945000" cy="364680"/>
           </a:xfrm>
           <a:prstGeom prst="rect">
             <a:avLst/>
@@ -4109,68 +4701,7 @@
                 </a:uFill>
                 <a:latin typeface="Calibri"/>
               </a:rPr>
-              <a:t>Pig</a:t>
-            </a:r>
-            <a:endParaRPr b="0" lang="en-US" sz="1800" spc="-1" strike="noStrike">
-              <a:solidFill>
-                <a:srgbClr val="000000"/>
-              </a:solidFill>
-              <a:uFill>
-                <a:solidFill>
-                  <a:srgbClr val="ffffff"/>
-                </a:solidFill>
-              </a:uFill>
-              <a:latin typeface="Arial"/>
-            </a:endParaRPr>
-          </a:p>
-        </p:txBody>
-      </p:sp>
-      <p:sp>
-        <p:nvSpPr>
-          <p:cNvPr id="77" name="CustomShape 29"/>
-          <p:cNvSpPr/>
-          <p:nvPr/>
-        </p:nvSpPr>
-        <p:spPr>
-          <a:xfrm rot="16200000">
-            <a:off x="1213200" y="2767680"/>
-            <a:ext cx="1415160" cy="364320"/>
-          </a:xfrm>
-          <a:prstGeom prst="rect">
-            <a:avLst/>
-          </a:prstGeom>
-          <a:noFill/>
-          <a:ln>
-            <a:noFill/>
-          </a:ln>
-        </p:spPr>
-        <p:style>
-          <a:lnRef idx="0"/>
-          <a:fillRef idx="0"/>
-          <a:effectRef idx="0"/>
-          <a:fontRef idx="minor"/>
-        </p:style>
-        <p:txBody>
-          <a:bodyPr wrap="none" lIns="90000" rIns="90000" tIns="45000" bIns="45000"/>
-          <a:p>
-            <a:pPr>
-              <a:lnSpc>
-                <a:spcPct val="100000"/>
-              </a:lnSpc>
-            </a:pPr>
-            <a:r>
-              <a:rPr b="0" lang="en-US" sz="1800" spc="-1" strike="noStrike">
-                <a:solidFill>
-                  <a:srgbClr val="000000"/>
-                </a:solidFill>
-                <a:uFill>
-                  <a:solidFill>
-                    <a:srgbClr val="ffffff"/>
-                  </a:solidFill>
-                </a:uFill>
-                <a:latin typeface="Calibri"/>
-              </a:rPr>
-              <a:t>ZooKeeper</a:t>
+              <a:t>Giraph</a:t>
             </a:r>
             <a:endParaRPr b="0" lang="en-US" sz="1800" spc="-1" strike="noStrike">
               <a:solidFill>
@@ -4188,7 +4719,7 @@
       </p:sp>
       <p:pic>
         <p:nvPicPr>
-          <p:cNvPr id="78" name="" descr=""/>
+          <p:cNvPr id="77" name="" descr=""/>
           <p:cNvPicPr/>
           <p:nvPr/>
         </p:nvPicPr>
@@ -4197,9 +4728,9 @@
           <a:stretch/>
         </p:blipFill>
         <p:spPr>
-          <a:xfrm>
-            <a:off x="1737360" y="1310040"/>
-            <a:ext cx="365760" cy="518760"/>
+          <a:xfrm rot="21593400">
+            <a:off x="4305240" y="1285560"/>
+            <a:ext cx="379080" cy="456480"/>
           </a:xfrm>
           <a:prstGeom prst="rect">
             <a:avLst/>
@@ -4211,14 +4742,14 @@
       </p:pic>
       <p:sp>
         <p:nvSpPr>
-          <p:cNvPr id="79" name="CustomShape 30"/>
+          <p:cNvPr id="78" name="CustomShape 29"/>
           <p:cNvSpPr/>
           <p:nvPr/>
         </p:nvSpPr>
         <p:spPr>
           <a:xfrm rot="16200000">
-            <a:off x="4557960" y="1971720"/>
-            <a:ext cx="945000" cy="364680"/>
+            <a:off x="4529520" y="2010600"/>
+            <a:ext cx="867240" cy="364680"/>
           </a:xfrm>
           <a:prstGeom prst="rect">
             <a:avLst/>
@@ -4254,7 +4785,7 @@
                 </a:uFill>
                 <a:latin typeface="Calibri"/>
               </a:rPr>
-              <a:t>Giraph</a:t>
+              <a:t>Storm</a:t>
             </a:r>
             <a:endParaRPr b="0" lang="en-US" sz="1800" spc="-1" strike="noStrike">
               <a:solidFill>
@@ -4272,18 +4803,19 @@
       </p:sp>
       <p:pic>
         <p:nvPicPr>
-          <p:cNvPr id="80" name="" descr=""/>
+          <p:cNvPr id="79" name="" descr=""/>
           <p:cNvPicPr/>
           <p:nvPr/>
         </p:nvPicPr>
         <p:blipFill>
           <a:blip r:embed="rId12"/>
+          <a:srcRect l="0" t="0" r="65422" b="0"/>
           <a:stretch/>
         </p:blipFill>
         <p:spPr>
-          <a:xfrm rot="21593400">
-            <a:off x="4884480" y="1280160"/>
-            <a:ext cx="379080" cy="456480"/>
+          <a:xfrm rot="16200000">
+            <a:off x="4759920" y="1292400"/>
+            <a:ext cx="451800" cy="410040"/>
           </a:xfrm>
           <a:prstGeom prst="rect">
             <a:avLst/>
@@ -4295,14 +4827,14 @@
       </p:pic>
       <p:sp>
         <p:nvSpPr>
-          <p:cNvPr id="81" name="CustomShape 31"/>
+          <p:cNvPr id="80" name="CustomShape 30"/>
           <p:cNvSpPr/>
           <p:nvPr/>
         </p:nvSpPr>
         <p:spPr>
           <a:xfrm rot="16200000">
-            <a:off x="5108760" y="2005200"/>
-            <a:ext cx="867240" cy="364680"/>
+            <a:off x="5043600" y="2037960"/>
+            <a:ext cx="837000" cy="364320"/>
           </a:xfrm>
           <a:prstGeom prst="rect">
             <a:avLst/>
@@ -4338,7 +4870,7 @@
                 </a:uFill>
                 <a:latin typeface="Calibri"/>
               </a:rPr>
-              <a:t>Storm</a:t>
+              <a:t>Spark</a:t>
             </a:r>
             <a:endParaRPr b="0" lang="en-US" sz="1800" spc="-1" strike="noStrike">
               <a:solidFill>
@@ -4356,19 +4888,18 @@
       </p:sp>
       <p:pic>
         <p:nvPicPr>
-          <p:cNvPr id="82" name="" descr=""/>
+          <p:cNvPr id="81" name="" descr=""/>
           <p:cNvPicPr/>
           <p:nvPr/>
         </p:nvPicPr>
         <p:blipFill>
           <a:blip r:embed="rId13"/>
-          <a:srcRect l="0" t="0" r="65422" b="0"/>
           <a:stretch/>
         </p:blipFill>
         <p:spPr>
           <a:xfrm rot="16200000">
-            <a:off x="5339160" y="1287000"/>
-            <a:ext cx="451800" cy="410040"/>
+            <a:off x="5209200" y="1386000"/>
+            <a:ext cx="567000" cy="329040"/>
           </a:xfrm>
           <a:prstGeom prst="rect">
             <a:avLst/>
@@ -4380,14 +4911,14 @@
       </p:pic>
       <p:sp>
         <p:nvSpPr>
-          <p:cNvPr id="83" name="CustomShape 32"/>
+          <p:cNvPr id="82" name="CustomShape 31"/>
           <p:cNvSpPr/>
           <p:nvPr/>
         </p:nvSpPr>
         <p:spPr>
           <a:xfrm rot="16200000">
-            <a:off x="5622840" y="2032560"/>
-            <a:ext cx="837000" cy="364320"/>
+            <a:off x="5646600" y="2096280"/>
+            <a:ext cx="716400" cy="364680"/>
           </a:xfrm>
           <a:prstGeom prst="rect">
             <a:avLst/>
@@ -4423,7 +4954,7 @@
                 </a:uFill>
                 <a:latin typeface="Calibri"/>
               </a:rPr>
-              <a:t>Spark</a:t>
+              <a:t>Flink</a:t>
             </a:r>
             <a:endParaRPr b="0" lang="en-US" sz="1800" spc="-1" strike="noStrike">
               <a:solidFill>
@@ -4441,18 +4972,19 @@
       </p:sp>
       <p:pic>
         <p:nvPicPr>
-          <p:cNvPr id="84" name="" descr=""/>
+          <p:cNvPr id="83" name="" descr=""/>
           <p:cNvPicPr/>
           <p:nvPr/>
         </p:nvPicPr>
         <p:blipFill>
           <a:blip r:embed="rId14"/>
+          <a:srcRect l="0" t="0" r="57133" b="0"/>
           <a:stretch/>
         </p:blipFill>
         <p:spPr>
           <a:xfrm rot="16200000">
-            <a:off x="5788440" y="1380600"/>
-            <a:ext cx="567000" cy="329040"/>
+            <a:off x="5785920" y="1295280"/>
+            <a:ext cx="456840" cy="438120"/>
           </a:xfrm>
           <a:prstGeom prst="rect">
             <a:avLst/>
@@ -4464,14 +4996,14 @@
       </p:pic>
       <p:sp>
         <p:nvSpPr>
-          <p:cNvPr id="85" name="CustomShape 33"/>
+          <p:cNvPr id="84" name="CustomShape 32"/>
           <p:cNvSpPr/>
           <p:nvPr/>
         </p:nvSpPr>
         <p:spPr>
           <a:xfrm rot="16200000">
-            <a:off x="6225840" y="2090880"/>
-            <a:ext cx="716400" cy="364680"/>
+            <a:off x="6189480" y="2469240"/>
+            <a:ext cx="908640" cy="364320"/>
           </a:xfrm>
           <a:prstGeom prst="rect">
             <a:avLst/>
@@ -4507,7 +5039,21 @@
                 </a:uFill>
                 <a:latin typeface="Calibri"/>
               </a:rPr>
-              <a:t>Flink</a:t>
+              <a:t>HBas</a:t>
+            </a:r>
+            <a:r>
+              <a:rPr b="0" lang="en-US" sz="1800" spc="-1" strike="noStrike">
+                <a:solidFill>
+                  <a:srgbClr val="000000"/>
+                </a:solidFill>
+                <a:uFill>
+                  <a:solidFill>
+                    <a:srgbClr val="ffffff"/>
+                  </a:solidFill>
+                </a:uFill>
+                <a:latin typeface="Calibri"/>
+              </a:rPr>
+              <a:t>e</a:t>
             </a:r>
             <a:endParaRPr b="0" lang="en-US" sz="1800" spc="-1" strike="noStrike">
               <a:solidFill>
@@ -4525,19 +5071,19 @@
       </p:sp>
       <p:pic>
         <p:nvPicPr>
-          <p:cNvPr id="86" name="" descr=""/>
+          <p:cNvPr id="85" name="" descr=""/>
           <p:cNvPicPr/>
           <p:nvPr/>
         </p:nvPicPr>
         <p:blipFill>
           <a:blip r:embed="rId15"/>
-          <a:srcRect l="0" t="0" r="57133" b="0"/>
+          <a:srcRect l="67456" t="0" r="0" b="0"/>
           <a:stretch/>
         </p:blipFill>
         <p:spPr>
           <a:xfrm rot="16200000">
-            <a:off x="6365160" y="1289880"/>
-            <a:ext cx="456840" cy="438120"/>
+            <a:off x="6339960" y="1326600"/>
+            <a:ext cx="604440" cy="474480"/>
           </a:xfrm>
           <a:prstGeom prst="rect">
             <a:avLst/>
@@ -4549,14 +5095,14 @@
       </p:pic>
       <p:sp>
         <p:nvSpPr>
-          <p:cNvPr id="87" name="CustomShape 34"/>
+          <p:cNvPr id="86" name="CustomShape 33"/>
           <p:cNvSpPr/>
           <p:nvPr/>
         </p:nvSpPr>
         <p:spPr>
           <a:xfrm rot="16200000">
-            <a:off x="6768720" y="2463840"/>
-            <a:ext cx="908640" cy="364320"/>
+            <a:off x="6556680" y="2772360"/>
+            <a:ext cx="1382400" cy="364320"/>
           </a:xfrm>
           <a:prstGeom prst="rect">
             <a:avLst/>
@@ -4592,7 +5138,110 @@
                 </a:uFill>
                 <a:latin typeface="Calibri"/>
               </a:rPr>
-              <a:t>HBase</a:t>
+              <a:t>Cassandra</a:t>
+            </a:r>
+            <a:endParaRPr b="0" lang="en-US" sz="1800" spc="-1" strike="noStrike">
+              <a:solidFill>
+                <a:srgbClr val="000000"/>
+              </a:solidFill>
+              <a:uFill>
+                <a:solidFill>
+                  <a:srgbClr val="ffffff"/>
+                </a:solidFill>
+              </a:uFill>
+              <a:latin typeface="Arial"/>
+            </a:endParaRPr>
+          </a:p>
+        </p:txBody>
+      </p:sp>
+      <p:sp>
+        <p:nvSpPr>
+          <p:cNvPr id="87" name="CustomShape 34"/>
+          <p:cNvSpPr/>
+          <p:nvPr/>
+        </p:nvSpPr>
+        <p:spPr>
+          <a:xfrm rot="16200000">
+            <a:off x="7193880" y="2790000"/>
+            <a:ext cx="1280160" cy="364320"/>
+          </a:xfrm>
+          <a:prstGeom prst="rect">
+            <a:avLst/>
+          </a:prstGeom>
+          <a:noFill/>
+          <a:ln>
+            <a:noFill/>
+          </a:ln>
+        </p:spPr>
+        <p:style>
+          <a:lnRef idx="0"/>
+          <a:fillRef idx="0"/>
+          <a:effectRef idx="0"/>
+          <a:fontRef idx="minor"/>
+        </p:style>
+        <p:txBody>
+          <a:bodyPr wrap="none" lIns="90000" rIns="90000" tIns="45000" bIns="45000"/>
+          <a:p>
+            <a:pPr>
+              <a:lnSpc>
+                <a:spcPct val="100000"/>
+              </a:lnSpc>
+            </a:pPr>
+            <a:r>
+              <a:rPr b="0" lang="en-US" sz="1800" spc="-1" strike="noStrike">
+                <a:solidFill>
+                  <a:srgbClr val="000000"/>
+                </a:solidFill>
+                <a:uFill>
+                  <a:solidFill>
+                    <a:srgbClr val="ffffff"/>
+                  </a:solidFill>
+                </a:uFill>
+                <a:latin typeface="Calibri"/>
+              </a:rPr>
+              <a:t>M</a:t>
+            </a:r>
+            <a:r>
+              <a:rPr b="0" lang="en-US" sz="1800" spc="-1" strike="noStrike">
+                <a:solidFill>
+                  <a:srgbClr val="000000"/>
+                </a:solidFill>
+                <a:uFill>
+                  <a:solidFill>
+                    <a:srgbClr val="ffffff"/>
+                  </a:solidFill>
+                </a:uFill>
+                <a:latin typeface="Calibri"/>
+              </a:rPr>
+              <a:t>on</a:t>
+            </a:r>
+            <a:r>
+              <a:rPr b="0" lang="en-US" sz="1800" spc="-1" strike="noStrike">
+                <a:solidFill>
+                  <a:srgbClr val="000000"/>
+                </a:solidFill>
+                <a:uFill>
+                  <a:solidFill>
+                    <a:srgbClr val="ffffff"/>
+                  </a:solidFill>
+                </a:uFill>
+                <a:latin typeface="Calibri"/>
+              </a:rPr>
+              <a:t>go</a:t>
+            </a:r>
+            <a:r>
+              <a:rPr b="0" lang="en-US" sz="1800" spc="-1" strike="noStrike">
+                <a:solidFill>
+                  <a:srgbClr val="000000"/>
+                </a:solidFill>
+                <a:uFill>
+                  <a:solidFill>
+                    <a:srgbClr val="ffffff"/>
+                  </a:solidFill>
+                </a:uFill>
+                <a:latin typeface="Calibri"/>
+              </a:rPr>
+              <a:t>DB</a:t>
             </a:r>
             <a:endParaRPr b="0" lang="en-US" sz="1800" spc="-1" strike="noStrike">
               <a:solidFill>
@@ -4616,13 +5265,13 @@
         </p:nvPicPr>
         <p:blipFill>
           <a:blip r:embed="rId16"/>
-          <a:srcRect l="67456" t="0" r="0" b="0"/>
+          <a:srcRect l="0" t="0" r="58380" b="0"/>
           <a:stretch/>
         </p:blipFill>
         <p:spPr>
           <a:xfrm rot="16200000">
-            <a:off x="6919200" y="1321200"/>
-            <a:ext cx="604440" cy="474480"/>
+            <a:off x="6851520" y="1492560"/>
+            <a:ext cx="822600" cy="408960"/>
           </a:xfrm>
           <a:prstGeom prst="rect">
             <a:avLst/>
@@ -4632,128 +5281,30 @@
           </a:ln>
         </p:spPr>
       </p:pic>
-      <p:sp>
-        <p:nvSpPr>
-          <p:cNvPr id="89" name="CustomShape 35"/>
-          <p:cNvSpPr/>
+      <p:pic>
+        <p:nvPicPr>
+          <p:cNvPr id="89" name="" descr=""/>
+          <p:cNvPicPr/>
           <p:nvPr/>
-        </p:nvSpPr>
-        <p:spPr>
-          <a:xfrm rot="16200000">
-            <a:off x="7135920" y="2766960"/>
-            <a:ext cx="1382400" cy="364320"/>
-          </a:xfrm>
-          <a:prstGeom prst="rect">
-            <a:avLst/>
-          </a:prstGeom>
-          <a:noFill/>
+        </p:nvPicPr>
+        <p:blipFill>
+          <a:blip r:embed="rId17"/>
+          <a:srcRect l="0" t="0" r="87133" b="0"/>
+          <a:stretch/>
+        </p:blipFill>
+        <p:spPr>
+          <a:xfrm>
+            <a:off x="7675200" y="1296720"/>
+            <a:ext cx="401400" cy="847800"/>
+          </a:xfrm>
+          <a:prstGeom prst="rect">
+            <a:avLst/>
+          </a:prstGeom>
           <a:ln>
             <a:noFill/>
           </a:ln>
         </p:spPr>
-        <p:style>
-          <a:lnRef idx="0"/>
-          <a:fillRef idx="0"/>
-          <a:effectRef idx="0"/>
-          <a:fontRef idx="minor"/>
-        </p:style>
-        <p:txBody>
-          <a:bodyPr wrap="none" lIns="90000" rIns="90000" tIns="45000" bIns="45000"/>
-          <a:p>
-            <a:pPr>
-              <a:lnSpc>
-                <a:spcPct val="100000"/>
-              </a:lnSpc>
-            </a:pPr>
-            <a:r>
-              <a:rPr b="0" lang="en-US" sz="1800" spc="-1" strike="noStrike">
-                <a:solidFill>
-                  <a:srgbClr val="000000"/>
-                </a:solidFill>
-                <a:uFill>
-                  <a:solidFill>
-                    <a:srgbClr val="ffffff"/>
-                  </a:solidFill>
-                </a:uFill>
-                <a:latin typeface="Calibri"/>
-              </a:rPr>
-              <a:t>Cassandra</a:t>
-            </a:r>
-            <a:endParaRPr b="0" lang="en-US" sz="1800" spc="-1" strike="noStrike">
-              <a:solidFill>
-                <a:srgbClr val="000000"/>
-              </a:solidFill>
-              <a:uFill>
-                <a:solidFill>
-                  <a:srgbClr val="ffffff"/>
-                </a:solidFill>
-              </a:uFill>
-              <a:latin typeface="Arial"/>
-            </a:endParaRPr>
-          </a:p>
-        </p:txBody>
-      </p:sp>
-      <p:sp>
-        <p:nvSpPr>
-          <p:cNvPr id="90" name="CustomShape 36"/>
-          <p:cNvSpPr/>
-          <p:nvPr/>
-        </p:nvSpPr>
-        <p:spPr>
-          <a:xfrm rot="16200000">
-            <a:off x="7773120" y="2784600"/>
-            <a:ext cx="1280160" cy="364320"/>
-          </a:xfrm>
-          <a:prstGeom prst="rect">
-            <a:avLst/>
-          </a:prstGeom>
-          <a:noFill/>
-          <a:ln>
-            <a:noFill/>
-          </a:ln>
-        </p:spPr>
-        <p:style>
-          <a:lnRef idx="0"/>
-          <a:fillRef idx="0"/>
-          <a:effectRef idx="0"/>
-          <a:fontRef idx="minor"/>
-        </p:style>
-        <p:txBody>
-          <a:bodyPr wrap="none" lIns="90000" rIns="90000" tIns="45000" bIns="45000"/>
-          <a:p>
-            <a:pPr>
-              <a:lnSpc>
-                <a:spcPct val="100000"/>
-              </a:lnSpc>
-            </a:pPr>
-            <a:r>
-              <a:rPr b="0" lang="en-US" sz="1800" spc="-1" strike="noStrike">
-                <a:solidFill>
-                  <a:srgbClr val="000000"/>
-                </a:solidFill>
-                <a:uFill>
-                  <a:solidFill>
-                    <a:srgbClr val="ffffff"/>
-                  </a:solidFill>
-                </a:uFill>
-                <a:latin typeface="Calibri"/>
-              </a:rPr>
-              <a:t>MongoDB</a:t>
-            </a:r>
-            <a:endParaRPr b="0" lang="en-US" sz="1800" spc="-1" strike="noStrike">
-              <a:solidFill>
-                <a:srgbClr val="000000"/>
-              </a:solidFill>
-              <a:uFill>
-                <a:solidFill>
-                  <a:srgbClr val="ffffff"/>
-                </a:solidFill>
-              </a:uFill>
-              <a:latin typeface="Arial"/>
-            </a:endParaRPr>
-          </a:p>
-        </p:txBody>
-      </p:sp>
+      </p:pic>
     </p:spTree>
   </p:cSld>
   <p:timing>

--- a/Hadoop Ecosystem Icons/Hadoop Ecosystem.pptx
+++ b/Hadoop Ecosystem Icons/Hadoop Ecosystem.pptx
@@ -1,19 +1,114 @@
 
 <file path=ppt/presentation.xml><?xml version="1.0" encoding="utf-8"?>
-<p:presentation xmlns:a="http://schemas.openxmlformats.org/drawingml/2006/main" xmlns:p="http://schemas.openxmlformats.org/presentationml/2006/main" xmlns:r="http://schemas.openxmlformats.org/officeDocument/2006/relationships" xmlns:p14="http://schemas.microsoft.com/office/powerpoint/2010/main" xmlns:p15="http://schemas.microsoft.com/office/powerpoint/2012/main" xmlns:mc="http://schemas.openxmlformats.org/markup-compatibility/2006">
+<p:presentation xmlns:a="http://schemas.openxmlformats.org/drawingml/2006/main" xmlns:r="http://schemas.openxmlformats.org/officeDocument/2006/relationships" xmlns:p="http://schemas.openxmlformats.org/presentationml/2006/main">
   <p:sldMasterIdLst>
-    <p:sldMasterId id="2147483648" r:id="rId2"/>
+    <p:sldMasterId id="2147483648" r:id="rId1"/>
   </p:sldMasterIdLst>
   <p:sldIdLst>
-    <p:sldId id="256" r:id="rId3"/>
+    <p:sldId id="256" r:id="rId2"/>
   </p:sldIdLst>
-  <p:sldSz cx="9144000" cy="6858000"/>
+  <p:sldSz cx="9144000" cy="6858000" type="screen4x3"/>
   <p:notesSz cx="7772400" cy="10058400"/>
+  <p:defaultTextStyle>
+    <a:defPPr>
+      <a:defRPr lang="en-US"/>
+    </a:defPPr>
+    <a:lvl1pPr marL="0" algn="l" defTabSz="914400" rtl="0" eaLnBrk="1" latinLnBrk="0" hangingPunct="1">
+      <a:defRPr sz="1800" kern="1200">
+        <a:solidFill>
+          <a:schemeClr val="tx1"/>
+        </a:solidFill>
+        <a:latin typeface="+mn-lt"/>
+        <a:ea typeface="+mn-ea"/>
+        <a:cs typeface="+mn-cs"/>
+      </a:defRPr>
+    </a:lvl1pPr>
+    <a:lvl2pPr marL="457200" algn="l" defTabSz="914400" rtl="0" eaLnBrk="1" latinLnBrk="0" hangingPunct="1">
+      <a:defRPr sz="1800" kern="1200">
+        <a:solidFill>
+          <a:schemeClr val="tx1"/>
+        </a:solidFill>
+        <a:latin typeface="+mn-lt"/>
+        <a:ea typeface="+mn-ea"/>
+        <a:cs typeface="+mn-cs"/>
+      </a:defRPr>
+    </a:lvl2pPr>
+    <a:lvl3pPr marL="914400" algn="l" defTabSz="914400" rtl="0" eaLnBrk="1" latinLnBrk="0" hangingPunct="1">
+      <a:defRPr sz="1800" kern="1200">
+        <a:solidFill>
+          <a:schemeClr val="tx1"/>
+        </a:solidFill>
+        <a:latin typeface="+mn-lt"/>
+        <a:ea typeface="+mn-ea"/>
+        <a:cs typeface="+mn-cs"/>
+      </a:defRPr>
+    </a:lvl3pPr>
+    <a:lvl4pPr marL="1371600" algn="l" defTabSz="914400" rtl="0" eaLnBrk="1" latinLnBrk="0" hangingPunct="1">
+      <a:defRPr sz="1800" kern="1200">
+        <a:solidFill>
+          <a:schemeClr val="tx1"/>
+        </a:solidFill>
+        <a:latin typeface="+mn-lt"/>
+        <a:ea typeface="+mn-ea"/>
+        <a:cs typeface="+mn-cs"/>
+      </a:defRPr>
+    </a:lvl4pPr>
+    <a:lvl5pPr marL="1828800" algn="l" defTabSz="914400" rtl="0" eaLnBrk="1" latinLnBrk="0" hangingPunct="1">
+      <a:defRPr sz="1800" kern="1200">
+        <a:solidFill>
+          <a:schemeClr val="tx1"/>
+        </a:solidFill>
+        <a:latin typeface="+mn-lt"/>
+        <a:ea typeface="+mn-ea"/>
+        <a:cs typeface="+mn-cs"/>
+      </a:defRPr>
+    </a:lvl5pPr>
+    <a:lvl6pPr marL="2286000" algn="l" defTabSz="914400" rtl="0" eaLnBrk="1" latinLnBrk="0" hangingPunct="1">
+      <a:defRPr sz="1800" kern="1200">
+        <a:solidFill>
+          <a:schemeClr val="tx1"/>
+        </a:solidFill>
+        <a:latin typeface="+mn-lt"/>
+        <a:ea typeface="+mn-ea"/>
+        <a:cs typeface="+mn-cs"/>
+      </a:defRPr>
+    </a:lvl6pPr>
+    <a:lvl7pPr marL="2743200" algn="l" defTabSz="914400" rtl="0" eaLnBrk="1" latinLnBrk="0" hangingPunct="1">
+      <a:defRPr sz="1800" kern="1200">
+        <a:solidFill>
+          <a:schemeClr val="tx1"/>
+        </a:solidFill>
+        <a:latin typeface="+mn-lt"/>
+        <a:ea typeface="+mn-ea"/>
+        <a:cs typeface="+mn-cs"/>
+      </a:defRPr>
+    </a:lvl7pPr>
+    <a:lvl8pPr marL="3200400" algn="l" defTabSz="914400" rtl="0" eaLnBrk="1" latinLnBrk="0" hangingPunct="1">
+      <a:defRPr sz="1800" kern="1200">
+        <a:solidFill>
+          <a:schemeClr val="tx1"/>
+        </a:solidFill>
+        <a:latin typeface="+mn-lt"/>
+        <a:ea typeface="+mn-ea"/>
+        <a:cs typeface="+mn-cs"/>
+      </a:defRPr>
+    </a:lvl8pPr>
+    <a:lvl9pPr marL="3657600" algn="l" defTabSz="914400" rtl="0" eaLnBrk="1" latinLnBrk="0" hangingPunct="1">
+      <a:defRPr sz="1800" kern="1200">
+        <a:solidFill>
+          <a:schemeClr val="tx1"/>
+        </a:solidFill>
+        <a:latin typeface="+mn-lt"/>
+        <a:ea typeface="+mn-ea"/>
+        <a:cs typeface="+mn-cs"/>
+      </a:defRPr>
+    </a:lvl9pPr>
+  </p:defaultTextStyle>
 </p:presentation>
 </file>
 
 <file path=ppt/slideLayouts/slideLayout1.xml><?xml version="1.0" encoding="utf-8"?>
-<p:sldLayout xmlns:a="http://schemas.openxmlformats.org/drawingml/2006/main" xmlns:p="http://schemas.openxmlformats.org/presentationml/2006/main" xmlns:r="http://schemas.openxmlformats.org/officeDocument/2006/relationships" xmlns:p14="http://schemas.microsoft.com/office/powerpoint/2010/main" xmlns:p15="http://schemas.microsoft.com/office/powerpoint/2012/main" xmlns:mc="http://schemas.openxmlformats.org/markup-compatibility/2006" type="blank" preserve="1">
+<p:sldLayout xmlns:a="http://schemas.openxmlformats.org/drawingml/2006/main" xmlns:r="http://schemas.openxmlformats.org/officeDocument/2006/relationships" xmlns:p="http://schemas.openxmlformats.org/presentationml/2006/main" type="blank" preserve="1">
   <p:cSld name="Blank Slide">
     <p:spTree>
       <p:nvGrpSpPr>
@@ -31,11 +126,14 @@
       </p:grpSpPr>
     </p:spTree>
   </p:cSld>
+  <p:clrMapOvr>
+    <a:masterClrMapping/>
+  </p:clrMapOvr>
 </p:sldLayout>
 </file>
 
 <file path=ppt/slideLayouts/slideLayout10.xml><?xml version="1.0" encoding="utf-8"?>
-<p:sldLayout xmlns:a="http://schemas.openxmlformats.org/drawingml/2006/main" xmlns:p="http://schemas.openxmlformats.org/presentationml/2006/main" xmlns:r="http://schemas.openxmlformats.org/officeDocument/2006/relationships" xmlns:p14="http://schemas.microsoft.com/office/powerpoint/2010/main" xmlns:p15="http://schemas.microsoft.com/office/powerpoint/2012/main" xmlns:mc="http://schemas.openxmlformats.org/markup-compatibility/2006" type="objOverTx" preserve="1">
+<p:sldLayout xmlns:a="http://schemas.openxmlformats.org/drawingml/2006/main" xmlns:r="http://schemas.openxmlformats.org/officeDocument/2006/relationships" xmlns:p="http://schemas.openxmlformats.org/presentationml/2006/main" type="objOverTx" preserve="1">
   <p:cSld name="Title, Content over Content">
     <p:spTree>
       <p:nvGrpSpPr>
@@ -71,15 +169,16 @@
           </a:prstGeom>
         </p:spPr>
         <p:txBody>
-          <a:bodyPr lIns="0" rIns="0" tIns="0" bIns="0" anchor="ctr"/>
-          <a:p>
-            <a:endParaRPr b="0" lang="en-US" sz="1800" spc="-1" strike="noStrike">
-              <a:solidFill>
-                <a:srgbClr val="000000"/>
-              </a:solidFill>
-              <a:uFill>
-                <a:solidFill>
-                  <a:srgbClr val="ffffff"/>
+          <a:bodyPr lIns="0" tIns="0" rIns="0" bIns="0" anchor="ctr"/>
+          <a:lstStyle/>
+          <a:p>
+            <a:endParaRPr lang="en-US" sz="1800" b="0" strike="noStrike" spc="-1">
+              <a:solidFill>
+                <a:srgbClr val="000000"/>
+              </a:solidFill>
+              <a:uFill>
+                <a:solidFill>
+                  <a:srgbClr val="FFFFFF"/>
                 </a:solidFill>
               </a:uFill>
               <a:latin typeface="Calibri"/>
@@ -107,15 +206,16 @@
           </a:prstGeom>
         </p:spPr>
         <p:txBody>
-          <a:bodyPr lIns="0" rIns="0" tIns="0" bIns="0"/>
-          <a:p>
-            <a:endParaRPr b="0" lang="en-US" sz="3200" spc="-1" strike="noStrike">
-              <a:solidFill>
-                <a:srgbClr val="000000"/>
-              </a:solidFill>
-              <a:uFill>
-                <a:solidFill>
-                  <a:srgbClr val="ffffff"/>
+          <a:bodyPr lIns="0" tIns="0" rIns="0" bIns="0"/>
+          <a:lstStyle/>
+          <a:p>
+            <a:endParaRPr lang="en-US" sz="3200" b="0" strike="noStrike" spc="-1">
+              <a:solidFill>
+                <a:srgbClr val="000000"/>
+              </a:solidFill>
+              <a:uFill>
+                <a:solidFill>
+                  <a:srgbClr val="FFFFFF"/>
                 </a:solidFill>
               </a:uFill>
               <a:latin typeface="Calibri"/>
@@ -143,15 +243,16 @@
           </a:prstGeom>
         </p:spPr>
         <p:txBody>
-          <a:bodyPr lIns="0" rIns="0" tIns="0" bIns="0"/>
-          <a:p>
-            <a:endParaRPr b="0" lang="en-US" sz="3200" spc="-1" strike="noStrike">
-              <a:solidFill>
-                <a:srgbClr val="000000"/>
-              </a:solidFill>
-              <a:uFill>
-                <a:solidFill>
-                  <a:srgbClr val="ffffff"/>
+          <a:bodyPr lIns="0" tIns="0" rIns="0" bIns="0"/>
+          <a:lstStyle/>
+          <a:p>
+            <a:endParaRPr lang="en-US" sz="3200" b="0" strike="noStrike" spc="-1">
+              <a:solidFill>
+                <a:srgbClr val="000000"/>
+              </a:solidFill>
+              <a:uFill>
+                <a:solidFill>
+                  <a:srgbClr val="FFFFFF"/>
                 </a:solidFill>
               </a:uFill>
               <a:latin typeface="Calibri"/>
@@ -161,11 +262,14 @@
       </p:sp>
     </p:spTree>
   </p:cSld>
+  <p:clrMapOvr>
+    <a:masterClrMapping/>
+  </p:clrMapOvr>
 </p:sldLayout>
 </file>
 
 <file path=ppt/slideLayouts/slideLayout11.xml><?xml version="1.0" encoding="utf-8"?>
-<p:sldLayout xmlns:a="http://schemas.openxmlformats.org/drawingml/2006/main" xmlns:p="http://schemas.openxmlformats.org/presentationml/2006/main" xmlns:r="http://schemas.openxmlformats.org/officeDocument/2006/relationships" xmlns:p14="http://schemas.microsoft.com/office/powerpoint/2010/main" xmlns:p15="http://schemas.microsoft.com/office/powerpoint/2012/main" xmlns:mc="http://schemas.openxmlformats.org/markup-compatibility/2006" type="fourObj" preserve="1">
+<p:sldLayout xmlns:a="http://schemas.openxmlformats.org/drawingml/2006/main" xmlns:r="http://schemas.openxmlformats.org/officeDocument/2006/relationships" xmlns:p="http://schemas.openxmlformats.org/presentationml/2006/main" type="fourObj" preserve="1">
   <p:cSld name="Title, 4 Content">
     <p:spTree>
       <p:nvGrpSpPr>
@@ -201,15 +305,16 @@
           </a:prstGeom>
         </p:spPr>
         <p:txBody>
-          <a:bodyPr lIns="0" rIns="0" tIns="0" bIns="0" anchor="ctr"/>
-          <a:p>
-            <a:endParaRPr b="0" lang="en-US" sz="1800" spc="-1" strike="noStrike">
-              <a:solidFill>
-                <a:srgbClr val="000000"/>
-              </a:solidFill>
-              <a:uFill>
-                <a:solidFill>
-                  <a:srgbClr val="ffffff"/>
+          <a:bodyPr lIns="0" tIns="0" rIns="0" bIns="0" anchor="ctr"/>
+          <a:lstStyle/>
+          <a:p>
+            <a:endParaRPr lang="en-US" sz="1800" b="0" strike="noStrike" spc="-1">
+              <a:solidFill>
+                <a:srgbClr val="000000"/>
+              </a:solidFill>
+              <a:uFill>
+                <a:solidFill>
+                  <a:srgbClr val="FFFFFF"/>
                 </a:solidFill>
               </a:uFill>
               <a:latin typeface="Calibri"/>
@@ -237,15 +342,16 @@
           </a:prstGeom>
         </p:spPr>
         <p:txBody>
-          <a:bodyPr lIns="0" rIns="0" tIns="0" bIns="0"/>
-          <a:p>
-            <a:endParaRPr b="0" lang="en-US" sz="3200" spc="-1" strike="noStrike">
-              <a:solidFill>
-                <a:srgbClr val="000000"/>
-              </a:solidFill>
-              <a:uFill>
-                <a:solidFill>
-                  <a:srgbClr val="ffffff"/>
+          <a:bodyPr lIns="0" tIns="0" rIns="0" bIns="0"/>
+          <a:lstStyle/>
+          <a:p>
+            <a:endParaRPr lang="en-US" sz="3200" b="0" strike="noStrike" spc="-1">
+              <a:solidFill>
+                <a:srgbClr val="000000"/>
+              </a:solidFill>
+              <a:uFill>
+                <a:solidFill>
+                  <a:srgbClr val="FFFFFF"/>
                 </a:solidFill>
               </a:uFill>
               <a:latin typeface="Calibri"/>
@@ -273,15 +379,16 @@
           </a:prstGeom>
         </p:spPr>
         <p:txBody>
-          <a:bodyPr lIns="0" rIns="0" tIns="0" bIns="0"/>
-          <a:p>
-            <a:endParaRPr b="0" lang="en-US" sz="3200" spc="-1" strike="noStrike">
-              <a:solidFill>
-                <a:srgbClr val="000000"/>
-              </a:solidFill>
-              <a:uFill>
-                <a:solidFill>
-                  <a:srgbClr val="ffffff"/>
+          <a:bodyPr lIns="0" tIns="0" rIns="0" bIns="0"/>
+          <a:lstStyle/>
+          <a:p>
+            <a:endParaRPr lang="en-US" sz="3200" b="0" strike="noStrike" spc="-1">
+              <a:solidFill>
+                <a:srgbClr val="000000"/>
+              </a:solidFill>
+              <a:uFill>
+                <a:solidFill>
+                  <a:srgbClr val="FFFFFF"/>
                 </a:solidFill>
               </a:uFill>
               <a:latin typeface="Calibri"/>
@@ -309,15 +416,16 @@
           </a:prstGeom>
         </p:spPr>
         <p:txBody>
-          <a:bodyPr lIns="0" rIns="0" tIns="0" bIns="0"/>
-          <a:p>
-            <a:endParaRPr b="0" lang="en-US" sz="3200" spc="-1" strike="noStrike">
-              <a:solidFill>
-                <a:srgbClr val="000000"/>
-              </a:solidFill>
-              <a:uFill>
-                <a:solidFill>
-                  <a:srgbClr val="ffffff"/>
+          <a:bodyPr lIns="0" tIns="0" rIns="0" bIns="0"/>
+          <a:lstStyle/>
+          <a:p>
+            <a:endParaRPr lang="en-US" sz="3200" b="0" strike="noStrike" spc="-1">
+              <a:solidFill>
+                <a:srgbClr val="000000"/>
+              </a:solidFill>
+              <a:uFill>
+                <a:solidFill>
+                  <a:srgbClr val="FFFFFF"/>
                 </a:solidFill>
               </a:uFill>
               <a:latin typeface="Calibri"/>
@@ -345,15 +453,16 @@
           </a:prstGeom>
         </p:spPr>
         <p:txBody>
-          <a:bodyPr lIns="0" rIns="0" tIns="0" bIns="0"/>
-          <a:p>
-            <a:endParaRPr b="0" lang="en-US" sz="3200" spc="-1" strike="noStrike">
-              <a:solidFill>
-                <a:srgbClr val="000000"/>
-              </a:solidFill>
-              <a:uFill>
-                <a:solidFill>
-                  <a:srgbClr val="ffffff"/>
+          <a:bodyPr lIns="0" tIns="0" rIns="0" bIns="0"/>
+          <a:lstStyle/>
+          <a:p>
+            <a:endParaRPr lang="en-US" sz="3200" b="0" strike="noStrike" spc="-1">
+              <a:solidFill>
+                <a:srgbClr val="000000"/>
+              </a:solidFill>
+              <a:uFill>
+                <a:solidFill>
+                  <a:srgbClr val="FFFFFF"/>
                 </a:solidFill>
               </a:uFill>
               <a:latin typeface="Calibri"/>
@@ -363,11 +472,14 @@
       </p:sp>
     </p:spTree>
   </p:cSld>
+  <p:clrMapOvr>
+    <a:masterClrMapping/>
+  </p:clrMapOvr>
 </p:sldLayout>
 </file>
 
 <file path=ppt/slideLayouts/slideLayout12.xml><?xml version="1.0" encoding="utf-8"?>
-<p:sldLayout xmlns:a="http://schemas.openxmlformats.org/drawingml/2006/main" xmlns:p="http://schemas.openxmlformats.org/presentationml/2006/main" xmlns:r="http://schemas.openxmlformats.org/officeDocument/2006/relationships" xmlns:p14="http://schemas.microsoft.com/office/powerpoint/2010/main" xmlns:p15="http://schemas.microsoft.com/office/powerpoint/2012/main" xmlns:mc="http://schemas.openxmlformats.org/markup-compatibility/2006" type="blank" preserve="1">
+<p:sldLayout xmlns:a="http://schemas.openxmlformats.org/drawingml/2006/main" xmlns:r="http://schemas.openxmlformats.org/officeDocument/2006/relationships" xmlns:p="http://schemas.openxmlformats.org/presentationml/2006/main" type="blank" preserve="1">
   <p:cSld name="Title, 6 Content">
     <p:spTree>
       <p:nvGrpSpPr>
@@ -403,15 +515,16 @@
           </a:prstGeom>
         </p:spPr>
         <p:txBody>
-          <a:bodyPr lIns="0" rIns="0" tIns="0" bIns="0" anchor="ctr"/>
-          <a:p>
-            <a:endParaRPr b="0" lang="en-US" sz="1800" spc="-1" strike="noStrike">
-              <a:solidFill>
-                <a:srgbClr val="000000"/>
-              </a:solidFill>
-              <a:uFill>
-                <a:solidFill>
-                  <a:srgbClr val="ffffff"/>
+          <a:bodyPr lIns="0" tIns="0" rIns="0" bIns="0" anchor="ctr"/>
+          <a:lstStyle/>
+          <a:p>
+            <a:endParaRPr lang="en-US" sz="1800" b="0" strike="noStrike" spc="-1">
+              <a:solidFill>
+                <a:srgbClr val="000000"/>
+              </a:solidFill>
+              <a:uFill>
+                <a:solidFill>
+                  <a:srgbClr val="FFFFFF"/>
                 </a:solidFill>
               </a:uFill>
               <a:latin typeface="Calibri"/>
@@ -439,15 +552,16 @@
           </a:prstGeom>
         </p:spPr>
         <p:txBody>
-          <a:bodyPr lIns="0" rIns="0" tIns="0" bIns="0"/>
-          <a:p>
-            <a:endParaRPr b="0" lang="en-US" sz="3200" spc="-1" strike="noStrike">
-              <a:solidFill>
-                <a:srgbClr val="000000"/>
-              </a:solidFill>
-              <a:uFill>
-                <a:solidFill>
-                  <a:srgbClr val="ffffff"/>
+          <a:bodyPr lIns="0" tIns="0" rIns="0" bIns="0"/>
+          <a:lstStyle/>
+          <a:p>
+            <a:endParaRPr lang="en-US" sz="3200" b="0" strike="noStrike" spc="-1">
+              <a:solidFill>
+                <a:srgbClr val="000000"/>
+              </a:solidFill>
+              <a:uFill>
+                <a:solidFill>
+                  <a:srgbClr val="FFFFFF"/>
                 </a:solidFill>
               </a:uFill>
               <a:latin typeface="Calibri"/>
@@ -475,15 +589,16 @@
           </a:prstGeom>
         </p:spPr>
         <p:txBody>
-          <a:bodyPr lIns="0" rIns="0" tIns="0" bIns="0"/>
-          <a:p>
-            <a:endParaRPr b="0" lang="en-US" sz="3200" spc="-1" strike="noStrike">
-              <a:solidFill>
-                <a:srgbClr val="000000"/>
-              </a:solidFill>
-              <a:uFill>
-                <a:solidFill>
-                  <a:srgbClr val="ffffff"/>
+          <a:bodyPr lIns="0" tIns="0" rIns="0" bIns="0"/>
+          <a:lstStyle/>
+          <a:p>
+            <a:endParaRPr lang="en-US" sz="3200" b="0" strike="noStrike" spc="-1">
+              <a:solidFill>
+                <a:srgbClr val="000000"/>
+              </a:solidFill>
+              <a:uFill>
+                <a:solidFill>
+                  <a:srgbClr val="FFFFFF"/>
                 </a:solidFill>
               </a:uFill>
               <a:latin typeface="Calibri"/>
@@ -493,7 +608,7 @@
       </p:sp>
       <p:pic>
         <p:nvPicPr>
-          <p:cNvPr id="37" name="" descr=""/>
+          <p:cNvPr id="37" name="Picture 36"/>
           <p:cNvPicPr/>
           <p:nvPr/>
         </p:nvPicPr>
@@ -516,12 +631,12 @@
       </p:pic>
       <p:pic>
         <p:nvPicPr>
-          <p:cNvPr id="38" name="" descr=""/>
+          <p:cNvPr id="38" name="Picture 37"/>
           <p:cNvPicPr/>
           <p:nvPr/>
         </p:nvPicPr>
         <p:blipFill>
-          <a:blip r:embed="rId3"/>
+          <a:blip r:embed="rId2"/>
           <a:stretch/>
         </p:blipFill>
         <p:spPr>
@@ -539,11 +654,14 @@
       </p:pic>
     </p:spTree>
   </p:cSld>
+  <p:clrMapOvr>
+    <a:masterClrMapping/>
+  </p:clrMapOvr>
 </p:sldLayout>
 </file>
 
 <file path=ppt/slideLayouts/slideLayout2.xml><?xml version="1.0" encoding="utf-8"?>
-<p:sldLayout xmlns:a="http://schemas.openxmlformats.org/drawingml/2006/main" xmlns:p="http://schemas.openxmlformats.org/presentationml/2006/main" xmlns:r="http://schemas.openxmlformats.org/officeDocument/2006/relationships" xmlns:p14="http://schemas.microsoft.com/office/powerpoint/2010/main" xmlns:p15="http://schemas.microsoft.com/office/powerpoint/2012/main" xmlns:mc="http://schemas.openxmlformats.org/markup-compatibility/2006" type="tx" preserve="1">
+<p:sldLayout xmlns:a="http://schemas.openxmlformats.org/drawingml/2006/main" xmlns:r="http://schemas.openxmlformats.org/officeDocument/2006/relationships" xmlns:p="http://schemas.openxmlformats.org/presentationml/2006/main" type="tx" preserve="1">
   <p:cSld name="Title Slide">
     <p:spTree>
       <p:nvGrpSpPr>
@@ -579,15 +697,16 @@
           </a:prstGeom>
         </p:spPr>
         <p:txBody>
-          <a:bodyPr lIns="0" rIns="0" tIns="0" bIns="0" anchor="ctr"/>
-          <a:p>
-            <a:endParaRPr b="0" lang="en-US" sz="1800" spc="-1" strike="noStrike">
-              <a:solidFill>
-                <a:srgbClr val="000000"/>
-              </a:solidFill>
-              <a:uFill>
-                <a:solidFill>
-                  <a:srgbClr val="ffffff"/>
+          <a:bodyPr lIns="0" tIns="0" rIns="0" bIns="0" anchor="ctr"/>
+          <a:lstStyle/>
+          <a:p>
+            <a:endParaRPr lang="en-US" sz="1800" b="0" strike="noStrike" spc="-1">
+              <a:solidFill>
+                <a:srgbClr val="000000"/>
+              </a:solidFill>
+              <a:uFill>
+                <a:solidFill>
+                  <a:srgbClr val="FFFFFF"/>
                 </a:solidFill>
               </a:uFill>
               <a:latin typeface="Calibri"/>
@@ -615,16 +734,17 @@
           </a:prstGeom>
         </p:spPr>
         <p:txBody>
-          <a:bodyPr lIns="0" rIns="0" tIns="0" bIns="0" anchor="ctr"/>
+          <a:bodyPr lIns="0" tIns="0" rIns="0" bIns="0" anchor="ctr"/>
+          <a:lstStyle/>
           <a:p>
             <a:pPr algn="ctr"/>
-            <a:endParaRPr b="0" lang="en-US" sz="3200" spc="-1" strike="noStrike">
-              <a:solidFill>
-                <a:srgbClr val="000000"/>
-              </a:solidFill>
-              <a:uFill>
-                <a:solidFill>
-                  <a:srgbClr val="ffffff"/>
+            <a:endParaRPr lang="en-US" sz="3200" b="0" strike="noStrike" spc="-1">
+              <a:solidFill>
+                <a:srgbClr val="000000"/>
+              </a:solidFill>
+              <a:uFill>
+                <a:solidFill>
+                  <a:srgbClr val="FFFFFF"/>
                 </a:solidFill>
               </a:uFill>
               <a:latin typeface="Arial"/>
@@ -634,11 +754,14 @@
       </p:sp>
     </p:spTree>
   </p:cSld>
+  <p:clrMapOvr>
+    <a:masterClrMapping/>
+  </p:clrMapOvr>
 </p:sldLayout>
 </file>
 
 <file path=ppt/slideLayouts/slideLayout3.xml><?xml version="1.0" encoding="utf-8"?>
-<p:sldLayout xmlns:a="http://schemas.openxmlformats.org/drawingml/2006/main" xmlns:p="http://schemas.openxmlformats.org/presentationml/2006/main" xmlns:r="http://schemas.openxmlformats.org/officeDocument/2006/relationships" xmlns:p14="http://schemas.microsoft.com/office/powerpoint/2010/main" xmlns:p15="http://schemas.microsoft.com/office/powerpoint/2012/main" xmlns:mc="http://schemas.openxmlformats.org/markup-compatibility/2006" type="obj" preserve="1">
+<p:sldLayout xmlns:a="http://schemas.openxmlformats.org/drawingml/2006/main" xmlns:r="http://schemas.openxmlformats.org/officeDocument/2006/relationships" xmlns:p="http://schemas.openxmlformats.org/presentationml/2006/main" type="obj" preserve="1">
   <p:cSld name="Title, Content">
     <p:spTree>
       <p:nvGrpSpPr>
@@ -674,15 +797,16 @@
           </a:prstGeom>
         </p:spPr>
         <p:txBody>
-          <a:bodyPr lIns="0" rIns="0" tIns="0" bIns="0" anchor="ctr"/>
-          <a:p>
-            <a:endParaRPr b="0" lang="en-US" sz="1800" spc="-1" strike="noStrike">
-              <a:solidFill>
-                <a:srgbClr val="000000"/>
-              </a:solidFill>
-              <a:uFill>
-                <a:solidFill>
-                  <a:srgbClr val="ffffff"/>
+          <a:bodyPr lIns="0" tIns="0" rIns="0" bIns="0" anchor="ctr"/>
+          <a:lstStyle/>
+          <a:p>
+            <a:endParaRPr lang="en-US" sz="1800" b="0" strike="noStrike" spc="-1">
+              <a:solidFill>
+                <a:srgbClr val="000000"/>
+              </a:solidFill>
+              <a:uFill>
+                <a:solidFill>
+                  <a:srgbClr val="FFFFFF"/>
                 </a:solidFill>
               </a:uFill>
               <a:latin typeface="Calibri"/>
@@ -710,15 +834,16 @@
           </a:prstGeom>
         </p:spPr>
         <p:txBody>
-          <a:bodyPr lIns="0" rIns="0" tIns="0" bIns="0"/>
-          <a:p>
-            <a:endParaRPr b="0" lang="en-US" sz="3200" spc="-1" strike="noStrike">
-              <a:solidFill>
-                <a:srgbClr val="000000"/>
-              </a:solidFill>
-              <a:uFill>
-                <a:solidFill>
-                  <a:srgbClr val="ffffff"/>
+          <a:bodyPr lIns="0" tIns="0" rIns="0" bIns="0"/>
+          <a:lstStyle/>
+          <a:p>
+            <a:endParaRPr lang="en-US" sz="3200" b="0" strike="noStrike" spc="-1">
+              <a:solidFill>
+                <a:srgbClr val="000000"/>
+              </a:solidFill>
+              <a:uFill>
+                <a:solidFill>
+                  <a:srgbClr val="FFFFFF"/>
                 </a:solidFill>
               </a:uFill>
               <a:latin typeface="Calibri"/>
@@ -728,11 +853,14 @@
       </p:sp>
     </p:spTree>
   </p:cSld>
+  <p:clrMapOvr>
+    <a:masterClrMapping/>
+  </p:clrMapOvr>
 </p:sldLayout>
 </file>
 
 <file path=ppt/slideLayouts/slideLayout4.xml><?xml version="1.0" encoding="utf-8"?>
-<p:sldLayout xmlns:a="http://schemas.openxmlformats.org/drawingml/2006/main" xmlns:p="http://schemas.openxmlformats.org/presentationml/2006/main" xmlns:r="http://schemas.openxmlformats.org/officeDocument/2006/relationships" xmlns:p14="http://schemas.microsoft.com/office/powerpoint/2010/main" xmlns:p15="http://schemas.microsoft.com/office/powerpoint/2012/main" xmlns:mc="http://schemas.openxmlformats.org/markup-compatibility/2006" type="twoObj" preserve="1">
+<p:sldLayout xmlns:a="http://schemas.openxmlformats.org/drawingml/2006/main" xmlns:r="http://schemas.openxmlformats.org/officeDocument/2006/relationships" xmlns:p="http://schemas.openxmlformats.org/presentationml/2006/main" type="twoObj" preserve="1">
   <p:cSld name="Title, 2 Content">
     <p:spTree>
       <p:nvGrpSpPr>
@@ -768,15 +896,16 @@
           </a:prstGeom>
         </p:spPr>
         <p:txBody>
-          <a:bodyPr lIns="0" rIns="0" tIns="0" bIns="0" anchor="ctr"/>
-          <a:p>
-            <a:endParaRPr b="0" lang="en-US" sz="1800" spc="-1" strike="noStrike">
-              <a:solidFill>
-                <a:srgbClr val="000000"/>
-              </a:solidFill>
-              <a:uFill>
-                <a:solidFill>
-                  <a:srgbClr val="ffffff"/>
+          <a:bodyPr lIns="0" tIns="0" rIns="0" bIns="0" anchor="ctr"/>
+          <a:lstStyle/>
+          <a:p>
+            <a:endParaRPr lang="en-US" sz="1800" b="0" strike="noStrike" spc="-1">
+              <a:solidFill>
+                <a:srgbClr val="000000"/>
+              </a:solidFill>
+              <a:uFill>
+                <a:solidFill>
+                  <a:srgbClr val="FFFFFF"/>
                 </a:solidFill>
               </a:uFill>
               <a:latin typeface="Calibri"/>
@@ -804,15 +933,16 @@
           </a:prstGeom>
         </p:spPr>
         <p:txBody>
-          <a:bodyPr lIns="0" rIns="0" tIns="0" bIns="0"/>
-          <a:p>
-            <a:endParaRPr b="0" lang="en-US" sz="3200" spc="-1" strike="noStrike">
-              <a:solidFill>
-                <a:srgbClr val="000000"/>
-              </a:solidFill>
-              <a:uFill>
-                <a:solidFill>
-                  <a:srgbClr val="ffffff"/>
+          <a:bodyPr lIns="0" tIns="0" rIns="0" bIns="0"/>
+          <a:lstStyle/>
+          <a:p>
+            <a:endParaRPr lang="en-US" sz="3200" b="0" strike="noStrike" spc="-1">
+              <a:solidFill>
+                <a:srgbClr val="000000"/>
+              </a:solidFill>
+              <a:uFill>
+                <a:solidFill>
+                  <a:srgbClr val="FFFFFF"/>
                 </a:solidFill>
               </a:uFill>
               <a:latin typeface="Calibri"/>
@@ -840,15 +970,16 @@
           </a:prstGeom>
         </p:spPr>
         <p:txBody>
-          <a:bodyPr lIns="0" rIns="0" tIns="0" bIns="0"/>
-          <a:p>
-            <a:endParaRPr b="0" lang="en-US" sz="3200" spc="-1" strike="noStrike">
-              <a:solidFill>
-                <a:srgbClr val="000000"/>
-              </a:solidFill>
-              <a:uFill>
-                <a:solidFill>
-                  <a:srgbClr val="ffffff"/>
+          <a:bodyPr lIns="0" tIns="0" rIns="0" bIns="0"/>
+          <a:lstStyle/>
+          <a:p>
+            <a:endParaRPr lang="en-US" sz="3200" b="0" strike="noStrike" spc="-1">
+              <a:solidFill>
+                <a:srgbClr val="000000"/>
+              </a:solidFill>
+              <a:uFill>
+                <a:solidFill>
+                  <a:srgbClr val="FFFFFF"/>
                 </a:solidFill>
               </a:uFill>
               <a:latin typeface="Calibri"/>
@@ -858,11 +989,14 @@
       </p:sp>
     </p:spTree>
   </p:cSld>
+  <p:clrMapOvr>
+    <a:masterClrMapping/>
+  </p:clrMapOvr>
 </p:sldLayout>
 </file>
 
 <file path=ppt/slideLayouts/slideLayout5.xml><?xml version="1.0" encoding="utf-8"?>
-<p:sldLayout xmlns:a="http://schemas.openxmlformats.org/drawingml/2006/main" xmlns:p="http://schemas.openxmlformats.org/presentationml/2006/main" xmlns:r="http://schemas.openxmlformats.org/officeDocument/2006/relationships" xmlns:p14="http://schemas.microsoft.com/office/powerpoint/2010/main" xmlns:p15="http://schemas.microsoft.com/office/powerpoint/2012/main" xmlns:mc="http://schemas.openxmlformats.org/markup-compatibility/2006" type="titleOnly" preserve="1">
+<p:sldLayout xmlns:a="http://schemas.openxmlformats.org/drawingml/2006/main" xmlns:r="http://schemas.openxmlformats.org/officeDocument/2006/relationships" xmlns:p="http://schemas.openxmlformats.org/presentationml/2006/main" type="titleOnly" preserve="1">
   <p:cSld name="Title Only">
     <p:spTree>
       <p:nvGrpSpPr>
@@ -898,15 +1032,16 @@
           </a:prstGeom>
         </p:spPr>
         <p:txBody>
-          <a:bodyPr lIns="0" rIns="0" tIns="0" bIns="0" anchor="ctr"/>
-          <a:p>
-            <a:endParaRPr b="0" lang="en-US" sz="1800" spc="-1" strike="noStrike">
-              <a:solidFill>
-                <a:srgbClr val="000000"/>
-              </a:solidFill>
-              <a:uFill>
-                <a:solidFill>
-                  <a:srgbClr val="ffffff"/>
+          <a:bodyPr lIns="0" tIns="0" rIns="0" bIns="0" anchor="ctr"/>
+          <a:lstStyle/>
+          <a:p>
+            <a:endParaRPr lang="en-US" sz="1800" b="0" strike="noStrike" spc="-1">
+              <a:solidFill>
+                <a:srgbClr val="000000"/>
+              </a:solidFill>
+              <a:uFill>
+                <a:solidFill>
+                  <a:srgbClr val="FFFFFF"/>
                 </a:solidFill>
               </a:uFill>
               <a:latin typeface="Calibri"/>
@@ -916,11 +1051,14 @@
       </p:sp>
     </p:spTree>
   </p:cSld>
+  <p:clrMapOvr>
+    <a:masterClrMapping/>
+  </p:clrMapOvr>
 </p:sldLayout>
 </file>
 
 <file path=ppt/slideLayouts/slideLayout6.xml><?xml version="1.0" encoding="utf-8"?>
-<p:sldLayout xmlns:a="http://schemas.openxmlformats.org/drawingml/2006/main" xmlns:p="http://schemas.openxmlformats.org/presentationml/2006/main" xmlns:r="http://schemas.openxmlformats.org/officeDocument/2006/relationships" xmlns:p14="http://schemas.microsoft.com/office/powerpoint/2010/main" xmlns:p15="http://schemas.microsoft.com/office/powerpoint/2012/main" xmlns:mc="http://schemas.openxmlformats.org/markup-compatibility/2006" type="objOnly" preserve="1">
+<p:sldLayout xmlns:a="http://schemas.openxmlformats.org/drawingml/2006/main" xmlns:r="http://schemas.openxmlformats.org/officeDocument/2006/relationships" xmlns:p="http://schemas.openxmlformats.org/presentationml/2006/main" type="objOnly" preserve="1">
   <p:cSld name="Centered Text">
     <p:spTree>
       <p:nvGrpSpPr>
@@ -956,16 +1094,17 @@
           </a:prstGeom>
         </p:spPr>
         <p:txBody>
-          <a:bodyPr lIns="0" rIns="0" tIns="0" bIns="0" anchor="ctr"/>
+          <a:bodyPr lIns="0" tIns="0" rIns="0" bIns="0" anchor="ctr"/>
+          <a:lstStyle/>
           <a:p>
             <a:pPr algn="ctr"/>
-            <a:endParaRPr b="0" lang="en-US" sz="3200" spc="-1" strike="noStrike">
-              <a:solidFill>
-                <a:srgbClr val="000000"/>
-              </a:solidFill>
-              <a:uFill>
-                <a:solidFill>
-                  <a:srgbClr val="ffffff"/>
+            <a:endParaRPr lang="en-US" sz="3200" b="0" strike="noStrike" spc="-1">
+              <a:solidFill>
+                <a:srgbClr val="000000"/>
+              </a:solidFill>
+              <a:uFill>
+                <a:solidFill>
+                  <a:srgbClr val="FFFFFF"/>
                 </a:solidFill>
               </a:uFill>
               <a:latin typeface="Arial"/>
@@ -975,11 +1114,14 @@
       </p:sp>
     </p:spTree>
   </p:cSld>
+  <p:clrMapOvr>
+    <a:masterClrMapping/>
+  </p:clrMapOvr>
 </p:sldLayout>
 </file>
 
 <file path=ppt/slideLayouts/slideLayout7.xml><?xml version="1.0" encoding="utf-8"?>
-<p:sldLayout xmlns:a="http://schemas.openxmlformats.org/drawingml/2006/main" xmlns:p="http://schemas.openxmlformats.org/presentationml/2006/main" xmlns:r="http://schemas.openxmlformats.org/officeDocument/2006/relationships" xmlns:p14="http://schemas.microsoft.com/office/powerpoint/2010/main" xmlns:p15="http://schemas.microsoft.com/office/powerpoint/2012/main" xmlns:mc="http://schemas.openxmlformats.org/markup-compatibility/2006" type="twoObjAndObj" preserve="1">
+<p:sldLayout xmlns:a="http://schemas.openxmlformats.org/drawingml/2006/main" xmlns:r="http://schemas.openxmlformats.org/officeDocument/2006/relationships" xmlns:p="http://schemas.openxmlformats.org/presentationml/2006/main" type="twoObjAndObj" preserve="1">
   <p:cSld name="Title, 2 Content and Content">
     <p:spTree>
       <p:nvGrpSpPr>
@@ -1015,15 +1157,16 @@
           </a:prstGeom>
         </p:spPr>
         <p:txBody>
-          <a:bodyPr lIns="0" rIns="0" tIns="0" bIns="0" anchor="ctr"/>
-          <a:p>
-            <a:endParaRPr b="0" lang="en-US" sz="1800" spc="-1" strike="noStrike">
-              <a:solidFill>
-                <a:srgbClr val="000000"/>
-              </a:solidFill>
-              <a:uFill>
-                <a:solidFill>
-                  <a:srgbClr val="ffffff"/>
+          <a:bodyPr lIns="0" tIns="0" rIns="0" bIns="0" anchor="ctr"/>
+          <a:lstStyle/>
+          <a:p>
+            <a:endParaRPr lang="en-US" sz="1800" b="0" strike="noStrike" spc="-1">
+              <a:solidFill>
+                <a:srgbClr val="000000"/>
+              </a:solidFill>
+              <a:uFill>
+                <a:solidFill>
+                  <a:srgbClr val="FFFFFF"/>
                 </a:solidFill>
               </a:uFill>
               <a:latin typeface="Calibri"/>
@@ -1051,15 +1194,16 @@
           </a:prstGeom>
         </p:spPr>
         <p:txBody>
-          <a:bodyPr lIns="0" rIns="0" tIns="0" bIns="0"/>
-          <a:p>
-            <a:endParaRPr b="0" lang="en-US" sz="3200" spc="-1" strike="noStrike">
-              <a:solidFill>
-                <a:srgbClr val="000000"/>
-              </a:solidFill>
-              <a:uFill>
-                <a:solidFill>
-                  <a:srgbClr val="ffffff"/>
+          <a:bodyPr lIns="0" tIns="0" rIns="0" bIns="0"/>
+          <a:lstStyle/>
+          <a:p>
+            <a:endParaRPr lang="en-US" sz="3200" b="0" strike="noStrike" spc="-1">
+              <a:solidFill>
+                <a:srgbClr val="000000"/>
+              </a:solidFill>
+              <a:uFill>
+                <a:solidFill>
+                  <a:srgbClr val="FFFFFF"/>
                 </a:solidFill>
               </a:uFill>
               <a:latin typeface="Calibri"/>
@@ -1087,15 +1231,16 @@
           </a:prstGeom>
         </p:spPr>
         <p:txBody>
-          <a:bodyPr lIns="0" rIns="0" tIns="0" bIns="0"/>
-          <a:p>
-            <a:endParaRPr b="0" lang="en-US" sz="3200" spc="-1" strike="noStrike">
-              <a:solidFill>
-                <a:srgbClr val="000000"/>
-              </a:solidFill>
-              <a:uFill>
-                <a:solidFill>
-                  <a:srgbClr val="ffffff"/>
+          <a:bodyPr lIns="0" tIns="0" rIns="0" bIns="0"/>
+          <a:lstStyle/>
+          <a:p>
+            <a:endParaRPr lang="en-US" sz="3200" b="0" strike="noStrike" spc="-1">
+              <a:solidFill>
+                <a:srgbClr val="000000"/>
+              </a:solidFill>
+              <a:uFill>
+                <a:solidFill>
+                  <a:srgbClr val="FFFFFF"/>
                 </a:solidFill>
               </a:uFill>
               <a:latin typeface="Calibri"/>
@@ -1123,15 +1268,16 @@
           </a:prstGeom>
         </p:spPr>
         <p:txBody>
-          <a:bodyPr lIns="0" rIns="0" tIns="0" bIns="0"/>
-          <a:p>
-            <a:endParaRPr b="0" lang="en-US" sz="3200" spc="-1" strike="noStrike">
-              <a:solidFill>
-                <a:srgbClr val="000000"/>
-              </a:solidFill>
-              <a:uFill>
-                <a:solidFill>
-                  <a:srgbClr val="ffffff"/>
+          <a:bodyPr lIns="0" tIns="0" rIns="0" bIns="0"/>
+          <a:lstStyle/>
+          <a:p>
+            <a:endParaRPr lang="en-US" sz="3200" b="0" strike="noStrike" spc="-1">
+              <a:solidFill>
+                <a:srgbClr val="000000"/>
+              </a:solidFill>
+              <a:uFill>
+                <a:solidFill>
+                  <a:srgbClr val="FFFFFF"/>
                 </a:solidFill>
               </a:uFill>
               <a:latin typeface="Calibri"/>
@@ -1141,11 +1287,14 @@
       </p:sp>
     </p:spTree>
   </p:cSld>
+  <p:clrMapOvr>
+    <a:masterClrMapping/>
+  </p:clrMapOvr>
 </p:sldLayout>
 </file>
 
 <file path=ppt/slideLayouts/slideLayout8.xml><?xml version="1.0" encoding="utf-8"?>
-<p:sldLayout xmlns:a="http://schemas.openxmlformats.org/drawingml/2006/main" xmlns:p="http://schemas.openxmlformats.org/presentationml/2006/main" xmlns:r="http://schemas.openxmlformats.org/officeDocument/2006/relationships" xmlns:p14="http://schemas.microsoft.com/office/powerpoint/2010/main" xmlns:p15="http://schemas.microsoft.com/office/powerpoint/2012/main" xmlns:mc="http://schemas.openxmlformats.org/markup-compatibility/2006" type="objAndTwoObj" preserve="1">
+<p:sldLayout xmlns:a="http://schemas.openxmlformats.org/drawingml/2006/main" xmlns:r="http://schemas.openxmlformats.org/officeDocument/2006/relationships" xmlns:p="http://schemas.openxmlformats.org/presentationml/2006/main" type="objAndTwoObj" preserve="1">
   <p:cSld name="Title Content and 2 Content">
     <p:spTree>
       <p:nvGrpSpPr>
@@ -1181,15 +1330,16 @@
           </a:prstGeom>
         </p:spPr>
         <p:txBody>
-          <a:bodyPr lIns="0" rIns="0" tIns="0" bIns="0" anchor="ctr"/>
-          <a:p>
-            <a:endParaRPr b="0" lang="en-US" sz="1800" spc="-1" strike="noStrike">
-              <a:solidFill>
-                <a:srgbClr val="000000"/>
-              </a:solidFill>
-              <a:uFill>
-                <a:solidFill>
-                  <a:srgbClr val="ffffff"/>
+          <a:bodyPr lIns="0" tIns="0" rIns="0" bIns="0" anchor="ctr"/>
+          <a:lstStyle/>
+          <a:p>
+            <a:endParaRPr lang="en-US" sz="1800" b="0" strike="noStrike" spc="-1">
+              <a:solidFill>
+                <a:srgbClr val="000000"/>
+              </a:solidFill>
+              <a:uFill>
+                <a:solidFill>
+                  <a:srgbClr val="FFFFFF"/>
                 </a:solidFill>
               </a:uFill>
               <a:latin typeface="Calibri"/>
@@ -1217,15 +1367,16 @@
           </a:prstGeom>
         </p:spPr>
         <p:txBody>
-          <a:bodyPr lIns="0" rIns="0" tIns="0" bIns="0"/>
-          <a:p>
-            <a:endParaRPr b="0" lang="en-US" sz="3200" spc="-1" strike="noStrike">
-              <a:solidFill>
-                <a:srgbClr val="000000"/>
-              </a:solidFill>
-              <a:uFill>
-                <a:solidFill>
-                  <a:srgbClr val="ffffff"/>
+          <a:bodyPr lIns="0" tIns="0" rIns="0" bIns="0"/>
+          <a:lstStyle/>
+          <a:p>
+            <a:endParaRPr lang="en-US" sz="3200" b="0" strike="noStrike" spc="-1">
+              <a:solidFill>
+                <a:srgbClr val="000000"/>
+              </a:solidFill>
+              <a:uFill>
+                <a:solidFill>
+                  <a:srgbClr val="FFFFFF"/>
                 </a:solidFill>
               </a:uFill>
               <a:latin typeface="Calibri"/>
@@ -1253,15 +1404,16 @@
           </a:prstGeom>
         </p:spPr>
         <p:txBody>
-          <a:bodyPr lIns="0" rIns="0" tIns="0" bIns="0"/>
-          <a:p>
-            <a:endParaRPr b="0" lang="en-US" sz="3200" spc="-1" strike="noStrike">
-              <a:solidFill>
-                <a:srgbClr val="000000"/>
-              </a:solidFill>
-              <a:uFill>
-                <a:solidFill>
-                  <a:srgbClr val="ffffff"/>
+          <a:bodyPr lIns="0" tIns="0" rIns="0" bIns="0"/>
+          <a:lstStyle/>
+          <a:p>
+            <a:endParaRPr lang="en-US" sz="3200" b="0" strike="noStrike" spc="-1">
+              <a:solidFill>
+                <a:srgbClr val="000000"/>
+              </a:solidFill>
+              <a:uFill>
+                <a:solidFill>
+                  <a:srgbClr val="FFFFFF"/>
                 </a:solidFill>
               </a:uFill>
               <a:latin typeface="Calibri"/>
@@ -1289,15 +1441,16 @@
           </a:prstGeom>
         </p:spPr>
         <p:txBody>
-          <a:bodyPr lIns="0" rIns="0" tIns="0" bIns="0"/>
-          <a:p>
-            <a:endParaRPr b="0" lang="en-US" sz="3200" spc="-1" strike="noStrike">
-              <a:solidFill>
-                <a:srgbClr val="000000"/>
-              </a:solidFill>
-              <a:uFill>
-                <a:solidFill>
-                  <a:srgbClr val="ffffff"/>
+          <a:bodyPr lIns="0" tIns="0" rIns="0" bIns="0"/>
+          <a:lstStyle/>
+          <a:p>
+            <a:endParaRPr lang="en-US" sz="3200" b="0" strike="noStrike" spc="-1">
+              <a:solidFill>
+                <a:srgbClr val="000000"/>
+              </a:solidFill>
+              <a:uFill>
+                <a:solidFill>
+                  <a:srgbClr val="FFFFFF"/>
                 </a:solidFill>
               </a:uFill>
               <a:latin typeface="Calibri"/>
@@ -1307,11 +1460,14 @@
       </p:sp>
     </p:spTree>
   </p:cSld>
+  <p:clrMapOvr>
+    <a:masterClrMapping/>
+  </p:clrMapOvr>
 </p:sldLayout>
 </file>
 
 <file path=ppt/slideLayouts/slideLayout9.xml><?xml version="1.0" encoding="utf-8"?>
-<p:sldLayout xmlns:a="http://schemas.openxmlformats.org/drawingml/2006/main" xmlns:p="http://schemas.openxmlformats.org/presentationml/2006/main" xmlns:r="http://schemas.openxmlformats.org/officeDocument/2006/relationships" xmlns:p14="http://schemas.microsoft.com/office/powerpoint/2010/main" xmlns:p15="http://schemas.microsoft.com/office/powerpoint/2012/main" xmlns:mc="http://schemas.openxmlformats.org/markup-compatibility/2006" type="twoObjOverTx" preserve="1">
+<p:sldLayout xmlns:a="http://schemas.openxmlformats.org/drawingml/2006/main" xmlns:r="http://schemas.openxmlformats.org/officeDocument/2006/relationships" xmlns:p="http://schemas.openxmlformats.org/presentationml/2006/main" type="twoObjOverTx" preserve="1">
   <p:cSld name="Title, 2 Content over Content">
     <p:spTree>
       <p:nvGrpSpPr>
@@ -1347,15 +1503,16 @@
           </a:prstGeom>
         </p:spPr>
         <p:txBody>
-          <a:bodyPr lIns="0" rIns="0" tIns="0" bIns="0" anchor="ctr"/>
-          <a:p>
-            <a:endParaRPr b="0" lang="en-US" sz="1800" spc="-1" strike="noStrike">
-              <a:solidFill>
-                <a:srgbClr val="000000"/>
-              </a:solidFill>
-              <a:uFill>
-                <a:solidFill>
-                  <a:srgbClr val="ffffff"/>
+          <a:bodyPr lIns="0" tIns="0" rIns="0" bIns="0" anchor="ctr"/>
+          <a:lstStyle/>
+          <a:p>
+            <a:endParaRPr lang="en-US" sz="1800" b="0" strike="noStrike" spc="-1">
+              <a:solidFill>
+                <a:srgbClr val="000000"/>
+              </a:solidFill>
+              <a:uFill>
+                <a:solidFill>
+                  <a:srgbClr val="FFFFFF"/>
                 </a:solidFill>
               </a:uFill>
               <a:latin typeface="Calibri"/>
@@ -1383,15 +1540,16 @@
           </a:prstGeom>
         </p:spPr>
         <p:txBody>
-          <a:bodyPr lIns="0" rIns="0" tIns="0" bIns="0"/>
-          <a:p>
-            <a:endParaRPr b="0" lang="en-US" sz="3200" spc="-1" strike="noStrike">
-              <a:solidFill>
-                <a:srgbClr val="000000"/>
-              </a:solidFill>
-              <a:uFill>
-                <a:solidFill>
-                  <a:srgbClr val="ffffff"/>
+          <a:bodyPr lIns="0" tIns="0" rIns="0" bIns="0"/>
+          <a:lstStyle/>
+          <a:p>
+            <a:endParaRPr lang="en-US" sz="3200" b="0" strike="noStrike" spc="-1">
+              <a:solidFill>
+                <a:srgbClr val="000000"/>
+              </a:solidFill>
+              <a:uFill>
+                <a:solidFill>
+                  <a:srgbClr val="FFFFFF"/>
                 </a:solidFill>
               </a:uFill>
               <a:latin typeface="Calibri"/>
@@ -1419,15 +1577,16 @@
           </a:prstGeom>
         </p:spPr>
         <p:txBody>
-          <a:bodyPr lIns="0" rIns="0" tIns="0" bIns="0"/>
-          <a:p>
-            <a:endParaRPr b="0" lang="en-US" sz="3200" spc="-1" strike="noStrike">
-              <a:solidFill>
-                <a:srgbClr val="000000"/>
-              </a:solidFill>
-              <a:uFill>
-                <a:solidFill>
-                  <a:srgbClr val="ffffff"/>
+          <a:bodyPr lIns="0" tIns="0" rIns="0" bIns="0"/>
+          <a:lstStyle/>
+          <a:p>
+            <a:endParaRPr lang="en-US" sz="3200" b="0" strike="noStrike" spc="-1">
+              <a:solidFill>
+                <a:srgbClr val="000000"/>
+              </a:solidFill>
+              <a:uFill>
+                <a:solidFill>
+                  <a:srgbClr val="FFFFFF"/>
                 </a:solidFill>
               </a:uFill>
               <a:latin typeface="Calibri"/>
@@ -1455,15 +1614,16 @@
           </a:prstGeom>
         </p:spPr>
         <p:txBody>
-          <a:bodyPr lIns="0" rIns="0" tIns="0" bIns="0"/>
-          <a:p>
-            <a:endParaRPr b="0" lang="en-US" sz="3200" spc="-1" strike="noStrike">
-              <a:solidFill>
-                <a:srgbClr val="000000"/>
-              </a:solidFill>
-              <a:uFill>
-                <a:solidFill>
-                  <a:srgbClr val="ffffff"/>
+          <a:bodyPr lIns="0" tIns="0" rIns="0" bIns="0"/>
+          <a:lstStyle/>
+          <a:p>
+            <a:endParaRPr lang="en-US" sz="3200" b="0" strike="noStrike" spc="-1">
+              <a:solidFill>
+                <a:srgbClr val="000000"/>
+              </a:solidFill>
+              <a:uFill>
+                <a:solidFill>
+                  <a:srgbClr val="FFFFFF"/>
                 </a:solidFill>
               </a:uFill>
               <a:latin typeface="Calibri"/>
@@ -1473,17 +1633,21 @@
       </p:sp>
     </p:spTree>
   </p:cSld>
+  <p:clrMapOvr>
+    <a:masterClrMapping/>
+  </p:clrMapOvr>
 </p:sldLayout>
 </file>
 
 <file path=ppt/slideMasters/slideMaster1.xml><?xml version="1.0" encoding="utf-8"?>
-<p:sldMaster xmlns:a="http://schemas.openxmlformats.org/drawingml/2006/main" xmlns:p="http://schemas.openxmlformats.org/presentationml/2006/main" xmlns:r="http://schemas.openxmlformats.org/officeDocument/2006/relationships" xmlns:p14="http://schemas.microsoft.com/office/powerpoint/2010/main" xmlns:p15="http://schemas.microsoft.com/office/powerpoint/2012/main" xmlns:mc="http://schemas.openxmlformats.org/markup-compatibility/2006">
+<p:sldMaster xmlns:a="http://schemas.openxmlformats.org/drawingml/2006/main" xmlns:r="http://schemas.openxmlformats.org/officeDocument/2006/relationships" xmlns:p="http://schemas.openxmlformats.org/presentationml/2006/main">
   <p:cSld>
     <p:bg>
       <p:bgPr>
         <a:solidFill>
-          <a:srgbClr val="ffffff"/>
+          <a:srgbClr val="FFFFFF"/>
         </a:solidFill>
+        <a:effectLst/>
       </p:bgPr>
     </p:bg>
     <p:spTree>
@@ -1502,7 +1666,7 @@
       </p:grpSpPr>
       <p:sp>
         <p:nvSpPr>
-          <p:cNvPr id="0" name="PlaceHolder 1"/>
+          <p:cNvPr id="5" name="PlaceHolder 1"/>
           <p:cNvSpPr>
             <a:spLocks noGrp="1"/>
           </p:cNvSpPr>
@@ -1521,6 +1685,7 @@
         </p:spPr>
         <p:txBody>
           <a:bodyPr anchor="ctr"/>
+          <a:lstStyle/>
           <a:p>
             <a:pPr algn="ctr">
               <a:lnSpc>
@@ -1528,26 +1693,26 @@
               </a:lnSpc>
             </a:pPr>
             <a:r>
-              <a:rPr b="0" lang="en-US" sz="4400" spc="-1" strike="noStrike">
+              <a:rPr lang="en-US" sz="4400" b="0" strike="noStrike" spc="-1">
                 <a:solidFill>
                   <a:srgbClr val="000000"/>
                 </a:solidFill>
                 <a:uFill>
                   <a:solidFill>
-                    <a:srgbClr val="ffffff"/>
+                    <a:srgbClr val="FFFFFF"/>
                   </a:solidFill>
                 </a:uFill>
                 <a:latin typeface="Calibri"/>
               </a:rPr>
               <a:t>Click to edit Master title style</a:t>
             </a:r>
-            <a:endParaRPr b="0" lang="en-US" sz="1800" spc="-1" strike="noStrike">
-              <a:solidFill>
-                <a:srgbClr val="000000"/>
-              </a:solidFill>
-              <a:uFill>
-                <a:solidFill>
-                  <a:srgbClr val="ffffff"/>
+            <a:endParaRPr lang="en-US" sz="1800" b="0" strike="noStrike" spc="-1">
+              <a:solidFill>
+                <a:srgbClr val="000000"/>
+              </a:solidFill>
+              <a:uFill>
+                <a:solidFill>
+                  <a:srgbClr val="FFFFFF"/>
                 </a:solidFill>
               </a:uFill>
               <a:latin typeface="Calibri"/>
@@ -1557,7 +1722,7 @@
       </p:sp>
       <p:sp>
         <p:nvSpPr>
-          <p:cNvPr id="1" name="PlaceHolder 2"/>
+          <p:cNvPr id="6" name="PlaceHolder 2"/>
           <p:cNvSpPr>
             <a:spLocks noGrp="1"/>
           </p:cNvSpPr>
@@ -1576,6 +1741,7 @@
         </p:spPr>
         <p:txBody>
           <a:bodyPr anchor="ctr"/>
+          <a:lstStyle/>
           <a:p>
             <a:pPr>
               <a:lnSpc>
@@ -1583,26 +1749,26 @@
               </a:lnSpc>
             </a:pPr>
             <a:r>
-              <a:rPr b="0" lang="en-US" sz="1200" spc="-1" strike="noStrike">
-                <a:solidFill>
-                  <a:srgbClr val="8b8b8b"/>
+              <a:rPr lang="en-US" sz="1200" b="0" strike="noStrike" spc="-1">
+                <a:solidFill>
+                  <a:srgbClr val="8B8B8B"/>
                 </a:solidFill>
                 <a:uFill>
                   <a:solidFill>
-                    <a:srgbClr val="ffffff"/>
+                    <a:srgbClr val="FFFFFF"/>
                   </a:solidFill>
                 </a:uFill>
                 <a:latin typeface="Calibri"/>
               </a:rPr>
               <a:t>11/3/16</a:t>
             </a:r>
-            <a:endParaRPr b="0" lang="en-US" sz="1400" spc="-1" strike="noStrike">
-              <a:solidFill>
-                <a:srgbClr val="000000"/>
-              </a:solidFill>
-              <a:uFill>
-                <a:solidFill>
-                  <a:srgbClr val="ffffff"/>
+            <a:endParaRPr lang="en-US" sz="1400" b="0" strike="noStrike" spc="-1">
+              <a:solidFill>
+                <a:srgbClr val="000000"/>
+              </a:solidFill>
+              <a:uFill>
+                <a:solidFill>
+                  <a:srgbClr val="FFFFFF"/>
                 </a:solidFill>
               </a:uFill>
               <a:latin typeface="Times New Roman"/>
@@ -1631,14 +1797,15 @@
         </p:spPr>
         <p:txBody>
           <a:bodyPr anchor="ctr"/>
-          <a:p>
-            <a:endParaRPr b="0" lang="en-US" sz="2400" spc="-1" strike="noStrike">
-              <a:solidFill>
-                <a:srgbClr val="000000"/>
-              </a:solidFill>
-              <a:uFill>
-                <a:solidFill>
-                  <a:srgbClr val="ffffff"/>
+          <a:lstStyle/>
+          <a:p>
+            <a:endParaRPr lang="en-US" sz="2400" b="0" strike="noStrike" spc="-1">
+              <a:solidFill>
+                <a:srgbClr val="000000"/>
+              </a:solidFill>
+              <a:uFill>
+                <a:solidFill>
+                  <a:srgbClr val="FFFFFF"/>
                 </a:solidFill>
               </a:uFill>
               <a:latin typeface="Times New Roman"/>
@@ -1667,6 +1834,7 @@
         </p:spPr>
         <p:txBody>
           <a:bodyPr anchor="ctr"/>
+          <a:lstStyle/>
           <a:p>
             <a:pPr algn="r">
               <a:lnSpc>
@@ -1674,26 +1842,26 @@
               </a:lnSpc>
             </a:pPr>
             <a:fld id="{6EADA6A7-FA87-4981-8BE8-BD517F295F58}" type="slidenum">
-              <a:rPr b="0" lang="en-US" sz="1200" spc="-1" strike="noStrike">
-                <a:solidFill>
-                  <a:srgbClr val="8b8b8b"/>
+              <a:rPr lang="en-US" sz="1200" b="0" strike="noStrike" spc="-1">
+                <a:solidFill>
+                  <a:srgbClr val="8B8B8B"/>
                 </a:solidFill>
                 <a:uFill>
                   <a:solidFill>
-                    <a:srgbClr val="ffffff"/>
+                    <a:srgbClr val="FFFFFF"/>
                   </a:solidFill>
                 </a:uFill>
                 <a:latin typeface="Calibri"/>
               </a:rPr>
-              <a:t>&lt;number&gt;</a:t>
+              <a:t>‹#›</a:t>
             </a:fld>
-            <a:endParaRPr b="0" lang="en-US" sz="1400" spc="-1" strike="noStrike">
-              <a:solidFill>
-                <a:srgbClr val="000000"/>
-              </a:solidFill>
-              <a:uFill>
-                <a:solidFill>
-                  <a:srgbClr val="ffffff"/>
+            <a:endParaRPr lang="en-US" sz="1400" b="0" strike="noStrike" spc="-1">
+              <a:solidFill>
+                <a:srgbClr val="000000"/>
+              </a:solidFill>
+              <a:uFill>
+                <a:solidFill>
+                  <a:srgbClr val="FFFFFF"/>
                 </a:solidFill>
               </a:uFill>
               <a:latin typeface="Times New Roman"/>
@@ -1721,7 +1889,8 @@
           </a:prstGeom>
         </p:spPr>
         <p:txBody>
-          <a:bodyPr lIns="0" rIns="0" tIns="0" bIns="0"/>
+          <a:bodyPr lIns="0" tIns="0" rIns="0" bIns="0"/>
+          <a:lstStyle/>
           <a:p>
             <a:pPr marL="432000" indent="-324000">
               <a:buClr>
@@ -1732,33 +1901,22 @@
               <a:buChar char=""/>
             </a:pPr>
             <a:r>
-              <a:rPr b="0" lang="en-US" sz="3200" spc="-1" strike="noStrike">
+              <a:rPr lang="en-US" sz="3200" b="0" strike="noStrike" spc="-1">
                 <a:solidFill>
                   <a:srgbClr val="000000"/>
                 </a:solidFill>
                 <a:uFill>
                   <a:solidFill>
-                    <a:srgbClr val="ffffff"/>
+                    <a:srgbClr val="FFFFFF"/>
                   </a:solidFill>
                 </a:uFill>
                 <a:latin typeface="Calibri"/>
               </a:rPr>
               <a:t>Click to edit the outline text format</a:t>
             </a:r>
-            <a:endParaRPr b="0" lang="en-US" sz="3200" spc="-1" strike="noStrike">
-              <a:solidFill>
-                <a:srgbClr val="000000"/>
-              </a:solidFill>
-              <a:uFill>
-                <a:solidFill>
-                  <a:srgbClr val="ffffff"/>
-                </a:solidFill>
-              </a:uFill>
-              <a:latin typeface="Calibri"/>
-            </a:endParaRPr>
-          </a:p>
-          <a:p>
-            <a:pPr lvl="1" marL="864000" indent="-324000">
+          </a:p>
+          <a:p>
+            <a:pPr marL="864000" lvl="1" indent="-324000">
               <a:buClr>
                 <a:srgbClr val="000000"/>
               </a:buClr>
@@ -1767,33 +1925,22 @@
               <a:buChar char=""/>
             </a:pPr>
             <a:r>
-              <a:rPr b="0" lang="en-US" sz="2400" spc="-1" strike="noStrike">
+              <a:rPr lang="en-US" sz="2400" b="0" strike="noStrike" spc="-1">
                 <a:solidFill>
                   <a:srgbClr val="000000"/>
                 </a:solidFill>
                 <a:uFill>
                   <a:solidFill>
-                    <a:srgbClr val="ffffff"/>
+                    <a:srgbClr val="FFFFFF"/>
                   </a:solidFill>
                 </a:uFill>
                 <a:latin typeface="Calibri"/>
               </a:rPr>
               <a:t>Second Outline Level</a:t>
             </a:r>
-            <a:endParaRPr b="0" lang="en-US" sz="2400" spc="-1" strike="noStrike">
-              <a:solidFill>
-                <a:srgbClr val="000000"/>
-              </a:solidFill>
-              <a:uFill>
-                <a:solidFill>
-                  <a:srgbClr val="ffffff"/>
-                </a:solidFill>
-              </a:uFill>
-              <a:latin typeface="Calibri"/>
-            </a:endParaRPr>
-          </a:p>
-          <a:p>
-            <a:pPr lvl="2" marL="1296000" indent="-288000">
+          </a:p>
+          <a:p>
+            <a:pPr marL="1296000" lvl="2" indent="-288000">
               <a:buClr>
                 <a:srgbClr val="000000"/>
               </a:buClr>
@@ -1802,33 +1949,22 @@
               <a:buChar char=""/>
             </a:pPr>
             <a:r>
-              <a:rPr b="0" lang="en-US" sz="2000" spc="-1" strike="noStrike">
+              <a:rPr lang="en-US" sz="2000" b="0" strike="noStrike" spc="-1">
                 <a:solidFill>
                   <a:srgbClr val="000000"/>
                 </a:solidFill>
                 <a:uFill>
                   <a:solidFill>
-                    <a:srgbClr val="ffffff"/>
+                    <a:srgbClr val="FFFFFF"/>
                   </a:solidFill>
                 </a:uFill>
                 <a:latin typeface="Calibri"/>
               </a:rPr>
               <a:t>Third Outline Level</a:t>
             </a:r>
-            <a:endParaRPr b="0" lang="en-US" sz="2000" spc="-1" strike="noStrike">
-              <a:solidFill>
-                <a:srgbClr val="000000"/>
-              </a:solidFill>
-              <a:uFill>
-                <a:solidFill>
-                  <a:srgbClr val="ffffff"/>
-                </a:solidFill>
-              </a:uFill>
-              <a:latin typeface="Calibri"/>
-            </a:endParaRPr>
-          </a:p>
-          <a:p>
-            <a:pPr lvl="3" marL="1728000" indent="-216000">
+          </a:p>
+          <a:p>
+            <a:pPr marL="1728000" lvl="3" indent="-216000">
               <a:buClr>
                 <a:srgbClr val="000000"/>
               </a:buClr>
@@ -1837,33 +1973,22 @@
               <a:buChar char=""/>
             </a:pPr>
             <a:r>
-              <a:rPr b="0" lang="en-US" sz="2000" spc="-1" strike="noStrike">
+              <a:rPr lang="en-US" sz="2000" b="0" strike="noStrike" spc="-1">
                 <a:solidFill>
                   <a:srgbClr val="000000"/>
                 </a:solidFill>
                 <a:uFill>
                   <a:solidFill>
-                    <a:srgbClr val="ffffff"/>
+                    <a:srgbClr val="FFFFFF"/>
                   </a:solidFill>
                 </a:uFill>
                 <a:latin typeface="Calibri"/>
               </a:rPr>
               <a:t>Fourth Outline Level</a:t>
             </a:r>
-            <a:endParaRPr b="0" lang="en-US" sz="2000" spc="-1" strike="noStrike">
-              <a:solidFill>
-                <a:srgbClr val="000000"/>
-              </a:solidFill>
-              <a:uFill>
-                <a:solidFill>
-                  <a:srgbClr val="ffffff"/>
-                </a:solidFill>
-              </a:uFill>
-              <a:latin typeface="Calibri"/>
-            </a:endParaRPr>
-          </a:p>
-          <a:p>
-            <a:pPr lvl="4" marL="2160000" indent="-216000">
+          </a:p>
+          <a:p>
+            <a:pPr marL="2160000" lvl="4" indent="-216000">
               <a:buClr>
                 <a:srgbClr val="000000"/>
               </a:buClr>
@@ -1872,33 +1997,22 @@
               <a:buChar char=""/>
             </a:pPr>
             <a:r>
-              <a:rPr b="0" lang="en-US" sz="2000" spc="-1" strike="noStrike">
+              <a:rPr lang="en-US" sz="2000" b="0" strike="noStrike" spc="-1">
                 <a:solidFill>
                   <a:srgbClr val="000000"/>
                 </a:solidFill>
                 <a:uFill>
                   <a:solidFill>
-                    <a:srgbClr val="ffffff"/>
+                    <a:srgbClr val="FFFFFF"/>
                   </a:solidFill>
                 </a:uFill>
                 <a:latin typeface="Calibri"/>
               </a:rPr>
               <a:t>Fifth Outline Level</a:t>
             </a:r>
-            <a:endParaRPr b="0" lang="en-US" sz="2000" spc="-1" strike="noStrike">
-              <a:solidFill>
-                <a:srgbClr val="000000"/>
-              </a:solidFill>
-              <a:uFill>
-                <a:solidFill>
-                  <a:srgbClr val="ffffff"/>
-                </a:solidFill>
-              </a:uFill>
-              <a:latin typeface="Calibri"/>
-            </a:endParaRPr>
-          </a:p>
-          <a:p>
-            <a:pPr lvl="5" marL="2592000" indent="-216000">
+          </a:p>
+          <a:p>
+            <a:pPr marL="2592000" lvl="5" indent="-216000">
               <a:buClr>
                 <a:srgbClr val="000000"/>
               </a:buClr>
@@ -1907,33 +2021,22 @@
               <a:buChar char=""/>
             </a:pPr>
             <a:r>
-              <a:rPr b="0" lang="en-US" sz="2000" spc="-1" strike="noStrike">
+              <a:rPr lang="en-US" sz="2000" b="0" strike="noStrike" spc="-1">
                 <a:solidFill>
                   <a:srgbClr val="000000"/>
                 </a:solidFill>
                 <a:uFill>
                   <a:solidFill>
-                    <a:srgbClr val="ffffff"/>
+                    <a:srgbClr val="FFFFFF"/>
                   </a:solidFill>
                 </a:uFill>
                 <a:latin typeface="Calibri"/>
               </a:rPr>
               <a:t>Sixth Outline Level</a:t>
             </a:r>
-            <a:endParaRPr b="0" lang="en-US" sz="2000" spc="-1" strike="noStrike">
-              <a:solidFill>
-                <a:srgbClr val="000000"/>
-              </a:solidFill>
-              <a:uFill>
-                <a:solidFill>
-                  <a:srgbClr val="ffffff"/>
-                </a:solidFill>
-              </a:uFill>
-              <a:latin typeface="Calibri"/>
-            </a:endParaRPr>
-          </a:p>
-          <a:p>
-            <a:pPr lvl="6" marL="3024000" indent="-216000">
+          </a:p>
+          <a:p>
+            <a:pPr marL="3024000" lvl="6" indent="-216000">
               <a:buClr>
                 <a:srgbClr val="000000"/>
               </a:buClr>
@@ -1942,55 +2045,49 @@
               <a:buChar char=""/>
             </a:pPr>
             <a:r>
-              <a:rPr b="0" lang="en-US" sz="2000" spc="-1" strike="noStrike">
+              <a:rPr lang="en-US" sz="2000" b="0" strike="noStrike" spc="-1">
                 <a:solidFill>
                   <a:srgbClr val="000000"/>
                 </a:solidFill>
                 <a:uFill>
                   <a:solidFill>
-                    <a:srgbClr val="ffffff"/>
+                    <a:srgbClr val="FFFFFF"/>
                   </a:solidFill>
                 </a:uFill>
                 <a:latin typeface="Calibri"/>
               </a:rPr>
               <a:t>Seventh Outline Level</a:t>
             </a:r>
-            <a:endParaRPr b="0" lang="en-US" sz="2000" spc="-1" strike="noStrike">
-              <a:solidFill>
-                <a:srgbClr val="000000"/>
-              </a:solidFill>
-              <a:uFill>
-                <a:solidFill>
-                  <a:srgbClr val="ffffff"/>
-                </a:solidFill>
-              </a:uFill>
-              <a:latin typeface="Calibri"/>
-            </a:endParaRPr>
           </a:p>
         </p:txBody>
       </p:sp>
     </p:spTree>
   </p:cSld>
-  <p:clrMap bg1="lt1" bg2="lt2" tx1="dk1" tx2="dk2" accent1="accent1" accent2="accent2" accent3="accent3" accent4="accent4" accent5="accent5" accent6="accent6" hlink="hlink" folHlink="folHlink"/>
+  <p:clrMap bg1="lt1" tx1="dk1" bg2="lt2" tx2="dk2" accent1="accent1" accent2="accent2" accent3="accent3" accent4="accent4" accent5="accent5" accent6="accent6" hlink="hlink" folHlink="folHlink"/>
   <p:sldLayoutIdLst>
-    <p:sldLayoutId id="2147483649" r:id="rId2"/>
-    <p:sldLayoutId id="2147483650" r:id="rId3"/>
-    <p:sldLayoutId id="2147483651" r:id="rId4"/>
-    <p:sldLayoutId id="2147483652" r:id="rId5"/>
-    <p:sldLayoutId id="2147483653" r:id="rId6"/>
-    <p:sldLayoutId id="2147483654" r:id="rId7"/>
-    <p:sldLayoutId id="2147483655" r:id="rId8"/>
-    <p:sldLayoutId id="2147483656" r:id="rId9"/>
-    <p:sldLayoutId id="2147483657" r:id="rId10"/>
-    <p:sldLayoutId id="2147483658" r:id="rId11"/>
-    <p:sldLayoutId id="2147483659" r:id="rId12"/>
-    <p:sldLayoutId id="2147483660" r:id="rId13"/>
+    <p:sldLayoutId id="2147483649" r:id="rId1"/>
+    <p:sldLayoutId id="2147483650" r:id="rId2"/>
+    <p:sldLayoutId id="2147483651" r:id="rId3"/>
+    <p:sldLayoutId id="2147483652" r:id="rId4"/>
+    <p:sldLayoutId id="2147483653" r:id="rId5"/>
+    <p:sldLayoutId id="2147483654" r:id="rId6"/>
+    <p:sldLayoutId id="2147483655" r:id="rId7"/>
+    <p:sldLayoutId id="2147483656" r:id="rId8"/>
+    <p:sldLayoutId id="2147483657" r:id="rId9"/>
+    <p:sldLayoutId id="2147483658" r:id="rId10"/>
+    <p:sldLayoutId id="2147483659" r:id="rId11"/>
+    <p:sldLayoutId id="2147483660" r:id="rId12"/>
   </p:sldLayoutIdLst>
+  <p:txStyles>
+    <p:titleStyle/>
+    <p:bodyStyle/>
+    <p:otherStyle/>
+  </p:txStyles>
 </p:sldMaster>
 </file>
 
 <file path=ppt/slides/slide1.xml><?xml version="1.0" encoding="utf-8"?>
-<p:sld xmlns:a="http://schemas.openxmlformats.org/drawingml/2006/main" xmlns:p="http://schemas.openxmlformats.org/presentationml/2006/main" xmlns:r="http://schemas.openxmlformats.org/officeDocument/2006/relationships" xmlns:p14="http://schemas.microsoft.com/office/powerpoint/2010/main" xmlns:p15="http://schemas.microsoft.com/office/powerpoint/2012/main" xmlns:mc="http://schemas.openxmlformats.org/markup-compatibility/2006">
+<p:sld xmlns:a="http://schemas.openxmlformats.org/drawingml/2006/main" xmlns:r="http://schemas.openxmlformats.org/officeDocument/2006/relationships" xmlns:p="http://schemas.openxmlformats.org/presentationml/2006/main">
   <p:cSld>
     <p:spTree>
       <p:nvGrpSpPr>
@@ -2042,7 +2139,8 @@
           <a:fontRef idx="minor"/>
         </p:style>
         <p:txBody>
-          <a:bodyPr lIns="90000" rIns="90000" tIns="45000" bIns="45000" anchor="ctr"/>
+          <a:bodyPr lIns="90000" tIns="45000" rIns="90000" bIns="45000" anchor="ctr"/>
+          <a:lstStyle/>
           <a:p>
             <a:pPr algn="ctr">
               <a:lnSpc>
@@ -2050,54 +2148,26 @@
               </a:lnSpc>
             </a:pPr>
             <a:r>
-              <a:rPr b="0" lang="en-US" sz="1800" spc="-1" strike="noStrike">
+              <a:rPr lang="en-US" sz="1800" b="0" strike="noStrike" spc="-1">
                 <a:solidFill>
                   <a:srgbClr val="000000"/>
                 </a:solidFill>
                 <a:uFill>
                   <a:solidFill>
-                    <a:srgbClr val="ffffff"/>
+                    <a:srgbClr val="FFFFFF"/>
                   </a:solidFill>
                 </a:uFill>
                 <a:latin typeface="Calibri"/>
               </a:rPr>
-              <a:t>         </a:t>
+              <a:t>                      </a:t>
             </a:r>
-            <a:r>
-              <a:rPr b="0" lang="en-US" sz="1800" spc="-1" strike="noStrike">
-                <a:solidFill>
-                  <a:srgbClr val="000000"/>
-                </a:solidFill>
-                <a:uFill>
-                  <a:solidFill>
-                    <a:srgbClr val="ffffff"/>
-                  </a:solidFill>
-                </a:uFill>
-                <a:latin typeface="Calibri"/>
-              </a:rPr>
-              <a:t>         </a:t>
-            </a:r>
-            <a:r>
-              <a:rPr b="0" lang="en-US" sz="1800" spc="-1" strike="noStrike">
-                <a:solidFill>
-                  <a:srgbClr val="000000"/>
-                </a:solidFill>
-                <a:uFill>
-                  <a:solidFill>
-                    <a:srgbClr val="ffffff"/>
-                  </a:solidFill>
-                </a:uFill>
-                <a:latin typeface="Calibri"/>
-              </a:rPr>
-              <a:t>    </a:t>
-            </a:r>
-            <a:endParaRPr b="0" lang="en-US" sz="1800" spc="-1" strike="noStrike">
-              <a:solidFill>
-                <a:srgbClr val="000000"/>
-              </a:solidFill>
-              <a:uFill>
-                <a:solidFill>
-                  <a:srgbClr val="ffffff"/>
+            <a:endParaRPr lang="en-US" sz="1800" b="0" strike="noStrike" spc="-1">
+              <a:solidFill>
+                <a:srgbClr val="000000"/>
+              </a:solidFill>
+              <a:uFill>
+                <a:solidFill>
+                  <a:srgbClr val="FFFFFF"/>
                 </a:solidFill>
               </a:uFill>
               <a:latin typeface="Arial"/>
@@ -2125,13 +2195,20 @@
           </a:ln>
         </p:spPr>
         <p:style>
-          <a:lnRef idx="0"/>
-          <a:fillRef idx="0"/>
-          <a:effectRef idx="0"/>
+          <a:lnRef idx="0">
+            <a:scrgbClr r="0" g="0" b="0"/>
+          </a:lnRef>
+          <a:fillRef idx="0">
+            <a:scrgbClr r="0" g="0" b="0"/>
+          </a:fillRef>
+          <a:effectRef idx="0">
+            <a:scrgbClr r="0" g="0" b="0"/>
+          </a:effectRef>
           <a:fontRef idx="minor"/>
         </p:style>
         <p:txBody>
-          <a:bodyPr wrap="none" lIns="90000" rIns="90000" tIns="45000" bIns="45000"/>
+          <a:bodyPr wrap="none" lIns="90000" tIns="45000" rIns="90000" bIns="45000"/>
+          <a:lstStyle/>
           <a:p>
             <a:pPr>
               <a:lnSpc>
@@ -2139,26 +2216,26 @@
               </a:lnSpc>
             </a:pPr>
             <a:r>
-              <a:rPr b="0" lang="en-US" sz="1800" spc="-1" strike="noStrike">
+              <a:rPr lang="en-US" sz="1800" b="0" strike="noStrike" spc="-1">
                 <a:solidFill>
                   <a:srgbClr val="000000"/>
                 </a:solidFill>
                 <a:uFill>
                   <a:solidFill>
-                    <a:srgbClr val="ffffff"/>
+                    <a:srgbClr val="FFFFFF"/>
                   </a:solidFill>
                 </a:uFill>
                 <a:latin typeface="Calibri"/>
               </a:rPr>
               <a:t>HDFS</a:t>
             </a:r>
-            <a:endParaRPr b="0" lang="en-US" sz="1800" spc="-1" strike="noStrike">
-              <a:solidFill>
-                <a:srgbClr val="000000"/>
-              </a:solidFill>
-              <a:uFill>
-                <a:solidFill>
-                  <a:srgbClr val="ffffff"/>
+            <a:endParaRPr lang="en-US" sz="1800" b="0" strike="noStrike" spc="-1">
+              <a:solidFill>
+                <a:srgbClr val="000000"/>
+              </a:solidFill>
+              <a:uFill>
+                <a:solidFill>
+                  <a:srgbClr val="FFFFFF"/>
                 </a:solidFill>
               </a:uFill>
               <a:latin typeface="Arial"/>
@@ -2168,12 +2245,12 @@
       </p:sp>
       <p:pic>
         <p:nvPicPr>
-          <p:cNvPr id="41" name="Picture 6" descr=""/>
+          <p:cNvPr id="41" name="Picture 6"/>
           <p:cNvPicPr/>
           <p:nvPr/>
         </p:nvPicPr>
         <p:blipFill>
-          <a:blip r:embed="rId1"/>
+          <a:blip r:embed="rId2"/>
           <a:stretch/>
         </p:blipFill>
         <p:spPr>
@@ -2225,7 +2302,8 @@
           <a:fontRef idx="minor"/>
         </p:style>
         <p:txBody>
-          <a:bodyPr lIns="90000" rIns="90000" tIns="45000" bIns="45000" anchor="ctr"/>
+          <a:bodyPr lIns="90000" tIns="45000" rIns="90000" bIns="45000" anchor="ctr"/>
+          <a:lstStyle/>
           <a:p>
             <a:pPr algn="ctr">
               <a:lnSpc>
@@ -2233,26 +2311,26 @@
               </a:lnSpc>
             </a:pPr>
             <a:r>
-              <a:rPr b="0" lang="en-US" sz="1800" spc="-1" strike="noStrike">
+              <a:rPr lang="en-US" sz="1800" b="0" strike="noStrike" spc="-1">
                 <a:solidFill>
                   <a:srgbClr val="000000"/>
                 </a:solidFill>
                 <a:uFill>
                   <a:solidFill>
-                    <a:srgbClr val="ffffff"/>
+                    <a:srgbClr val="FFFFFF"/>
                   </a:solidFill>
                 </a:uFill>
                 <a:latin typeface="Calibri"/>
               </a:rPr>
               <a:t>                      </a:t>
             </a:r>
-            <a:endParaRPr b="0" lang="en-US" sz="1800" spc="-1" strike="noStrike">
-              <a:solidFill>
-                <a:srgbClr val="000000"/>
-              </a:solidFill>
-              <a:uFill>
-                <a:solidFill>
-                  <a:srgbClr val="ffffff"/>
+            <a:endParaRPr lang="en-US" sz="1800" b="0" strike="noStrike" spc="-1">
+              <a:solidFill>
+                <a:srgbClr val="000000"/>
+              </a:solidFill>
+              <a:uFill>
+                <a:solidFill>
+                  <a:srgbClr val="FFFFFF"/>
                 </a:solidFill>
               </a:uFill>
               <a:latin typeface="Arial"/>
@@ -2280,13 +2358,20 @@
           </a:ln>
         </p:spPr>
         <p:style>
-          <a:lnRef idx="0"/>
-          <a:fillRef idx="0"/>
-          <a:effectRef idx="0"/>
+          <a:lnRef idx="0">
+            <a:scrgbClr r="0" g="0" b="0"/>
+          </a:lnRef>
+          <a:fillRef idx="0">
+            <a:scrgbClr r="0" g="0" b="0"/>
+          </a:fillRef>
+          <a:effectRef idx="0">
+            <a:scrgbClr r="0" g="0" b="0"/>
+          </a:effectRef>
           <a:fontRef idx="minor"/>
         </p:style>
         <p:txBody>
-          <a:bodyPr wrap="none" lIns="90000" rIns="90000" tIns="45000" bIns="45000"/>
+          <a:bodyPr wrap="none" lIns="90000" tIns="45000" rIns="90000" bIns="45000"/>
+          <a:lstStyle/>
           <a:p>
             <a:pPr>
               <a:lnSpc>
@@ -2294,68 +2379,26 @@
               </a:lnSpc>
             </a:pPr>
             <a:r>
-              <a:rPr b="0" lang="en-US" sz="1800" spc="-1" strike="noStrike">
+              <a:rPr lang="en-US" sz="1800" b="0" strike="noStrike" spc="-1">
                 <a:solidFill>
                   <a:srgbClr val="000000"/>
                 </a:solidFill>
                 <a:uFill>
                   <a:solidFill>
-                    <a:srgbClr val="ffffff"/>
+                    <a:srgbClr val="FFFFFF"/>
                   </a:solidFill>
                 </a:uFill>
                 <a:latin typeface="Calibri"/>
               </a:rPr>
-              <a:t>Y</a:t>
+              <a:t>YARN</a:t>
             </a:r>
-            <a:r>
-              <a:rPr b="0" lang="en-US" sz="1800" spc="-1" strike="noStrike">
-                <a:solidFill>
-                  <a:srgbClr val="000000"/>
-                </a:solidFill>
-                <a:uFill>
-                  <a:solidFill>
-                    <a:srgbClr val="ffffff"/>
-                  </a:solidFill>
-                </a:uFill>
-                <a:latin typeface="Calibri"/>
-              </a:rPr>
-              <a:t>A</a:t>
-            </a:r>
-            <a:r>
-              <a:rPr b="0" lang="en-US" sz="1800" spc="-1" strike="noStrike">
-                <a:solidFill>
-                  <a:srgbClr val="000000"/>
-                </a:solidFill>
-                <a:uFill>
-                  <a:solidFill>
-                    <a:srgbClr val="ffffff"/>
-                  </a:solidFill>
-                </a:uFill>
-                <a:latin typeface="Calibri"/>
-              </a:rPr>
-              <a:t>R</a:t>
-            </a:r>
-            <a:r>
-              <a:rPr b="0" lang="en-US" sz="1800" spc="-1" strike="noStrike">
-                <a:solidFill>
-                  <a:srgbClr val="000000"/>
-                </a:solidFill>
-                <a:uFill>
-                  <a:solidFill>
-                    <a:srgbClr val="ffffff"/>
-                  </a:solidFill>
-                </a:uFill>
-                <a:latin typeface="Calibri"/>
-              </a:rPr>
-              <a:t>N</a:t>
-            </a:r>
-            <a:endParaRPr b="0" lang="en-US" sz="1800" spc="-1" strike="noStrike">
-              <a:solidFill>
-                <a:srgbClr val="000000"/>
-              </a:solidFill>
-              <a:uFill>
-                <a:solidFill>
-                  <a:srgbClr val="ffffff"/>
+            <a:endParaRPr lang="en-US" sz="1800" b="0" strike="noStrike" spc="-1">
+              <a:solidFill>
+                <a:srgbClr val="000000"/>
+              </a:solidFill>
+              <a:uFill>
+                <a:solidFill>
+                  <a:srgbClr val="FFFFFF"/>
                 </a:solidFill>
               </a:uFill>
               <a:latin typeface="Arial"/>
@@ -2365,7 +2408,7 @@
       </p:sp>
       <p:pic>
         <p:nvPicPr>
-          <p:cNvPr id="44" name="Picture 11" descr=""/>
+          <p:cNvPr id="44" name="Picture 11"/>
           <p:cNvPicPr/>
           <p:nvPr/>
         </p:nvPicPr>
@@ -2422,7 +2465,8 @@
           <a:fontRef idx="minor"/>
         </p:style>
         <p:txBody>
-          <a:bodyPr lIns="90000" rIns="90000" tIns="45000" bIns="45000" anchor="ctr"/>
+          <a:bodyPr lIns="90000" tIns="45000" rIns="90000" bIns="45000" anchor="ctr"/>
+          <a:lstStyle/>
           <a:p>
             <a:pPr algn="ctr">
               <a:lnSpc>
@@ -2430,96 +2474,26 @@
               </a:lnSpc>
             </a:pPr>
             <a:r>
-              <a:rPr b="0" lang="en-US" sz="1800" spc="-1" strike="noStrike">
+              <a:rPr lang="en-US" sz="1800" b="0" strike="noStrike" spc="-1">
                 <a:solidFill>
                   <a:srgbClr val="000000"/>
                 </a:solidFill>
                 <a:uFill>
                   <a:solidFill>
-                    <a:srgbClr val="ffffff"/>
+                    <a:srgbClr val="FFFFFF"/>
                   </a:solidFill>
                 </a:uFill>
                 <a:latin typeface="Calibri"/>
               </a:rPr>
-              <a:t>    </a:t>
+              <a:t>                      </a:t>
             </a:r>
-            <a:r>
-              <a:rPr b="0" lang="en-US" sz="1800" spc="-1" strike="noStrike">
-                <a:solidFill>
-                  <a:srgbClr val="000000"/>
-                </a:solidFill>
-                <a:uFill>
-                  <a:solidFill>
-                    <a:srgbClr val="ffffff"/>
-                  </a:solidFill>
-                </a:uFill>
-                <a:latin typeface="Calibri"/>
-              </a:rPr>
-              <a:t>    </a:t>
-            </a:r>
-            <a:r>
-              <a:rPr b="0" lang="en-US" sz="1800" spc="-1" strike="noStrike">
-                <a:solidFill>
-                  <a:srgbClr val="000000"/>
-                </a:solidFill>
-                <a:uFill>
-                  <a:solidFill>
-                    <a:srgbClr val="ffffff"/>
-                  </a:solidFill>
-                </a:uFill>
-                <a:latin typeface="Calibri"/>
-              </a:rPr>
-              <a:t>    </a:t>
-            </a:r>
-            <a:r>
-              <a:rPr b="0" lang="en-US" sz="1800" spc="-1" strike="noStrike">
-                <a:solidFill>
-                  <a:srgbClr val="000000"/>
-                </a:solidFill>
-                <a:uFill>
-                  <a:solidFill>
-                    <a:srgbClr val="ffffff"/>
-                  </a:solidFill>
-                </a:uFill>
-                <a:latin typeface="Calibri"/>
-              </a:rPr>
-              <a:t>    </a:t>
-            </a:r>
-            <a:r>
-              <a:rPr b="0" lang="en-US" sz="1800" spc="-1" strike="noStrike">
-                <a:solidFill>
-                  <a:srgbClr val="000000"/>
-                </a:solidFill>
-                <a:uFill>
-                  <a:solidFill>
-                    <a:srgbClr val="ffffff"/>
-                  </a:solidFill>
-                </a:uFill>
-                <a:latin typeface="Calibri"/>
-              </a:rPr>
-              <a:t>    </a:t>
-            </a:r>
-            <a:r>
-              <a:rPr b="0" lang="en-US" sz="1800" spc="-1" strike="noStrike">
-                <a:solidFill>
-                  <a:srgbClr val="000000"/>
-                </a:solidFill>
-                <a:uFill>
-                  <a:solidFill>
-                    <a:srgbClr val="ffffff"/>
-                  </a:solidFill>
-                </a:uFill>
-                <a:latin typeface="Calibri"/>
-              </a:rPr>
-              <a:t>  </a:t>
-            </a:r>
-            <a:endParaRPr b="0" lang="en-US" sz="1800" spc="-1" strike="noStrike">
-              <a:solidFill>
-                <a:srgbClr val="000000"/>
-              </a:solidFill>
-              <a:uFill>
-                <a:solidFill>
-                  <a:srgbClr val="ffffff"/>
+            <a:endParaRPr lang="en-US" sz="1800" b="0" strike="noStrike" spc="-1">
+              <a:solidFill>
+                <a:srgbClr val="000000"/>
+              </a:solidFill>
+              <a:uFill>
+                <a:solidFill>
+                  <a:srgbClr val="FFFFFF"/>
                 </a:solidFill>
               </a:uFill>
               <a:latin typeface="Arial"/>
@@ -2547,13 +2521,20 @@
           </a:ln>
         </p:spPr>
         <p:style>
-          <a:lnRef idx="0"/>
-          <a:fillRef idx="0"/>
-          <a:effectRef idx="0"/>
+          <a:lnRef idx="0">
+            <a:scrgbClr r="0" g="0" b="0"/>
+          </a:lnRef>
+          <a:fillRef idx="0">
+            <a:scrgbClr r="0" g="0" b="0"/>
+          </a:fillRef>
+          <a:effectRef idx="0">
+            <a:scrgbClr r="0" g="0" b="0"/>
+          </a:effectRef>
           <a:fontRef idx="minor"/>
         </p:style>
         <p:txBody>
-          <a:bodyPr wrap="none" lIns="90000" rIns="90000" tIns="45000" bIns="45000"/>
+          <a:bodyPr wrap="none" lIns="90000" tIns="45000" rIns="90000" bIns="45000"/>
+          <a:lstStyle/>
           <a:p>
             <a:pPr>
               <a:lnSpc>
@@ -2561,26 +2542,26 @@
               </a:lnSpc>
             </a:pPr>
             <a:r>
-              <a:rPr b="0" lang="en-US" sz="1800" spc="-1" strike="noStrike">
+              <a:rPr lang="en-US" sz="1800" b="0" strike="noStrike" spc="-1">
                 <a:solidFill>
                   <a:srgbClr val="000000"/>
                 </a:solidFill>
                 <a:uFill>
                   <a:solidFill>
-                    <a:srgbClr val="ffffff"/>
+                    <a:srgbClr val="FFFFFF"/>
                   </a:solidFill>
                 </a:uFill>
                 <a:latin typeface="Calibri"/>
               </a:rPr>
               <a:t>MapReduce</a:t>
             </a:r>
-            <a:endParaRPr b="0" lang="en-US" sz="1800" spc="-1" strike="noStrike">
-              <a:solidFill>
-                <a:srgbClr val="000000"/>
-              </a:solidFill>
-              <a:uFill>
-                <a:solidFill>
-                  <a:srgbClr val="ffffff"/>
+            <a:endParaRPr lang="en-US" sz="1800" b="0" strike="noStrike" spc="-1">
+              <a:solidFill>
+                <a:srgbClr val="000000"/>
+              </a:solidFill>
+              <a:uFill>
+                <a:solidFill>
+                  <a:srgbClr val="FFFFFF"/>
                 </a:solidFill>
               </a:uFill>
               <a:latin typeface="Arial"/>
@@ -2590,12 +2571,12 @@
       </p:sp>
       <p:pic>
         <p:nvPicPr>
-          <p:cNvPr id="47" name="Picture 15" descr=""/>
+          <p:cNvPr id="47" name="Picture 15"/>
           <p:cNvPicPr/>
           <p:nvPr/>
         </p:nvPicPr>
         <p:blipFill>
-          <a:blip r:embed="rId3"/>
+          <a:blip r:embed="rId2"/>
           <a:stretch/>
         </p:blipFill>
         <p:spPr>
@@ -2647,7 +2628,8 @@
           <a:fontRef idx="minor"/>
         </p:style>
         <p:txBody>
-          <a:bodyPr lIns="90000" rIns="90000" tIns="45000" bIns="45000" anchor="ctr"/>
+          <a:bodyPr lIns="90000" tIns="45000" rIns="90000" bIns="45000" anchor="ctr"/>
+          <a:lstStyle/>
           <a:p>
             <a:pPr algn="ctr">
               <a:lnSpc>
@@ -2655,26 +2637,26 @@
               </a:lnSpc>
             </a:pPr>
             <a:r>
-              <a:rPr b="0" lang="en-US" sz="1800" spc="-1" strike="noStrike">
+              <a:rPr lang="en-US" sz="1800" b="0" strike="noStrike" spc="-1">
                 <a:solidFill>
                   <a:srgbClr val="000000"/>
                 </a:solidFill>
                 <a:uFill>
                   <a:solidFill>
-                    <a:srgbClr val="ffffff"/>
+                    <a:srgbClr val="FFFFFF"/>
                   </a:solidFill>
                 </a:uFill>
                 <a:latin typeface="Calibri"/>
               </a:rPr>
               <a:t>                      </a:t>
             </a:r>
-            <a:endParaRPr b="0" lang="en-US" sz="1800" spc="-1" strike="noStrike">
-              <a:solidFill>
-                <a:srgbClr val="000000"/>
-              </a:solidFill>
-              <a:uFill>
-                <a:solidFill>
-                  <a:srgbClr val="ffffff"/>
+            <a:endParaRPr lang="en-US" sz="1800" b="0" strike="noStrike" spc="-1">
+              <a:solidFill>
+                <a:srgbClr val="000000"/>
+              </a:solidFill>
+              <a:uFill>
+                <a:solidFill>
+                  <a:srgbClr val="FFFFFF"/>
                 </a:solidFill>
               </a:uFill>
               <a:latin typeface="Arial"/>
@@ -2702,13 +2684,20 @@
           </a:ln>
         </p:spPr>
         <p:style>
-          <a:lnRef idx="0"/>
-          <a:fillRef idx="0"/>
-          <a:effectRef idx="0"/>
+          <a:lnRef idx="0">
+            <a:scrgbClr r="0" g="0" b="0"/>
+          </a:lnRef>
+          <a:fillRef idx="0">
+            <a:scrgbClr r="0" g="0" b="0"/>
+          </a:fillRef>
+          <a:effectRef idx="0">
+            <a:scrgbClr r="0" g="0" b="0"/>
+          </a:effectRef>
           <a:fontRef idx="minor"/>
         </p:style>
         <p:txBody>
-          <a:bodyPr wrap="none" lIns="90000" rIns="90000" tIns="45000" bIns="45000"/>
+          <a:bodyPr wrap="none" lIns="90000" tIns="45000" rIns="90000" bIns="45000"/>
+          <a:lstStyle/>
           <a:p>
             <a:pPr>
               <a:lnSpc>
@@ -2716,54 +2705,26 @@
               </a:lnSpc>
             </a:pPr>
             <a:r>
-              <a:rPr b="0" lang="en-US" sz="1800" spc="-1" strike="noStrike">
+              <a:rPr lang="en-US" sz="1800" b="0" strike="noStrike" spc="-1">
                 <a:solidFill>
                   <a:srgbClr val="000000"/>
                 </a:solidFill>
                 <a:uFill>
                   <a:solidFill>
-                    <a:srgbClr val="ffffff"/>
+                    <a:srgbClr val="FFFFFF"/>
                   </a:solidFill>
                 </a:uFill>
                 <a:latin typeface="Calibri"/>
               </a:rPr>
-              <a:t>Sq</a:t>
+              <a:t>Sqoop</a:t>
             </a:r>
-            <a:r>
-              <a:rPr b="0" lang="en-US" sz="1800" spc="-1" strike="noStrike">
-                <a:solidFill>
-                  <a:srgbClr val="000000"/>
-                </a:solidFill>
-                <a:uFill>
-                  <a:solidFill>
-                    <a:srgbClr val="ffffff"/>
-                  </a:solidFill>
-                </a:uFill>
-                <a:latin typeface="Calibri"/>
-              </a:rPr>
-              <a:t>oo</a:t>
-            </a:r>
-            <a:r>
-              <a:rPr b="0" lang="en-US" sz="1800" spc="-1" strike="noStrike">
-                <a:solidFill>
-                  <a:srgbClr val="000000"/>
-                </a:solidFill>
-                <a:uFill>
-                  <a:solidFill>
-                    <a:srgbClr val="ffffff"/>
-                  </a:solidFill>
-                </a:uFill>
-                <a:latin typeface="Calibri"/>
-              </a:rPr>
-              <a:t>p</a:t>
-            </a:r>
-            <a:endParaRPr b="0" lang="en-US" sz="1800" spc="-1" strike="noStrike">
-              <a:solidFill>
-                <a:srgbClr val="000000"/>
-              </a:solidFill>
-              <a:uFill>
-                <a:solidFill>
-                  <a:srgbClr val="ffffff"/>
+            <a:endParaRPr lang="en-US" sz="1800" b="0" strike="noStrike" spc="-1">
+              <a:solidFill>
+                <a:srgbClr val="000000"/>
+              </a:solidFill>
+              <a:uFill>
+                <a:solidFill>
+                  <a:srgbClr val="FFFFFF"/>
                 </a:solidFill>
               </a:uFill>
               <a:latin typeface="Arial"/>
@@ -2773,12 +2734,12 @@
       </p:sp>
       <p:pic>
         <p:nvPicPr>
-          <p:cNvPr id="50" name="Picture 20" descr=""/>
+          <p:cNvPr id="50" name="Picture 20"/>
           <p:cNvPicPr/>
           <p:nvPr/>
         </p:nvPicPr>
         <p:blipFill>
-          <a:blip r:embed="rId4"/>
+          <a:blip r:embed="rId3"/>
           <a:stretch/>
         </p:blipFill>
         <p:spPr>
@@ -2830,7 +2791,8 @@
           <a:fontRef idx="minor"/>
         </p:style>
         <p:txBody>
-          <a:bodyPr lIns="90000" rIns="90000" tIns="45000" bIns="45000" anchor="ctr"/>
+          <a:bodyPr lIns="90000" tIns="45000" rIns="90000" bIns="45000" anchor="ctr"/>
+          <a:lstStyle/>
           <a:p>
             <a:pPr algn="ctr">
               <a:lnSpc>
@@ -2838,82 +2800,26 @@
               </a:lnSpc>
             </a:pPr>
             <a:r>
-              <a:rPr b="0" lang="en-US" sz="1800" spc="-1" strike="noStrike">
+              <a:rPr lang="en-US" sz="1800" b="0" strike="noStrike" spc="-1">
                 <a:solidFill>
                   <a:srgbClr val="000000"/>
                 </a:solidFill>
                 <a:uFill>
                   <a:solidFill>
-                    <a:srgbClr val="ffffff"/>
+                    <a:srgbClr val="FFFFFF"/>
                   </a:solidFill>
                 </a:uFill>
                 <a:latin typeface="Calibri"/>
               </a:rPr>
-              <a:t>     </a:t>
+              <a:t>                      </a:t>
             </a:r>
-            <a:r>
-              <a:rPr b="0" lang="en-US" sz="1800" spc="-1" strike="noStrike">
-                <a:solidFill>
-                  <a:srgbClr val="000000"/>
-                </a:solidFill>
-                <a:uFill>
-                  <a:solidFill>
-                    <a:srgbClr val="ffffff"/>
-                  </a:solidFill>
-                </a:uFill>
-                <a:latin typeface="Calibri"/>
-              </a:rPr>
-              <a:t>     </a:t>
-            </a:r>
-            <a:r>
-              <a:rPr b="0" lang="en-US" sz="1800" spc="-1" strike="noStrike">
-                <a:solidFill>
-                  <a:srgbClr val="000000"/>
-                </a:solidFill>
-                <a:uFill>
-                  <a:solidFill>
-                    <a:srgbClr val="ffffff"/>
-                  </a:solidFill>
-                </a:uFill>
-                <a:latin typeface="Calibri"/>
-              </a:rPr>
-              <a:t>     </a:t>
-            </a:r>
-            <a:r>
-              <a:rPr b="0" lang="en-US" sz="1800" spc="-1" strike="noStrike">
-                <a:solidFill>
-                  <a:srgbClr val="000000"/>
-                </a:solidFill>
-                <a:uFill>
-                  <a:solidFill>
-                    <a:srgbClr val="ffffff"/>
-                  </a:solidFill>
-                </a:uFill>
-                <a:latin typeface="Calibri"/>
-              </a:rPr>
-              <a:t>     </a:t>
-            </a:r>
-            <a:r>
-              <a:rPr b="0" lang="en-US" sz="1800" spc="-1" strike="noStrike">
-                <a:solidFill>
-                  <a:srgbClr val="000000"/>
-                </a:solidFill>
-                <a:uFill>
-                  <a:solidFill>
-                    <a:srgbClr val="ffffff"/>
-                  </a:solidFill>
-                </a:uFill>
-                <a:latin typeface="Calibri"/>
-              </a:rPr>
-              <a:t>  </a:t>
-            </a:r>
-            <a:endParaRPr b="0" lang="en-US" sz="1800" spc="-1" strike="noStrike">
-              <a:solidFill>
-                <a:srgbClr val="000000"/>
-              </a:solidFill>
-              <a:uFill>
-                <a:solidFill>
-                  <a:srgbClr val="ffffff"/>
+            <a:endParaRPr lang="en-US" sz="1800" b="0" strike="noStrike" spc="-1">
+              <a:solidFill>
+                <a:srgbClr val="000000"/>
+              </a:solidFill>
+              <a:uFill>
+                <a:solidFill>
+                  <a:srgbClr val="FFFFFF"/>
                 </a:solidFill>
               </a:uFill>
               <a:latin typeface="Arial"/>
@@ -2941,13 +2847,20 @@
           </a:ln>
         </p:spPr>
         <p:style>
-          <a:lnRef idx="0"/>
-          <a:fillRef idx="0"/>
-          <a:effectRef idx="0"/>
+          <a:lnRef idx="0">
+            <a:scrgbClr r="0" g="0" b="0"/>
+          </a:lnRef>
+          <a:fillRef idx="0">
+            <a:scrgbClr r="0" g="0" b="0"/>
+          </a:fillRef>
+          <a:effectRef idx="0">
+            <a:scrgbClr r="0" g="0" b="0"/>
+          </a:effectRef>
           <a:fontRef idx="minor"/>
         </p:style>
         <p:txBody>
-          <a:bodyPr wrap="none" lIns="90000" rIns="90000" tIns="45000" bIns="45000"/>
+          <a:bodyPr wrap="none" lIns="90000" tIns="45000" rIns="90000" bIns="45000"/>
+          <a:lstStyle/>
           <a:p>
             <a:pPr>
               <a:lnSpc>
@@ -2955,26 +2868,26 @@
               </a:lnSpc>
             </a:pPr>
             <a:r>
-              <a:rPr b="0" lang="en-US" sz="1800" spc="-1" strike="noStrike">
+              <a:rPr lang="en-US" sz="1800" b="0" strike="noStrike" spc="-1">
                 <a:solidFill>
                   <a:srgbClr val="000000"/>
                 </a:solidFill>
                 <a:uFill>
                   <a:solidFill>
-                    <a:srgbClr val="ffffff"/>
+                    <a:srgbClr val="FFFFFF"/>
                   </a:solidFill>
                 </a:uFill>
                 <a:latin typeface="Calibri"/>
               </a:rPr>
               <a:t>Flume</a:t>
             </a:r>
-            <a:endParaRPr b="0" lang="en-US" sz="1800" spc="-1" strike="noStrike">
-              <a:solidFill>
-                <a:srgbClr val="000000"/>
-              </a:solidFill>
-              <a:uFill>
-                <a:solidFill>
-                  <a:srgbClr val="ffffff"/>
+            <a:endParaRPr lang="en-US" sz="1800" b="0" strike="noStrike" spc="-1">
+              <a:solidFill>
+                <a:srgbClr val="000000"/>
+              </a:solidFill>
+              <a:uFill>
+                <a:solidFill>
+                  <a:srgbClr val="FFFFFF"/>
                 </a:solidFill>
               </a:uFill>
               <a:latin typeface="Arial"/>
@@ -2984,12 +2897,12 @@
       </p:sp>
       <p:pic>
         <p:nvPicPr>
-          <p:cNvPr id="53" name="Picture 36" descr=""/>
+          <p:cNvPr id="53" name="Picture 36"/>
           <p:cNvPicPr/>
           <p:nvPr/>
         </p:nvPicPr>
         <p:blipFill>
-          <a:blip r:embed="rId5"/>
+          <a:blip r:embed="rId4"/>
           <a:stretch/>
         </p:blipFill>
         <p:spPr>
@@ -3041,7 +2954,8 @@
           <a:fontRef idx="minor"/>
         </p:style>
         <p:txBody>
-          <a:bodyPr lIns="90000" rIns="90000" tIns="45000" bIns="45000" anchor="ctr"/>
+          <a:bodyPr lIns="90000" tIns="45000" rIns="90000" bIns="45000" anchor="ctr"/>
+          <a:lstStyle/>
           <a:p>
             <a:pPr algn="ctr">
               <a:lnSpc>
@@ -3049,26 +2963,26 @@
               </a:lnSpc>
             </a:pPr>
             <a:r>
-              <a:rPr b="0" lang="en-US" sz="1800" spc="-1" strike="noStrike">
+              <a:rPr lang="en-US" sz="1800" b="0" strike="noStrike" spc="-1">
                 <a:solidFill>
                   <a:srgbClr val="000000"/>
                 </a:solidFill>
                 <a:uFill>
                   <a:solidFill>
-                    <a:srgbClr val="ffffff"/>
+                    <a:srgbClr val="FFFFFF"/>
                   </a:solidFill>
                 </a:uFill>
                 <a:latin typeface="Calibri"/>
               </a:rPr>
               <a:t>                      </a:t>
             </a:r>
-            <a:endParaRPr b="0" lang="en-US" sz="1800" spc="-1" strike="noStrike">
-              <a:solidFill>
-                <a:srgbClr val="000000"/>
-              </a:solidFill>
-              <a:uFill>
-                <a:solidFill>
-                  <a:srgbClr val="ffffff"/>
+            <a:endParaRPr lang="en-US" sz="1800" b="0" strike="noStrike" spc="-1">
+              <a:solidFill>
+                <a:srgbClr val="000000"/>
+              </a:solidFill>
+              <a:uFill>
+                <a:solidFill>
+                  <a:srgbClr val="FFFFFF"/>
                 </a:solidFill>
               </a:uFill>
               <a:latin typeface="Arial"/>
@@ -3096,13 +3010,20 @@
           </a:ln>
         </p:spPr>
         <p:style>
-          <a:lnRef idx="0"/>
-          <a:fillRef idx="0"/>
-          <a:effectRef idx="0"/>
+          <a:lnRef idx="0">
+            <a:scrgbClr r="0" g="0" b="0"/>
+          </a:lnRef>
+          <a:fillRef idx="0">
+            <a:scrgbClr r="0" g="0" b="0"/>
+          </a:fillRef>
+          <a:effectRef idx="0">
+            <a:scrgbClr r="0" g="0" b="0"/>
+          </a:effectRef>
           <a:fontRef idx="minor"/>
         </p:style>
         <p:txBody>
-          <a:bodyPr wrap="none" lIns="90000" rIns="90000" tIns="45000" bIns="45000"/>
+          <a:bodyPr wrap="none" lIns="90000" tIns="45000" rIns="90000" bIns="45000"/>
+          <a:lstStyle/>
           <a:p>
             <a:pPr>
               <a:lnSpc>
@@ -3110,40 +3031,26 @@
               </a:lnSpc>
             </a:pPr>
             <a:r>
-              <a:rPr b="0" lang="en-US" sz="1800" spc="-1" strike="noStrike">
+              <a:rPr lang="en-US" sz="1800" b="0" strike="noStrike" spc="-1">
                 <a:solidFill>
                   <a:srgbClr val="000000"/>
                 </a:solidFill>
                 <a:uFill>
                   <a:solidFill>
-                    <a:srgbClr val="ffffff"/>
+                    <a:srgbClr val="FFFFFF"/>
                   </a:solidFill>
                 </a:uFill>
                 <a:latin typeface="Calibri"/>
               </a:rPr>
-              <a:t>Av</a:t>
+              <a:t>Avro</a:t>
             </a:r>
-            <a:r>
-              <a:rPr b="0" lang="en-US" sz="1800" spc="-1" strike="noStrike">
-                <a:solidFill>
-                  <a:srgbClr val="000000"/>
-                </a:solidFill>
-                <a:uFill>
-                  <a:solidFill>
-                    <a:srgbClr val="ffffff"/>
-                  </a:solidFill>
-                </a:uFill>
-                <a:latin typeface="Calibri"/>
-              </a:rPr>
-              <a:t>ro</a:t>
-            </a:r>
-            <a:endParaRPr b="0" lang="en-US" sz="1800" spc="-1" strike="noStrike">
-              <a:solidFill>
-                <a:srgbClr val="000000"/>
-              </a:solidFill>
-              <a:uFill>
-                <a:solidFill>
-                  <a:srgbClr val="ffffff"/>
+            <a:endParaRPr lang="en-US" sz="1800" b="0" strike="noStrike" spc="-1">
+              <a:solidFill>
+                <a:srgbClr val="000000"/>
+              </a:solidFill>
+              <a:uFill>
+                <a:solidFill>
+                  <a:srgbClr val="FFFFFF"/>
                 </a:solidFill>
               </a:uFill>
               <a:latin typeface="Arial"/>
@@ -3153,12 +3060,12 @@
       </p:sp>
       <p:pic>
         <p:nvPicPr>
-          <p:cNvPr id="56" name="Picture 37" descr=""/>
+          <p:cNvPr id="56" name="Picture 37"/>
           <p:cNvPicPr/>
           <p:nvPr/>
         </p:nvPicPr>
         <p:blipFill>
-          <a:blip r:embed="rId6"/>
+          <a:blip r:embed="rId5"/>
           <a:stretch/>
         </p:blipFill>
         <p:spPr>
@@ -3210,7 +3117,8 @@
           <a:fontRef idx="minor"/>
         </p:style>
         <p:txBody>
-          <a:bodyPr lIns="90000" rIns="90000" tIns="45000" bIns="45000" anchor="ctr"/>
+          <a:bodyPr lIns="90000" tIns="45000" rIns="90000" bIns="45000" anchor="ctr"/>
+          <a:lstStyle/>
           <a:p>
             <a:pPr algn="ctr">
               <a:lnSpc>
@@ -3218,82 +3126,26 @@
               </a:lnSpc>
             </a:pPr>
             <a:r>
-              <a:rPr b="0" lang="en-US" sz="1800" spc="-1" strike="noStrike">
+              <a:rPr lang="en-US" sz="1800" b="0" strike="noStrike" spc="-1">
                 <a:solidFill>
                   <a:srgbClr val="000000"/>
                 </a:solidFill>
                 <a:uFill>
                   <a:solidFill>
-                    <a:srgbClr val="ffffff"/>
+                    <a:srgbClr val="FFFFFF"/>
                   </a:solidFill>
                 </a:uFill>
                 <a:latin typeface="Calibri"/>
               </a:rPr>
-              <a:t>     </a:t>
+              <a:t>                      </a:t>
             </a:r>
-            <a:r>
-              <a:rPr b="0" lang="en-US" sz="1800" spc="-1" strike="noStrike">
-                <a:solidFill>
-                  <a:srgbClr val="000000"/>
-                </a:solidFill>
-                <a:uFill>
-                  <a:solidFill>
-                    <a:srgbClr val="ffffff"/>
-                  </a:solidFill>
-                </a:uFill>
-                <a:latin typeface="Calibri"/>
-              </a:rPr>
-              <a:t>     </a:t>
-            </a:r>
-            <a:r>
-              <a:rPr b="0" lang="en-US" sz="1800" spc="-1" strike="noStrike">
-                <a:solidFill>
-                  <a:srgbClr val="000000"/>
-                </a:solidFill>
-                <a:uFill>
-                  <a:solidFill>
-                    <a:srgbClr val="ffffff"/>
-                  </a:solidFill>
-                </a:uFill>
-                <a:latin typeface="Calibri"/>
-              </a:rPr>
-              <a:t>     </a:t>
-            </a:r>
-            <a:r>
-              <a:rPr b="0" lang="en-US" sz="1800" spc="-1" strike="noStrike">
-                <a:solidFill>
-                  <a:srgbClr val="000000"/>
-                </a:solidFill>
-                <a:uFill>
-                  <a:solidFill>
-                    <a:srgbClr val="ffffff"/>
-                  </a:solidFill>
-                </a:uFill>
-                <a:latin typeface="Calibri"/>
-              </a:rPr>
-              <a:t>     </a:t>
-            </a:r>
-            <a:r>
-              <a:rPr b="0" lang="en-US" sz="1800" spc="-1" strike="noStrike">
-                <a:solidFill>
-                  <a:srgbClr val="000000"/>
-                </a:solidFill>
-                <a:uFill>
-                  <a:solidFill>
-                    <a:srgbClr val="ffffff"/>
-                  </a:solidFill>
-                </a:uFill>
-                <a:latin typeface="Calibri"/>
-              </a:rPr>
-              <a:t>  </a:t>
-            </a:r>
-            <a:endParaRPr b="0" lang="en-US" sz="1800" spc="-1" strike="noStrike">
-              <a:solidFill>
-                <a:srgbClr val="000000"/>
-              </a:solidFill>
-              <a:uFill>
-                <a:solidFill>
-                  <a:srgbClr val="ffffff"/>
+            <a:endParaRPr lang="en-US" sz="1800" b="0" strike="noStrike" spc="-1">
+              <a:solidFill>
+                <a:srgbClr val="000000"/>
+              </a:solidFill>
+              <a:uFill>
+                <a:solidFill>
+                  <a:srgbClr val="FFFFFF"/>
                 </a:solidFill>
               </a:uFill>
               <a:latin typeface="Arial"/>
@@ -3303,12 +3155,12 @@
       </p:sp>
       <p:pic>
         <p:nvPicPr>
-          <p:cNvPr id="58" name="Picture 49" descr=""/>
+          <p:cNvPr id="58" name="Picture 49"/>
           <p:cNvPicPr/>
           <p:nvPr/>
         </p:nvPicPr>
         <p:blipFill>
-          <a:blip r:embed="rId7"/>
+          <a:blip r:embed="rId6"/>
           <a:stretch/>
         </p:blipFill>
         <p:spPr>
@@ -3344,13 +3196,20 @@
           </a:ln>
         </p:spPr>
         <p:style>
-          <a:lnRef idx="0"/>
-          <a:fillRef idx="0"/>
-          <a:effectRef idx="0"/>
+          <a:lnRef idx="0">
+            <a:scrgbClr r="0" g="0" b="0"/>
+          </a:lnRef>
+          <a:fillRef idx="0">
+            <a:scrgbClr r="0" g="0" b="0"/>
+          </a:fillRef>
+          <a:effectRef idx="0">
+            <a:scrgbClr r="0" g="0" b="0"/>
+          </a:effectRef>
           <a:fontRef idx="minor"/>
         </p:style>
         <p:txBody>
-          <a:bodyPr wrap="none" lIns="90000" rIns="90000" tIns="45000" bIns="45000"/>
+          <a:bodyPr wrap="none" lIns="90000" tIns="45000" rIns="90000" bIns="45000"/>
+          <a:lstStyle/>
           <a:p>
             <a:pPr>
               <a:lnSpc>
@@ -3358,54 +3217,26 @@
               </a:lnSpc>
             </a:pPr>
             <a:r>
-              <a:rPr b="0" lang="en-US" sz="1800" spc="-1" strike="noStrike">
+              <a:rPr lang="en-US" sz="1800" b="0" strike="noStrike" spc="-1">
                 <a:solidFill>
                   <a:srgbClr val="000000"/>
                 </a:solidFill>
                 <a:uFill>
                   <a:solidFill>
-                    <a:srgbClr val="ffffff"/>
+                    <a:srgbClr val="FFFFFF"/>
                   </a:solidFill>
                 </a:uFill>
                 <a:latin typeface="Calibri"/>
               </a:rPr>
-              <a:t>P</a:t>
+              <a:t>Pig</a:t>
             </a:r>
-            <a:r>
-              <a:rPr b="0" lang="en-US" sz="1800" spc="-1" strike="noStrike">
-                <a:solidFill>
-                  <a:srgbClr val="000000"/>
-                </a:solidFill>
-                <a:uFill>
-                  <a:solidFill>
-                    <a:srgbClr val="ffffff"/>
-                  </a:solidFill>
-                </a:uFill>
-                <a:latin typeface="Calibri"/>
-              </a:rPr>
-              <a:t>i</a:t>
-            </a:r>
-            <a:r>
-              <a:rPr b="0" lang="en-US" sz="1800" spc="-1" strike="noStrike">
-                <a:solidFill>
-                  <a:srgbClr val="000000"/>
-                </a:solidFill>
-                <a:uFill>
-                  <a:solidFill>
-                    <a:srgbClr val="ffffff"/>
-                  </a:solidFill>
-                </a:uFill>
-                <a:latin typeface="Calibri"/>
-              </a:rPr>
-              <a:t>g</a:t>
-            </a:r>
-            <a:endParaRPr b="0" lang="en-US" sz="1800" spc="-1" strike="noStrike">
-              <a:solidFill>
-                <a:srgbClr val="000000"/>
-              </a:solidFill>
-              <a:uFill>
-                <a:solidFill>
-                  <a:srgbClr val="ffffff"/>
+            <a:endParaRPr lang="en-US" sz="1800" b="0" strike="noStrike" spc="-1">
+              <a:solidFill>
+                <a:srgbClr val="000000"/>
+              </a:solidFill>
+              <a:uFill>
+                <a:solidFill>
+                  <a:srgbClr val="FFFFFF"/>
                 </a:solidFill>
               </a:uFill>
               <a:latin typeface="Arial"/>
@@ -3449,7 +3280,8 @@
           <a:fontRef idx="minor"/>
         </p:style>
         <p:txBody>
-          <a:bodyPr lIns="90000" rIns="90000" tIns="45000" bIns="45000" anchor="ctr"/>
+          <a:bodyPr lIns="90000" tIns="45000" rIns="90000" bIns="45000" anchor="ctr"/>
+          <a:lstStyle/>
           <a:p>
             <a:pPr algn="ctr">
               <a:lnSpc>
@@ -3457,26 +3289,26 @@
               </a:lnSpc>
             </a:pPr>
             <a:r>
-              <a:rPr b="0" lang="en-US" sz="1800" spc="-1" strike="noStrike">
+              <a:rPr lang="en-US" sz="1800" b="0" strike="noStrike" spc="-1">
                 <a:solidFill>
                   <a:srgbClr val="000000"/>
                 </a:solidFill>
                 <a:uFill>
                   <a:solidFill>
-                    <a:srgbClr val="ffffff"/>
+                    <a:srgbClr val="FFFFFF"/>
                   </a:solidFill>
                 </a:uFill>
                 <a:latin typeface="Calibri"/>
               </a:rPr>
               <a:t>                      </a:t>
             </a:r>
-            <a:endParaRPr b="0" lang="en-US" sz="1800" spc="-1" strike="noStrike">
-              <a:solidFill>
-                <a:srgbClr val="000000"/>
-              </a:solidFill>
-              <a:uFill>
-                <a:solidFill>
-                  <a:srgbClr val="ffffff"/>
+            <a:endParaRPr lang="en-US" sz="1800" b="0" strike="noStrike" spc="-1">
+              <a:solidFill>
+                <a:srgbClr val="000000"/>
+              </a:solidFill>
+              <a:uFill>
+                <a:solidFill>
+                  <a:srgbClr val="FFFFFF"/>
                 </a:solidFill>
               </a:uFill>
               <a:latin typeface="Arial"/>
@@ -3504,13 +3336,20 @@
           </a:ln>
         </p:spPr>
         <p:style>
-          <a:lnRef idx="0"/>
-          <a:fillRef idx="0"/>
-          <a:effectRef idx="0"/>
+          <a:lnRef idx="0">
+            <a:scrgbClr r="0" g="0" b="0"/>
+          </a:lnRef>
+          <a:fillRef idx="0">
+            <a:scrgbClr r="0" g="0" b="0"/>
+          </a:fillRef>
+          <a:effectRef idx="0">
+            <a:scrgbClr r="0" g="0" b="0"/>
+          </a:effectRef>
           <a:fontRef idx="minor"/>
         </p:style>
         <p:txBody>
-          <a:bodyPr wrap="none" lIns="90000" rIns="90000" tIns="45000" bIns="45000"/>
+          <a:bodyPr wrap="none" lIns="90000" tIns="45000" rIns="90000" bIns="45000"/>
+          <a:lstStyle/>
           <a:p>
             <a:pPr>
               <a:lnSpc>
@@ -3518,40 +3357,26 @@
               </a:lnSpc>
             </a:pPr>
             <a:r>
-              <a:rPr b="0" lang="en-US" sz="1800" spc="-1" strike="noStrike">
+              <a:rPr lang="en-US" sz="1800" b="0" strike="noStrike" spc="-1">
                 <a:solidFill>
                   <a:srgbClr val="000000"/>
                 </a:solidFill>
                 <a:uFill>
                   <a:solidFill>
-                    <a:srgbClr val="ffffff"/>
+                    <a:srgbClr val="FFFFFF"/>
                   </a:solidFill>
                 </a:uFill>
                 <a:latin typeface="Calibri"/>
               </a:rPr>
-              <a:t>Hi</a:t>
+              <a:t>Hive</a:t>
             </a:r>
-            <a:r>
-              <a:rPr b="0" lang="en-US" sz="1800" spc="-1" strike="noStrike">
-                <a:solidFill>
-                  <a:srgbClr val="000000"/>
-                </a:solidFill>
-                <a:uFill>
-                  <a:solidFill>
-                    <a:srgbClr val="ffffff"/>
-                  </a:solidFill>
-                </a:uFill>
-                <a:latin typeface="Calibri"/>
-              </a:rPr>
-              <a:t>ve</a:t>
-            </a:r>
-            <a:endParaRPr b="0" lang="en-US" sz="1800" spc="-1" strike="noStrike">
-              <a:solidFill>
-                <a:srgbClr val="000000"/>
-              </a:solidFill>
-              <a:uFill>
-                <a:solidFill>
-                  <a:srgbClr val="ffffff"/>
+            <a:endParaRPr lang="en-US" sz="1800" b="0" strike="noStrike" spc="-1">
+              <a:solidFill>
+                <a:srgbClr val="000000"/>
+              </a:solidFill>
+              <a:uFill>
+                <a:solidFill>
+                  <a:srgbClr val="FFFFFF"/>
                 </a:solidFill>
               </a:uFill>
               <a:latin typeface="Arial"/>
@@ -3561,12 +3386,12 @@
       </p:sp>
       <p:pic>
         <p:nvPicPr>
-          <p:cNvPr id="62" name="Picture 50" descr=""/>
+          <p:cNvPr id="62" name="Picture 50"/>
           <p:cNvPicPr/>
           <p:nvPr/>
         </p:nvPicPr>
         <p:blipFill>
-          <a:blip r:embed="rId8"/>
+          <a:blip r:embed="rId7"/>
           <a:stretch/>
         </p:blipFill>
         <p:spPr>
@@ -3618,7 +3443,8 @@
           <a:fontRef idx="minor"/>
         </p:style>
         <p:txBody>
-          <a:bodyPr lIns="90000" rIns="90000" tIns="45000" bIns="45000" anchor="ctr"/>
+          <a:bodyPr lIns="90000" tIns="45000" rIns="90000" bIns="45000" anchor="ctr"/>
+          <a:lstStyle/>
           <a:p>
             <a:pPr algn="ctr">
               <a:lnSpc>
@@ -3626,124 +3452,26 @@
               </a:lnSpc>
             </a:pPr>
             <a:r>
-              <a:rPr b="0" lang="en-US" sz="1800" spc="-1" strike="noStrike">
+              <a:rPr lang="en-US" sz="1800" b="0" strike="noStrike" spc="-1">
                 <a:solidFill>
                   <a:srgbClr val="000000"/>
                 </a:solidFill>
                 <a:uFill>
                   <a:solidFill>
-                    <a:srgbClr val="ffffff"/>
+                    <a:srgbClr val="FFFFFF"/>
                   </a:solidFill>
                 </a:uFill>
                 <a:latin typeface="Calibri"/>
               </a:rPr>
-              <a:t>   </a:t>
+              <a:t>                      </a:t>
             </a:r>
-            <a:r>
-              <a:rPr b="0" lang="en-US" sz="1800" spc="-1" strike="noStrike">
-                <a:solidFill>
-                  <a:srgbClr val="000000"/>
-                </a:solidFill>
-                <a:uFill>
-                  <a:solidFill>
-                    <a:srgbClr val="ffffff"/>
-                  </a:solidFill>
-                </a:uFill>
-                <a:latin typeface="Calibri"/>
-              </a:rPr>
-              <a:t>   </a:t>
-            </a:r>
-            <a:r>
-              <a:rPr b="0" lang="en-US" sz="1800" spc="-1" strike="noStrike">
-                <a:solidFill>
-                  <a:srgbClr val="000000"/>
-                </a:solidFill>
-                <a:uFill>
-                  <a:solidFill>
-                    <a:srgbClr val="ffffff"/>
-                  </a:solidFill>
-                </a:uFill>
-                <a:latin typeface="Calibri"/>
-              </a:rPr>
-              <a:t>   </a:t>
-            </a:r>
-            <a:r>
-              <a:rPr b="0" lang="en-US" sz="1800" spc="-1" strike="noStrike">
-                <a:solidFill>
-                  <a:srgbClr val="000000"/>
-                </a:solidFill>
-                <a:uFill>
-                  <a:solidFill>
-                    <a:srgbClr val="ffffff"/>
-                  </a:solidFill>
-                </a:uFill>
-                <a:latin typeface="Calibri"/>
-              </a:rPr>
-              <a:t>   </a:t>
-            </a:r>
-            <a:r>
-              <a:rPr b="0" lang="en-US" sz="1800" spc="-1" strike="noStrike">
-                <a:solidFill>
-                  <a:srgbClr val="000000"/>
-                </a:solidFill>
-                <a:uFill>
-                  <a:solidFill>
-                    <a:srgbClr val="ffffff"/>
-                  </a:solidFill>
-                </a:uFill>
-                <a:latin typeface="Calibri"/>
-              </a:rPr>
-              <a:t>   </a:t>
-            </a:r>
-            <a:r>
-              <a:rPr b="0" lang="en-US" sz="1800" spc="-1" strike="noStrike">
-                <a:solidFill>
-                  <a:srgbClr val="000000"/>
-                </a:solidFill>
-                <a:uFill>
-                  <a:solidFill>
-                    <a:srgbClr val="ffffff"/>
-                  </a:solidFill>
-                </a:uFill>
-                <a:latin typeface="Calibri"/>
-              </a:rPr>
-              <a:t>   </a:t>
-            </a:r>
-            <a:r>
-              <a:rPr b="0" lang="en-US" sz="1800" spc="-1" strike="noStrike">
-                <a:solidFill>
-                  <a:srgbClr val="000000"/>
-                </a:solidFill>
-                <a:uFill>
-                  <a:solidFill>
-                    <a:srgbClr val="ffffff"/>
-                  </a:solidFill>
-                </a:uFill>
-                <a:latin typeface="Calibri"/>
-              </a:rPr>
-              <a:t>   </a:t>
-            </a:r>
-            <a:r>
-              <a:rPr b="0" lang="en-US" sz="1800" spc="-1" strike="noStrike">
-                <a:solidFill>
-                  <a:srgbClr val="000000"/>
-                </a:solidFill>
-                <a:uFill>
-                  <a:solidFill>
-                    <a:srgbClr val="ffffff"/>
-                  </a:solidFill>
-                </a:uFill>
-                <a:latin typeface="Calibri"/>
-              </a:rPr>
-              <a:t> </a:t>
-            </a:r>
-            <a:endParaRPr b="0" lang="en-US" sz="1800" spc="-1" strike="noStrike">
-              <a:solidFill>
-                <a:srgbClr val="000000"/>
-              </a:solidFill>
-              <a:uFill>
-                <a:solidFill>
-                  <a:srgbClr val="ffffff"/>
+            <a:endParaRPr lang="en-US" sz="1800" b="0" strike="noStrike" spc="-1">
+              <a:solidFill>
+                <a:srgbClr val="000000"/>
+              </a:solidFill>
+              <a:uFill>
+                <a:solidFill>
+                  <a:srgbClr val="FFFFFF"/>
                 </a:solidFill>
               </a:uFill>
               <a:latin typeface="Arial"/>
@@ -3771,13 +3499,20 @@
           </a:ln>
         </p:spPr>
         <p:style>
-          <a:lnRef idx="0"/>
-          <a:fillRef idx="0"/>
-          <a:effectRef idx="0"/>
+          <a:lnRef idx="0">
+            <a:scrgbClr r="0" g="0" b="0"/>
+          </a:lnRef>
+          <a:fillRef idx="0">
+            <a:scrgbClr r="0" g="0" b="0"/>
+          </a:fillRef>
+          <a:effectRef idx="0">
+            <a:scrgbClr r="0" g="0" b="0"/>
+          </a:effectRef>
           <a:fontRef idx="minor"/>
         </p:style>
         <p:txBody>
-          <a:bodyPr wrap="none" lIns="90000" rIns="90000" tIns="45000" bIns="45000"/>
+          <a:bodyPr wrap="none" lIns="90000" tIns="45000" rIns="90000" bIns="45000"/>
+          <a:lstStyle/>
           <a:p>
             <a:pPr>
               <a:lnSpc>
@@ -3785,26 +3520,26 @@
               </a:lnSpc>
             </a:pPr>
             <a:r>
-              <a:rPr b="0" lang="en-US" sz="1800" spc="-1" strike="noStrike">
+              <a:rPr lang="en-US" sz="1800" b="0" strike="noStrike" spc="-1">
                 <a:solidFill>
                   <a:srgbClr val="000000"/>
                 </a:solidFill>
                 <a:uFill>
                   <a:solidFill>
-                    <a:srgbClr val="ffffff"/>
+                    <a:srgbClr val="FFFFFF"/>
                   </a:solidFill>
                 </a:uFill>
                 <a:latin typeface="Calibri"/>
               </a:rPr>
               <a:t>Mahout</a:t>
             </a:r>
-            <a:endParaRPr b="0" lang="en-US" sz="1800" spc="-1" strike="noStrike">
-              <a:solidFill>
-                <a:srgbClr val="000000"/>
-              </a:solidFill>
-              <a:uFill>
-                <a:solidFill>
-                  <a:srgbClr val="ffffff"/>
+            <a:endParaRPr lang="en-US" sz="1800" b="0" strike="noStrike" spc="-1">
+              <a:solidFill>
+                <a:srgbClr val="000000"/>
+              </a:solidFill>
+              <a:uFill>
+                <a:solidFill>
+                  <a:srgbClr val="FFFFFF"/>
                 </a:solidFill>
               </a:uFill>
               <a:latin typeface="Arial"/>
@@ -3814,12 +3549,12 @@
       </p:sp>
       <p:pic>
         <p:nvPicPr>
-          <p:cNvPr id="65" name="Picture 52" descr=""/>
+          <p:cNvPr id="65" name="Picture 52"/>
           <p:cNvPicPr/>
           <p:nvPr/>
         </p:nvPicPr>
         <p:blipFill>
-          <a:blip r:embed="rId9"/>
+          <a:blip r:embed="rId8"/>
           <a:srcRect l="19380" t="8106" r="20970" b="24808"/>
           <a:stretch/>
         </p:blipFill>
@@ -3872,7 +3607,8 @@
           <a:fontRef idx="minor"/>
         </p:style>
         <p:txBody>
-          <a:bodyPr lIns="90000" rIns="90000" tIns="45000" bIns="45000" anchor="ctr"/>
+          <a:bodyPr lIns="90000" tIns="45000" rIns="90000" bIns="45000" anchor="ctr"/>
+          <a:lstStyle/>
           <a:p>
             <a:pPr algn="ctr">
               <a:lnSpc>
@@ -3880,26 +3616,26 @@
               </a:lnSpc>
             </a:pPr>
             <a:r>
-              <a:rPr b="0" lang="en-US" sz="1800" spc="-1" strike="noStrike">
+              <a:rPr lang="en-US" sz="1800" b="0" strike="noStrike" spc="-1">
                 <a:solidFill>
                   <a:srgbClr val="000000"/>
                 </a:solidFill>
                 <a:uFill>
                   <a:solidFill>
-                    <a:srgbClr val="ffffff"/>
+                    <a:srgbClr val="FFFFFF"/>
                   </a:solidFill>
                 </a:uFill>
                 <a:latin typeface="Calibri"/>
               </a:rPr>
               <a:t>                      </a:t>
             </a:r>
-            <a:endParaRPr b="0" lang="en-US" sz="1800" spc="-1" strike="noStrike">
-              <a:solidFill>
-                <a:srgbClr val="000000"/>
-              </a:solidFill>
-              <a:uFill>
-                <a:solidFill>
-                  <a:srgbClr val="ffffff"/>
+            <a:endParaRPr lang="en-US" sz="1800" b="0" strike="noStrike" spc="-1">
+              <a:solidFill>
+                <a:srgbClr val="000000"/>
+              </a:solidFill>
+              <a:uFill>
+                <a:solidFill>
+                  <a:srgbClr val="FFFFFF"/>
                 </a:solidFill>
               </a:uFill>
               <a:latin typeface="Arial"/>
@@ -3943,7 +3679,8 @@
           <a:fontRef idx="minor"/>
         </p:style>
         <p:txBody>
-          <a:bodyPr lIns="90000" rIns="90000" tIns="45000" bIns="45000" anchor="ctr"/>
+          <a:bodyPr lIns="90000" tIns="45000" rIns="90000" bIns="45000" anchor="ctr"/>
+          <a:lstStyle/>
           <a:p>
             <a:pPr algn="ctr">
               <a:lnSpc>
@@ -3951,96 +3688,26 @@
               </a:lnSpc>
             </a:pPr>
             <a:r>
-              <a:rPr b="0" lang="en-US" sz="1800" spc="-1" strike="noStrike">
+              <a:rPr lang="en-US" sz="1800" b="0" strike="noStrike" spc="-1">
                 <a:solidFill>
                   <a:srgbClr val="000000"/>
                 </a:solidFill>
                 <a:uFill>
                   <a:solidFill>
-                    <a:srgbClr val="ffffff"/>
+                    <a:srgbClr val="FFFFFF"/>
                   </a:solidFill>
                 </a:uFill>
                 <a:latin typeface="Calibri"/>
               </a:rPr>
-              <a:t>    </a:t>
+              <a:t>                      </a:t>
             </a:r>
-            <a:r>
-              <a:rPr b="0" lang="en-US" sz="1800" spc="-1" strike="noStrike">
-                <a:solidFill>
-                  <a:srgbClr val="000000"/>
-                </a:solidFill>
-                <a:uFill>
-                  <a:solidFill>
-                    <a:srgbClr val="ffffff"/>
-                  </a:solidFill>
-                </a:uFill>
-                <a:latin typeface="Calibri"/>
-              </a:rPr>
-              <a:t>    </a:t>
-            </a:r>
-            <a:r>
-              <a:rPr b="0" lang="en-US" sz="1800" spc="-1" strike="noStrike">
-                <a:solidFill>
-                  <a:srgbClr val="000000"/>
-                </a:solidFill>
-                <a:uFill>
-                  <a:solidFill>
-                    <a:srgbClr val="ffffff"/>
-                  </a:solidFill>
-                </a:uFill>
-                <a:latin typeface="Calibri"/>
-              </a:rPr>
-              <a:t>    </a:t>
-            </a:r>
-            <a:r>
-              <a:rPr b="0" lang="en-US" sz="1800" spc="-1" strike="noStrike">
-                <a:solidFill>
-                  <a:srgbClr val="000000"/>
-                </a:solidFill>
-                <a:uFill>
-                  <a:solidFill>
-                    <a:srgbClr val="ffffff"/>
-                  </a:solidFill>
-                </a:uFill>
-                <a:latin typeface="Calibri"/>
-              </a:rPr>
-              <a:t>    </a:t>
-            </a:r>
-            <a:r>
-              <a:rPr b="0" lang="en-US" sz="1800" spc="-1" strike="noStrike">
-                <a:solidFill>
-                  <a:srgbClr val="000000"/>
-                </a:solidFill>
-                <a:uFill>
-                  <a:solidFill>
-                    <a:srgbClr val="ffffff"/>
-                  </a:solidFill>
-                </a:uFill>
-                <a:latin typeface="Calibri"/>
-              </a:rPr>
-              <a:t>    </a:t>
-            </a:r>
-            <a:r>
-              <a:rPr b="0" lang="en-US" sz="1800" spc="-1" strike="noStrike">
-                <a:solidFill>
-                  <a:srgbClr val="000000"/>
-                </a:solidFill>
-                <a:uFill>
-                  <a:solidFill>
-                    <a:srgbClr val="ffffff"/>
-                  </a:solidFill>
-                </a:uFill>
-                <a:latin typeface="Calibri"/>
-              </a:rPr>
-              <a:t>  </a:t>
-            </a:r>
-            <a:endParaRPr b="0" lang="en-US" sz="1800" spc="-1" strike="noStrike">
-              <a:solidFill>
-                <a:srgbClr val="000000"/>
-              </a:solidFill>
-              <a:uFill>
-                <a:solidFill>
-                  <a:srgbClr val="ffffff"/>
+            <a:endParaRPr lang="en-US" sz="1800" b="0" strike="noStrike" spc="-1">
+              <a:solidFill>
+                <a:srgbClr val="000000"/>
+              </a:solidFill>
+              <a:uFill>
+                <a:solidFill>
+                  <a:srgbClr val="FFFFFF"/>
                 </a:solidFill>
               </a:uFill>
               <a:latin typeface="Arial"/>
@@ -4084,7 +3751,8 @@
           <a:fontRef idx="minor"/>
         </p:style>
         <p:txBody>
-          <a:bodyPr lIns="90000" rIns="90000" tIns="45000" bIns="45000" anchor="ctr"/>
+          <a:bodyPr lIns="90000" tIns="45000" rIns="90000" bIns="45000" anchor="ctr"/>
+          <a:lstStyle/>
           <a:p>
             <a:pPr algn="ctr">
               <a:lnSpc>
@@ -4092,26 +3760,26 @@
               </a:lnSpc>
             </a:pPr>
             <a:r>
-              <a:rPr b="0" lang="en-US" sz="1800" spc="-1" strike="noStrike">
+              <a:rPr lang="en-US" sz="1800" b="0" strike="noStrike" spc="-1">
                 <a:solidFill>
                   <a:srgbClr val="000000"/>
                 </a:solidFill>
                 <a:uFill>
                   <a:solidFill>
-                    <a:srgbClr val="ffffff"/>
+                    <a:srgbClr val="FFFFFF"/>
                   </a:solidFill>
                 </a:uFill>
                 <a:latin typeface="Calibri"/>
               </a:rPr>
               <a:t>                      </a:t>
             </a:r>
-            <a:endParaRPr b="0" lang="en-US" sz="1800" spc="-1" strike="noStrike">
-              <a:solidFill>
-                <a:srgbClr val="000000"/>
-              </a:solidFill>
-              <a:uFill>
-                <a:solidFill>
-                  <a:srgbClr val="ffffff"/>
+            <a:endParaRPr lang="en-US" sz="1800" b="0" strike="noStrike" spc="-1">
+              <a:solidFill>
+                <a:srgbClr val="000000"/>
+              </a:solidFill>
+              <a:uFill>
+                <a:solidFill>
+                  <a:srgbClr val="FFFFFF"/>
                 </a:solidFill>
               </a:uFill>
               <a:latin typeface="Arial"/>
@@ -4155,7 +3823,8 @@
           <a:fontRef idx="minor"/>
         </p:style>
         <p:txBody>
-          <a:bodyPr lIns="90000" rIns="90000" tIns="45000" bIns="45000" anchor="ctr"/>
+          <a:bodyPr lIns="90000" tIns="45000" rIns="90000" bIns="45000" anchor="ctr"/>
+          <a:lstStyle/>
           <a:p>
             <a:pPr algn="ctr">
               <a:lnSpc>
@@ -4163,54 +3832,26 @@
               </a:lnSpc>
             </a:pPr>
             <a:r>
-              <a:rPr b="0" lang="en-US" sz="1800" spc="-1" strike="noStrike">
+              <a:rPr lang="en-US" sz="1800" b="0" strike="noStrike" spc="-1">
                 <a:solidFill>
                   <a:srgbClr val="000000"/>
                 </a:solidFill>
                 <a:uFill>
                   <a:solidFill>
-                    <a:srgbClr val="ffffff"/>
+                    <a:srgbClr val="FFFFFF"/>
                   </a:solidFill>
                 </a:uFill>
                 <a:latin typeface="Calibri"/>
               </a:rPr>
-              <a:t>          </a:t>
+              <a:t>                      </a:t>
             </a:r>
-            <a:r>
-              <a:rPr b="0" lang="en-US" sz="1800" spc="-1" strike="noStrike">
-                <a:solidFill>
-                  <a:srgbClr val="000000"/>
-                </a:solidFill>
-                <a:uFill>
-                  <a:solidFill>
-                    <a:srgbClr val="ffffff"/>
-                  </a:solidFill>
-                </a:uFill>
-                <a:latin typeface="Calibri"/>
-              </a:rPr>
-              <a:t>          </a:t>
-            </a:r>
-            <a:r>
-              <a:rPr b="0" lang="en-US" sz="1800" spc="-1" strike="noStrike">
-                <a:solidFill>
-                  <a:srgbClr val="000000"/>
-                </a:solidFill>
-                <a:uFill>
-                  <a:solidFill>
-                    <a:srgbClr val="ffffff"/>
-                  </a:solidFill>
-                </a:uFill>
-                <a:latin typeface="Calibri"/>
-              </a:rPr>
-              <a:t>  </a:t>
-            </a:r>
-            <a:endParaRPr b="0" lang="en-US" sz="1800" spc="-1" strike="noStrike">
-              <a:solidFill>
-                <a:srgbClr val="000000"/>
-              </a:solidFill>
-              <a:uFill>
-                <a:solidFill>
-                  <a:srgbClr val="ffffff"/>
+            <a:endParaRPr lang="en-US" sz="1800" b="0" strike="noStrike" spc="-1">
+              <a:solidFill>
+                <a:srgbClr val="000000"/>
+              </a:solidFill>
+              <a:uFill>
+                <a:solidFill>
+                  <a:srgbClr val="FFFFFF"/>
                 </a:solidFill>
               </a:uFill>
               <a:latin typeface="Arial"/>
@@ -4220,14 +3861,14 @@
       </p:sp>
       <p:sp>
         <p:nvSpPr>
-          <p:cNvPr id="70" name="CustomShape 23"/>
+          <p:cNvPr id="71" name="CustomShape 24"/>
           <p:cNvSpPr/>
           <p:nvPr/>
         </p:nvSpPr>
         <p:spPr>
           <a:xfrm>
-            <a:off x="6360840" y="1229760"/>
-            <a:ext cx="557640" cy="1981440"/>
+            <a:off x="6978240" y="1224720"/>
+            <a:ext cx="557640" cy="2595240"/>
           </a:xfrm>
           <a:prstGeom prst="roundRect">
             <a:avLst>
@@ -4254,7 +3895,8 @@
           <a:fontRef idx="minor"/>
         </p:style>
         <p:txBody>
-          <a:bodyPr lIns="90000" rIns="90000" tIns="45000" bIns="45000" anchor="ctr"/>
+          <a:bodyPr lIns="90000" tIns="45000" rIns="90000" bIns="45000" anchor="ctr"/>
+          <a:lstStyle/>
           <a:p>
             <a:pPr algn="ctr">
               <a:lnSpc>
@@ -4262,26 +3904,26 @@
               </a:lnSpc>
             </a:pPr>
             <a:r>
-              <a:rPr b="0" lang="en-US" sz="1800" spc="-1" strike="noStrike">
+              <a:rPr lang="en-US" sz="1800" b="0" strike="noStrike" spc="-1">
                 <a:solidFill>
                   <a:srgbClr val="000000"/>
                 </a:solidFill>
                 <a:uFill>
                   <a:solidFill>
-                    <a:srgbClr val="ffffff"/>
+                    <a:srgbClr val="FFFFFF"/>
                   </a:solidFill>
                 </a:uFill>
                 <a:latin typeface="Calibri"/>
               </a:rPr>
               <a:t>                      </a:t>
             </a:r>
-            <a:endParaRPr b="0" lang="en-US" sz="1800" spc="-1" strike="noStrike">
-              <a:solidFill>
-                <a:srgbClr val="000000"/>
-              </a:solidFill>
-              <a:uFill>
-                <a:solidFill>
-                  <a:srgbClr val="ffffff"/>
+            <a:endParaRPr lang="en-US" sz="1800" b="0" strike="noStrike" spc="-1">
+              <a:solidFill>
+                <a:srgbClr val="000000"/>
+              </a:solidFill>
+              <a:uFill>
+                <a:solidFill>
+                  <a:srgbClr val="FFFFFF"/>
                 </a:solidFill>
               </a:uFill>
               <a:latin typeface="Arial"/>
@@ -4291,14 +3933,14 @@
       </p:sp>
       <p:sp>
         <p:nvSpPr>
-          <p:cNvPr id="71" name="CustomShape 24"/>
+          <p:cNvPr id="72" name="CustomShape 25"/>
           <p:cNvSpPr/>
           <p:nvPr/>
         </p:nvSpPr>
         <p:spPr>
           <a:xfrm>
-            <a:off x="6978240" y="1224720"/>
-            <a:ext cx="557640" cy="2595240"/>
+            <a:off x="7603200" y="1224720"/>
+            <a:ext cx="557640" cy="2589840"/>
           </a:xfrm>
           <a:prstGeom prst="roundRect">
             <a:avLst>
@@ -4325,7 +3967,8 @@
           <a:fontRef idx="minor"/>
         </p:style>
         <p:txBody>
-          <a:bodyPr lIns="90000" rIns="90000" tIns="45000" bIns="45000" anchor="ctr"/>
+          <a:bodyPr lIns="90000" tIns="45000" rIns="90000" bIns="45000" anchor="ctr"/>
+          <a:lstStyle/>
           <a:p>
             <a:pPr algn="ctr">
               <a:lnSpc>
@@ -4333,40 +3976,26 @@
               </a:lnSpc>
             </a:pPr>
             <a:r>
-              <a:rPr b="0" lang="en-US" sz="1800" spc="-1" strike="noStrike">
+              <a:rPr lang="en-US" sz="1800" b="0" strike="noStrike" spc="-1">
                 <a:solidFill>
                   <a:srgbClr val="000000"/>
                 </a:solidFill>
                 <a:uFill>
                   <a:solidFill>
-                    <a:srgbClr val="ffffff"/>
+                    <a:srgbClr val="FFFFFF"/>
                   </a:solidFill>
                 </a:uFill>
                 <a:latin typeface="Calibri"/>
               </a:rPr>
-              <a:t>              </a:t>
+              <a:t>                      </a:t>
             </a:r>
-            <a:r>
-              <a:rPr b="0" lang="en-US" sz="1800" spc="-1" strike="noStrike">
-                <a:solidFill>
-                  <a:srgbClr val="000000"/>
-                </a:solidFill>
-                <a:uFill>
-                  <a:solidFill>
-                    <a:srgbClr val="ffffff"/>
-                  </a:solidFill>
-                </a:uFill>
-                <a:latin typeface="Calibri"/>
-              </a:rPr>
-              <a:t>        </a:t>
-            </a:r>
-            <a:endParaRPr b="0" lang="en-US" sz="1800" spc="-1" strike="noStrike">
-              <a:solidFill>
-                <a:srgbClr val="000000"/>
-              </a:solidFill>
-              <a:uFill>
-                <a:solidFill>
-                  <a:srgbClr val="ffffff"/>
+            <a:endParaRPr lang="en-US" sz="1800" b="0" strike="noStrike" spc="-1">
+              <a:solidFill>
+                <a:srgbClr val="000000"/>
+              </a:solidFill>
+              <a:uFill>
+                <a:solidFill>
+                  <a:srgbClr val="FFFFFF"/>
                 </a:solidFill>
               </a:uFill>
               <a:latin typeface="Arial"/>
@@ -4376,14 +4005,14 @@
       </p:sp>
       <p:sp>
         <p:nvSpPr>
-          <p:cNvPr id="72" name="CustomShape 25"/>
+          <p:cNvPr id="73" name="CustomShape 26"/>
           <p:cNvSpPr/>
           <p:nvPr/>
         </p:nvSpPr>
         <p:spPr>
           <a:xfrm>
-            <a:off x="7603200" y="1224720"/>
-            <a:ext cx="557640" cy="2627640"/>
+            <a:off x="1097280" y="1219320"/>
+            <a:ext cx="557640" cy="2595240"/>
           </a:xfrm>
           <a:prstGeom prst="roundRect">
             <a:avLst>
@@ -4410,7 +4039,8 @@
           <a:fontRef idx="minor"/>
         </p:style>
         <p:txBody>
-          <a:bodyPr lIns="90000" rIns="90000" tIns="45000" bIns="45000" anchor="ctr"/>
+          <a:bodyPr lIns="90000" tIns="45000" rIns="90000" bIns="45000" anchor="ctr"/>
+          <a:lstStyle/>
           <a:p>
             <a:pPr algn="ctr">
               <a:lnSpc>
@@ -4418,153 +4048,26 @@
               </a:lnSpc>
             </a:pPr>
             <a:r>
-              <a:rPr b="0" lang="en-US" sz="1800" spc="-1" strike="noStrike">
+              <a:rPr lang="en-US" sz="1800" b="0" strike="noStrike" spc="-1">
                 <a:solidFill>
                   <a:srgbClr val="000000"/>
                 </a:solidFill>
                 <a:uFill>
                   <a:solidFill>
-                    <a:srgbClr val="ffffff"/>
+                    <a:srgbClr val="FFFFFF"/>
                   </a:solidFill>
                 </a:uFill>
                 <a:latin typeface="Calibri"/>
               </a:rPr>
               <a:t>                      </a:t>
             </a:r>
-            <a:endParaRPr b="0" lang="en-US" sz="1800" spc="-1" strike="noStrike">
-              <a:solidFill>
-                <a:srgbClr val="000000"/>
-              </a:solidFill>
-              <a:uFill>
-                <a:solidFill>
-                  <a:srgbClr val="ffffff"/>
-                </a:solidFill>
-              </a:uFill>
-              <a:latin typeface="Arial"/>
-            </a:endParaRPr>
-          </a:p>
-        </p:txBody>
-      </p:sp>
-      <p:sp>
-        <p:nvSpPr>
-          <p:cNvPr id="73" name="CustomShape 26"/>
-          <p:cNvSpPr/>
-          <p:nvPr/>
-        </p:nvSpPr>
-        <p:spPr>
-          <a:xfrm>
-            <a:off x="1097280" y="1219320"/>
-            <a:ext cx="557640" cy="2595240"/>
-          </a:xfrm>
-          <a:prstGeom prst="roundRect">
-            <a:avLst>
-              <a:gd name="adj" fmla="val 16667"/>
-            </a:avLst>
-          </a:prstGeom>
-          <a:noFill/>
-          <a:ln w="6480">
-            <a:round/>
-          </a:ln>
-        </p:spPr>
-        <p:style>
-          <a:lnRef idx="2">
-            <a:schemeClr val="accent1">
-              <a:shade val="50000"/>
-            </a:schemeClr>
-          </a:lnRef>
-          <a:fillRef idx="1">
-            <a:schemeClr val="accent1"/>
-          </a:fillRef>
-          <a:effectRef idx="0">
-            <a:schemeClr val="accent1"/>
-          </a:effectRef>
-          <a:fontRef idx="minor"/>
-        </p:style>
-        <p:txBody>
-          <a:bodyPr lIns="90000" rIns="90000" tIns="45000" bIns="45000" anchor="ctr"/>
-          <a:p>
-            <a:pPr algn="ctr">
-              <a:lnSpc>
-                <a:spcPct val="100000"/>
-              </a:lnSpc>
-            </a:pPr>
-            <a:r>
-              <a:rPr b="0" lang="en-US" sz="1800" spc="-1" strike="noStrike">
-                <a:solidFill>
-                  <a:srgbClr val="000000"/>
-                </a:solidFill>
-                <a:uFill>
-                  <a:solidFill>
-                    <a:srgbClr val="ffffff"/>
-                  </a:solidFill>
-                </a:uFill>
-                <a:latin typeface="Calibri"/>
-              </a:rPr>
-              <a:t>     </a:t>
-            </a:r>
-            <a:r>
-              <a:rPr b="0" lang="en-US" sz="1800" spc="-1" strike="noStrike">
-                <a:solidFill>
-                  <a:srgbClr val="000000"/>
-                </a:solidFill>
-                <a:uFill>
-                  <a:solidFill>
-                    <a:srgbClr val="ffffff"/>
-                  </a:solidFill>
-                </a:uFill>
-                <a:latin typeface="Calibri"/>
-              </a:rPr>
-              <a:t>     </a:t>
-            </a:r>
-            <a:r>
-              <a:rPr b="0" lang="en-US" sz="1800" spc="-1" strike="noStrike">
-                <a:solidFill>
-                  <a:srgbClr val="000000"/>
-                </a:solidFill>
-                <a:uFill>
-                  <a:solidFill>
-                    <a:srgbClr val="ffffff"/>
-                  </a:solidFill>
-                </a:uFill>
-                <a:latin typeface="Calibri"/>
-              </a:rPr>
-              <a:t>     </a:t>
-            </a:r>
-            <a:r>
-              <a:rPr b="0" lang="en-US" sz="1800" spc="-1" strike="noStrike">
-                <a:solidFill>
-                  <a:srgbClr val="000000"/>
-                </a:solidFill>
-                <a:uFill>
-                  <a:solidFill>
-                    <a:srgbClr val="ffffff"/>
-                  </a:solidFill>
-                </a:uFill>
-                <a:latin typeface="Calibri"/>
-              </a:rPr>
-              <a:t>     </a:t>
-            </a:r>
-            <a:r>
-              <a:rPr b="0" lang="en-US" sz="1800" spc="-1" strike="noStrike">
-                <a:solidFill>
-                  <a:srgbClr val="000000"/>
-                </a:solidFill>
-                <a:uFill>
-                  <a:solidFill>
-                    <a:srgbClr val="ffffff"/>
-                  </a:solidFill>
-                </a:uFill>
-                <a:latin typeface="Calibri"/>
-              </a:rPr>
-              <a:t>  </a:t>
-            </a:r>
-            <a:endParaRPr b="0" lang="en-US" sz="1800" spc="-1" strike="noStrike">
-              <a:solidFill>
-                <a:srgbClr val="000000"/>
-              </a:solidFill>
-              <a:uFill>
-                <a:solidFill>
-                  <a:srgbClr val="ffffff"/>
+            <a:endParaRPr lang="en-US" sz="1800" b="0" strike="noStrike" spc="-1">
+              <a:solidFill>
+                <a:srgbClr val="000000"/>
+              </a:solidFill>
+              <a:uFill>
+                <a:solidFill>
+                  <a:srgbClr val="FFFFFF"/>
                 </a:solidFill>
               </a:uFill>
               <a:latin typeface="Arial"/>
@@ -4592,13 +4095,20 @@
           </a:ln>
         </p:spPr>
         <p:style>
-          <a:lnRef idx="0"/>
-          <a:fillRef idx="0"/>
-          <a:effectRef idx="0"/>
+          <a:lnRef idx="0">
+            <a:scrgbClr r="0" g="0" b="0"/>
+          </a:lnRef>
+          <a:fillRef idx="0">
+            <a:scrgbClr r="0" g="0" b="0"/>
+          </a:fillRef>
+          <a:effectRef idx="0">
+            <a:scrgbClr r="0" g="0" b="0"/>
+          </a:effectRef>
           <a:fontRef idx="minor"/>
         </p:style>
         <p:txBody>
-          <a:bodyPr wrap="none" lIns="90000" rIns="90000" tIns="45000" bIns="45000"/>
+          <a:bodyPr wrap="none" lIns="90000" tIns="45000" rIns="90000" bIns="45000"/>
+          <a:lstStyle/>
           <a:p>
             <a:pPr>
               <a:lnSpc>
@@ -4606,26 +4116,26 @@
               </a:lnSpc>
             </a:pPr>
             <a:r>
-              <a:rPr b="0" lang="en-US" sz="1800" spc="-1" strike="noStrike">
+              <a:rPr lang="en-US" sz="1800" b="0" strike="noStrike" spc="-1">
                 <a:solidFill>
                   <a:srgbClr val="000000"/>
                 </a:solidFill>
                 <a:uFill>
                   <a:solidFill>
-                    <a:srgbClr val="ffffff"/>
+                    <a:srgbClr val="FFFFFF"/>
                   </a:solidFill>
                 </a:uFill>
                 <a:latin typeface="Calibri"/>
               </a:rPr>
               <a:t>ZooKeeper</a:t>
             </a:r>
-            <a:endParaRPr b="0" lang="en-US" sz="1800" spc="-1" strike="noStrike">
-              <a:solidFill>
-                <a:srgbClr val="000000"/>
-              </a:solidFill>
-              <a:uFill>
-                <a:solidFill>
-                  <a:srgbClr val="ffffff"/>
+            <a:endParaRPr lang="en-US" sz="1800" b="0" strike="noStrike" spc="-1">
+              <a:solidFill>
+                <a:srgbClr val="000000"/>
+              </a:solidFill>
+              <a:uFill>
+                <a:solidFill>
+                  <a:srgbClr val="FFFFFF"/>
                 </a:solidFill>
               </a:uFill>
               <a:latin typeface="Arial"/>
@@ -4635,7 +4145,98 @@
       </p:sp>
       <p:pic>
         <p:nvPicPr>
-          <p:cNvPr id="75" name="" descr=""/>
+          <p:cNvPr id="75" name="Picture 74"/>
+          <p:cNvPicPr/>
+          <p:nvPr/>
+        </p:nvPicPr>
+        <p:blipFill>
+          <a:blip r:embed="rId9"/>
+          <a:stretch/>
+        </p:blipFill>
+        <p:spPr>
+          <a:xfrm>
+            <a:off x="1158120" y="1315440"/>
+            <a:ext cx="365760" cy="518760"/>
+          </a:xfrm>
+          <a:prstGeom prst="rect">
+            <a:avLst/>
+          </a:prstGeom>
+          <a:ln>
+            <a:noFill/>
+          </a:ln>
+        </p:spPr>
+      </p:pic>
+      <p:sp>
+        <p:nvSpPr>
+          <p:cNvPr id="76" name="CustomShape 28"/>
+          <p:cNvSpPr/>
+          <p:nvPr/>
+        </p:nvSpPr>
+        <p:spPr>
+          <a:xfrm rot="16200000">
+            <a:off x="3978720" y="1977120"/>
+            <a:ext cx="945000" cy="364680"/>
+          </a:xfrm>
+          <a:prstGeom prst="rect">
+            <a:avLst/>
+          </a:prstGeom>
+          <a:noFill/>
+          <a:ln>
+            <a:noFill/>
+          </a:ln>
+        </p:spPr>
+        <p:style>
+          <a:lnRef idx="0">
+            <a:scrgbClr r="0" g="0" b="0"/>
+          </a:lnRef>
+          <a:fillRef idx="0">
+            <a:scrgbClr r="0" g="0" b="0"/>
+          </a:fillRef>
+          <a:effectRef idx="0">
+            <a:scrgbClr r="0" g="0" b="0"/>
+          </a:effectRef>
+          <a:fontRef idx="minor"/>
+        </p:style>
+        <p:txBody>
+          <a:bodyPr wrap="none" lIns="90000" tIns="45000" rIns="90000" bIns="45000"/>
+          <a:lstStyle/>
+          <a:p>
+            <a:pPr>
+              <a:lnSpc>
+                <a:spcPct val="100000"/>
+              </a:lnSpc>
+            </a:pPr>
+            <a:r>
+              <a:rPr lang="en-US" sz="1800" b="0" strike="noStrike" spc="-1">
+                <a:solidFill>
+                  <a:srgbClr val="000000"/>
+                </a:solidFill>
+                <a:uFill>
+                  <a:solidFill>
+                    <a:srgbClr val="FFFFFF"/>
+                  </a:solidFill>
+                </a:uFill>
+                <a:latin typeface="Calibri"/>
+              </a:rPr>
+              <a:t>Giraph</a:t>
+            </a:r>
+            <a:endParaRPr lang="en-US" sz="1800" b="0" strike="noStrike" spc="-1">
+              <a:solidFill>
+                <a:srgbClr val="000000"/>
+              </a:solidFill>
+              <a:uFill>
+                <a:solidFill>
+                  <a:srgbClr val="FFFFFF"/>
+                </a:solidFill>
+              </a:uFill>
+              <a:latin typeface="Arial"/>
+            </a:endParaRPr>
+          </a:p>
+        </p:txBody>
+      </p:sp>
+      <p:pic>
+        <p:nvPicPr>
+          <p:cNvPr id="77" name="Picture 76"/>
           <p:cNvPicPr/>
           <p:nvPr/>
         </p:nvPicPr>
@@ -4644,9 +4245,9 @@
           <a:stretch/>
         </p:blipFill>
         <p:spPr>
-          <a:xfrm>
-            <a:off x="1158120" y="1315440"/>
-            <a:ext cx="365760" cy="518760"/>
+          <a:xfrm rot="21593400">
+            <a:off x="4305240" y="1285560"/>
+            <a:ext cx="379080" cy="456480"/>
           </a:xfrm>
           <a:prstGeom prst="rect">
             <a:avLst/>
@@ -4658,14 +4259,14 @@
       </p:pic>
       <p:sp>
         <p:nvSpPr>
-          <p:cNvPr id="76" name="CustomShape 28"/>
+          <p:cNvPr id="78" name="CustomShape 29"/>
           <p:cNvSpPr/>
           <p:nvPr/>
         </p:nvSpPr>
         <p:spPr>
           <a:xfrm rot="16200000">
-            <a:off x="3978720" y="1977120"/>
-            <a:ext cx="945000" cy="364680"/>
+            <a:off x="4529520" y="2010600"/>
+            <a:ext cx="867240" cy="364680"/>
           </a:xfrm>
           <a:prstGeom prst="rect">
             <a:avLst/>
@@ -4676,13 +4277,20 @@
           </a:ln>
         </p:spPr>
         <p:style>
-          <a:lnRef idx="0"/>
-          <a:fillRef idx="0"/>
-          <a:effectRef idx="0"/>
+          <a:lnRef idx="0">
+            <a:scrgbClr r="0" g="0" b="0"/>
+          </a:lnRef>
+          <a:fillRef idx="0">
+            <a:scrgbClr r="0" g="0" b="0"/>
+          </a:fillRef>
+          <a:effectRef idx="0">
+            <a:scrgbClr r="0" g="0" b="0"/>
+          </a:effectRef>
           <a:fontRef idx="minor"/>
         </p:style>
         <p:txBody>
-          <a:bodyPr wrap="none" lIns="90000" rIns="90000" tIns="45000" bIns="45000"/>
+          <a:bodyPr wrap="none" lIns="90000" tIns="45000" rIns="90000" bIns="45000"/>
+          <a:lstStyle/>
           <a:p>
             <a:pPr>
               <a:lnSpc>
@@ -4690,26 +4298,26 @@
               </a:lnSpc>
             </a:pPr>
             <a:r>
-              <a:rPr b="0" lang="en-US" sz="1800" spc="-1" strike="noStrike">
+              <a:rPr lang="en-US" sz="1800" b="0" strike="noStrike" spc="-1">
                 <a:solidFill>
                   <a:srgbClr val="000000"/>
                 </a:solidFill>
                 <a:uFill>
                   <a:solidFill>
-                    <a:srgbClr val="ffffff"/>
+                    <a:srgbClr val="FFFFFF"/>
                   </a:solidFill>
                 </a:uFill>
                 <a:latin typeface="Calibri"/>
               </a:rPr>
-              <a:t>Giraph</a:t>
+              <a:t>Storm</a:t>
             </a:r>
-            <a:endParaRPr b="0" lang="en-US" sz="1800" spc="-1" strike="noStrike">
-              <a:solidFill>
-                <a:srgbClr val="000000"/>
-              </a:solidFill>
-              <a:uFill>
-                <a:solidFill>
-                  <a:srgbClr val="ffffff"/>
+            <a:endParaRPr lang="en-US" sz="1800" b="0" strike="noStrike" spc="-1">
+              <a:solidFill>
+                <a:srgbClr val="000000"/>
+              </a:solidFill>
+              <a:uFill>
+                <a:solidFill>
+                  <a:srgbClr val="FFFFFF"/>
                 </a:solidFill>
               </a:uFill>
               <a:latin typeface="Arial"/>
@@ -4719,18 +4327,19 @@
       </p:sp>
       <p:pic>
         <p:nvPicPr>
-          <p:cNvPr id="77" name="" descr=""/>
+          <p:cNvPr id="79" name="Picture 78"/>
           <p:cNvPicPr/>
           <p:nvPr/>
         </p:nvPicPr>
         <p:blipFill>
           <a:blip r:embed="rId11"/>
+          <a:srcRect r="65422"/>
           <a:stretch/>
         </p:blipFill>
         <p:spPr>
-          <a:xfrm rot="21593400">
-            <a:off x="4305240" y="1285560"/>
-            <a:ext cx="379080" cy="456480"/>
+          <a:xfrm rot="16200000">
+            <a:off x="4759920" y="1292400"/>
+            <a:ext cx="451800" cy="410040"/>
           </a:xfrm>
           <a:prstGeom prst="rect">
             <a:avLst/>
@@ -4742,14 +4351,14 @@
       </p:pic>
       <p:sp>
         <p:nvSpPr>
-          <p:cNvPr id="78" name="CustomShape 29"/>
+          <p:cNvPr id="80" name="CustomShape 30"/>
           <p:cNvSpPr/>
           <p:nvPr/>
         </p:nvSpPr>
         <p:spPr>
           <a:xfrm rot="16200000">
-            <a:off x="4529520" y="2010600"/>
-            <a:ext cx="867240" cy="364680"/>
+            <a:off x="5043600" y="2037960"/>
+            <a:ext cx="837000" cy="364320"/>
           </a:xfrm>
           <a:prstGeom prst="rect">
             <a:avLst/>
@@ -4760,13 +4369,20 @@
           </a:ln>
         </p:spPr>
         <p:style>
-          <a:lnRef idx="0"/>
-          <a:fillRef idx="0"/>
-          <a:effectRef idx="0"/>
+          <a:lnRef idx="0">
+            <a:scrgbClr r="0" g="0" b="0"/>
+          </a:lnRef>
+          <a:fillRef idx="0">
+            <a:scrgbClr r="0" g="0" b="0"/>
+          </a:fillRef>
+          <a:effectRef idx="0">
+            <a:scrgbClr r="0" g="0" b="0"/>
+          </a:effectRef>
           <a:fontRef idx="minor"/>
         </p:style>
         <p:txBody>
-          <a:bodyPr wrap="none" lIns="90000" rIns="90000" tIns="45000" bIns="45000"/>
+          <a:bodyPr wrap="none" lIns="90000" tIns="45000" rIns="90000" bIns="45000"/>
+          <a:lstStyle/>
           <a:p>
             <a:pPr>
               <a:lnSpc>
@@ -4774,26 +4390,26 @@
               </a:lnSpc>
             </a:pPr>
             <a:r>
-              <a:rPr b="0" lang="en-US" sz="1800" spc="-1" strike="noStrike">
+              <a:rPr lang="en-US" sz="1800" b="0" strike="noStrike" spc="-1">
                 <a:solidFill>
                   <a:srgbClr val="000000"/>
                 </a:solidFill>
                 <a:uFill>
                   <a:solidFill>
-                    <a:srgbClr val="ffffff"/>
+                    <a:srgbClr val="FFFFFF"/>
                   </a:solidFill>
                 </a:uFill>
                 <a:latin typeface="Calibri"/>
               </a:rPr>
-              <a:t>Storm</a:t>
+              <a:t>Spark</a:t>
             </a:r>
-            <a:endParaRPr b="0" lang="en-US" sz="1800" spc="-1" strike="noStrike">
-              <a:solidFill>
-                <a:srgbClr val="000000"/>
-              </a:solidFill>
-              <a:uFill>
-                <a:solidFill>
-                  <a:srgbClr val="ffffff"/>
+            <a:endParaRPr lang="en-US" sz="1800" b="0" strike="noStrike" spc="-1">
+              <a:solidFill>
+                <a:srgbClr val="000000"/>
+              </a:solidFill>
+              <a:uFill>
+                <a:solidFill>
+                  <a:srgbClr val="FFFFFF"/>
                 </a:solidFill>
               </a:uFill>
               <a:latin typeface="Arial"/>
@@ -4803,19 +4419,18 @@
       </p:sp>
       <p:pic>
         <p:nvPicPr>
-          <p:cNvPr id="79" name="" descr=""/>
+          <p:cNvPr id="81" name="Picture 80"/>
           <p:cNvPicPr/>
           <p:nvPr/>
         </p:nvPicPr>
         <p:blipFill>
           <a:blip r:embed="rId12"/>
-          <a:srcRect l="0" t="0" r="65422" b="0"/>
           <a:stretch/>
         </p:blipFill>
         <p:spPr>
           <a:xfrm rot="16200000">
-            <a:off x="4759920" y="1292400"/>
-            <a:ext cx="451800" cy="410040"/>
+            <a:off x="5209200" y="1386000"/>
+            <a:ext cx="567000" cy="329040"/>
           </a:xfrm>
           <a:prstGeom prst="rect">
             <a:avLst/>
@@ -4827,14 +4442,14 @@
       </p:pic>
       <p:sp>
         <p:nvSpPr>
-          <p:cNvPr id="80" name="CustomShape 30"/>
+          <p:cNvPr id="82" name="CustomShape 31"/>
           <p:cNvSpPr/>
           <p:nvPr/>
         </p:nvSpPr>
         <p:spPr>
           <a:xfrm rot="16200000">
-            <a:off x="5043600" y="2037960"/>
-            <a:ext cx="837000" cy="364320"/>
+            <a:off x="5646600" y="2096280"/>
+            <a:ext cx="716400" cy="364680"/>
           </a:xfrm>
           <a:prstGeom prst="rect">
             <a:avLst/>
@@ -4845,13 +4460,20 @@
           </a:ln>
         </p:spPr>
         <p:style>
-          <a:lnRef idx="0"/>
-          <a:fillRef idx="0"/>
-          <a:effectRef idx="0"/>
+          <a:lnRef idx="0">
+            <a:scrgbClr r="0" g="0" b="0"/>
+          </a:lnRef>
+          <a:fillRef idx="0">
+            <a:scrgbClr r="0" g="0" b="0"/>
+          </a:fillRef>
+          <a:effectRef idx="0">
+            <a:scrgbClr r="0" g="0" b="0"/>
+          </a:effectRef>
           <a:fontRef idx="minor"/>
         </p:style>
         <p:txBody>
-          <a:bodyPr wrap="none" lIns="90000" rIns="90000" tIns="45000" bIns="45000"/>
+          <a:bodyPr wrap="none" lIns="90000" tIns="45000" rIns="90000" bIns="45000"/>
+          <a:lstStyle/>
           <a:p>
             <a:pPr>
               <a:lnSpc>
@@ -4859,26 +4481,26 @@
               </a:lnSpc>
             </a:pPr>
             <a:r>
-              <a:rPr b="0" lang="en-US" sz="1800" spc="-1" strike="noStrike">
+              <a:rPr lang="en-US" sz="1800" b="0" strike="noStrike" spc="-1">
                 <a:solidFill>
                   <a:srgbClr val="000000"/>
                 </a:solidFill>
                 <a:uFill>
                   <a:solidFill>
-                    <a:srgbClr val="ffffff"/>
+                    <a:srgbClr val="FFFFFF"/>
                   </a:solidFill>
                 </a:uFill>
                 <a:latin typeface="Calibri"/>
               </a:rPr>
-              <a:t>Spark</a:t>
+              <a:t>Flink</a:t>
             </a:r>
-            <a:endParaRPr b="0" lang="en-US" sz="1800" spc="-1" strike="noStrike">
-              <a:solidFill>
-                <a:srgbClr val="000000"/>
-              </a:solidFill>
-              <a:uFill>
-                <a:solidFill>
-                  <a:srgbClr val="ffffff"/>
+            <a:endParaRPr lang="en-US" sz="1800" b="0" strike="noStrike" spc="-1">
+              <a:solidFill>
+                <a:srgbClr val="000000"/>
+              </a:solidFill>
+              <a:uFill>
+                <a:solidFill>
+                  <a:srgbClr val="FFFFFF"/>
                 </a:solidFill>
               </a:uFill>
               <a:latin typeface="Arial"/>
@@ -4888,18 +4510,19 @@
       </p:sp>
       <p:pic>
         <p:nvPicPr>
-          <p:cNvPr id="81" name="" descr=""/>
+          <p:cNvPr id="83" name="Picture 82"/>
           <p:cNvPicPr/>
           <p:nvPr/>
         </p:nvPicPr>
         <p:blipFill>
           <a:blip r:embed="rId13"/>
+          <a:srcRect r="57133"/>
           <a:stretch/>
         </p:blipFill>
         <p:spPr>
           <a:xfrm rot="16200000">
-            <a:off x="5209200" y="1386000"/>
-            <a:ext cx="567000" cy="329040"/>
+            <a:off x="5785920" y="1295280"/>
+            <a:ext cx="456840" cy="438120"/>
           </a:xfrm>
           <a:prstGeom prst="rect">
             <a:avLst/>
@@ -4909,16 +4532,195 @@
           </a:ln>
         </p:spPr>
       </p:pic>
-      <p:sp>
-        <p:nvSpPr>
-          <p:cNvPr id="82" name="CustomShape 31"/>
+      <p:grpSp>
+        <p:nvGrpSpPr>
+          <p:cNvPr id="2" name="Group 1"/>
+          <p:cNvGrpSpPr/>
+          <p:nvPr/>
+        </p:nvGrpSpPr>
+        <p:grpSpPr>
+          <a:xfrm>
+            <a:off x="6360840" y="1229760"/>
+            <a:ext cx="557640" cy="1981440"/>
+            <a:chOff x="6360840" y="1229760"/>
+            <a:chExt cx="557640" cy="1981440"/>
+          </a:xfrm>
+        </p:grpSpPr>
+        <p:sp>
+          <p:nvSpPr>
+            <p:cNvPr id="70" name="CustomShape 23"/>
+            <p:cNvSpPr/>
+            <p:nvPr/>
+          </p:nvSpPr>
+          <p:spPr>
+            <a:xfrm>
+              <a:off x="6360840" y="1229760"/>
+              <a:ext cx="557640" cy="1981440"/>
+            </a:xfrm>
+            <a:prstGeom prst="roundRect">
+              <a:avLst>
+                <a:gd name="adj" fmla="val 16667"/>
+              </a:avLst>
+            </a:prstGeom>
+            <a:noFill/>
+            <a:ln w="6480">
+              <a:round/>
+            </a:ln>
+          </p:spPr>
+          <p:style>
+            <a:lnRef idx="2">
+              <a:schemeClr val="accent1">
+                <a:shade val="50000"/>
+              </a:schemeClr>
+            </a:lnRef>
+            <a:fillRef idx="1">
+              <a:schemeClr val="accent1"/>
+            </a:fillRef>
+            <a:effectRef idx="0">
+              <a:schemeClr val="accent1"/>
+            </a:effectRef>
+            <a:fontRef idx="minor"/>
+          </p:style>
+          <p:txBody>
+            <a:bodyPr lIns="90000" tIns="45000" rIns="90000" bIns="45000" anchor="ctr"/>
+            <a:lstStyle/>
+            <a:p>
+              <a:pPr algn="ctr">
+                <a:lnSpc>
+                  <a:spcPct val="100000"/>
+                </a:lnSpc>
+              </a:pPr>
+              <a:r>
+                <a:rPr lang="en-US" sz="1800" b="0" strike="noStrike" spc="-1">
+                  <a:solidFill>
+                    <a:srgbClr val="000000"/>
+                  </a:solidFill>
+                  <a:uFill>
+                    <a:solidFill>
+                      <a:srgbClr val="FFFFFF"/>
+                    </a:solidFill>
+                  </a:uFill>
+                  <a:latin typeface="Calibri"/>
+                </a:rPr>
+                <a:t>                      </a:t>
+              </a:r>
+              <a:endParaRPr lang="en-US" sz="1800" b="0" strike="noStrike" spc="-1">
+                <a:solidFill>
+                  <a:srgbClr val="000000"/>
+                </a:solidFill>
+                <a:uFill>
+                  <a:solidFill>
+                    <a:srgbClr val="FFFFFF"/>
+                  </a:solidFill>
+                </a:uFill>
+                <a:latin typeface="Arial"/>
+              </a:endParaRPr>
+            </a:p>
+          </p:txBody>
+        </p:sp>
+        <p:sp>
+          <p:nvSpPr>
+            <p:cNvPr id="84" name="CustomShape 32"/>
+            <p:cNvSpPr/>
+            <p:nvPr/>
+          </p:nvSpPr>
+          <p:spPr>
+            <a:xfrm rot="16200000">
+              <a:off x="6189480" y="2469240"/>
+              <a:ext cx="908640" cy="364320"/>
+            </a:xfrm>
+            <a:prstGeom prst="rect">
+              <a:avLst/>
+            </a:prstGeom>
+            <a:noFill/>
+            <a:ln>
+              <a:noFill/>
+            </a:ln>
+          </p:spPr>
+          <p:style>
+            <a:lnRef idx="0">
+              <a:scrgbClr r="0" g="0" b="0"/>
+            </a:lnRef>
+            <a:fillRef idx="0">
+              <a:scrgbClr r="0" g="0" b="0"/>
+            </a:fillRef>
+            <a:effectRef idx="0">
+              <a:scrgbClr r="0" g="0" b="0"/>
+            </a:effectRef>
+            <a:fontRef idx="minor"/>
+          </p:style>
+          <p:txBody>
+            <a:bodyPr wrap="none" lIns="90000" tIns="45000" rIns="90000" bIns="45000"/>
+            <a:lstStyle/>
+            <a:p>
+              <a:pPr>
+                <a:lnSpc>
+                  <a:spcPct val="100000"/>
+                </a:lnSpc>
+              </a:pPr>
+              <a:r>
+                <a:rPr lang="en-US" sz="1800" b="0" strike="noStrike" spc="-1">
+                  <a:solidFill>
+                    <a:srgbClr val="000000"/>
+                  </a:solidFill>
+                  <a:uFill>
+                    <a:solidFill>
+                      <a:srgbClr val="FFFFFF"/>
+                    </a:solidFill>
+                  </a:uFill>
+                  <a:latin typeface="Calibri"/>
+                </a:rPr>
+                <a:t>HBase</a:t>
+              </a:r>
+              <a:endParaRPr lang="en-US" sz="1800" b="0" strike="noStrike" spc="-1">
+                <a:solidFill>
+                  <a:srgbClr val="000000"/>
+                </a:solidFill>
+                <a:uFill>
+                  <a:solidFill>
+                    <a:srgbClr val="FFFFFF"/>
+                  </a:solidFill>
+                </a:uFill>
+                <a:latin typeface="Arial"/>
+              </a:endParaRPr>
+            </a:p>
+          </p:txBody>
+        </p:sp>
+        <p:pic>
+          <p:nvPicPr>
+            <p:cNvPr id="85" name="Picture 84"/>
+            <p:cNvPicPr/>
+            <p:nvPr/>
+          </p:nvPicPr>
+          <p:blipFill>
+            <a:blip r:embed="rId14"/>
+            <a:srcRect l="67456"/>
+            <a:stretch/>
+          </p:blipFill>
+          <p:spPr>
+            <a:xfrm rot="16200000">
+              <a:off x="6339960" y="1326600"/>
+              <a:ext cx="604440" cy="474480"/>
+            </a:xfrm>
+            <a:prstGeom prst="rect">
+              <a:avLst/>
+            </a:prstGeom>
+            <a:ln>
+              <a:noFill/>
+            </a:ln>
+          </p:spPr>
+        </p:pic>
+      </p:grpSp>
+      <p:sp>
+        <p:nvSpPr>
+          <p:cNvPr id="86" name="CustomShape 33"/>
           <p:cNvSpPr/>
           <p:nvPr/>
         </p:nvSpPr>
         <p:spPr>
           <a:xfrm rot="16200000">
-            <a:off x="5646600" y="2096280"/>
-            <a:ext cx="716400" cy="364680"/>
+            <a:off x="6556680" y="2772360"/>
+            <a:ext cx="1382400" cy="364320"/>
           </a:xfrm>
           <a:prstGeom prst="rect">
             <a:avLst/>
@@ -4929,13 +4731,20 @@
           </a:ln>
         </p:spPr>
         <p:style>
-          <a:lnRef idx="0"/>
-          <a:fillRef idx="0"/>
-          <a:effectRef idx="0"/>
+          <a:lnRef idx="0">
+            <a:scrgbClr r="0" g="0" b="0"/>
+          </a:lnRef>
+          <a:fillRef idx="0">
+            <a:scrgbClr r="0" g="0" b="0"/>
+          </a:fillRef>
+          <a:effectRef idx="0">
+            <a:scrgbClr r="0" g="0" b="0"/>
+          </a:effectRef>
           <a:fontRef idx="minor"/>
         </p:style>
         <p:txBody>
-          <a:bodyPr wrap="none" lIns="90000" rIns="90000" tIns="45000" bIns="45000"/>
+          <a:bodyPr wrap="none" lIns="90000" tIns="45000" rIns="90000" bIns="45000"/>
+          <a:lstStyle/>
           <a:p>
             <a:pPr>
               <a:lnSpc>
@@ -4943,26 +4752,26 @@
               </a:lnSpc>
             </a:pPr>
             <a:r>
-              <a:rPr b="0" lang="en-US" sz="1800" spc="-1" strike="noStrike">
+              <a:rPr lang="en-US" sz="1800" b="0" strike="noStrike" spc="-1">
                 <a:solidFill>
                   <a:srgbClr val="000000"/>
                 </a:solidFill>
                 <a:uFill>
                   <a:solidFill>
-                    <a:srgbClr val="ffffff"/>
+                    <a:srgbClr val="FFFFFF"/>
                   </a:solidFill>
                 </a:uFill>
                 <a:latin typeface="Calibri"/>
               </a:rPr>
-              <a:t>Flink</a:t>
+              <a:t>Cassandra</a:t>
             </a:r>
-            <a:endParaRPr b="0" lang="en-US" sz="1800" spc="-1" strike="noStrike">
-              <a:solidFill>
-                <a:srgbClr val="000000"/>
-              </a:solidFill>
-              <a:uFill>
-                <a:solidFill>
-                  <a:srgbClr val="ffffff"/>
+            <a:endParaRPr lang="en-US" sz="1800" b="0" strike="noStrike" spc="-1">
+              <a:solidFill>
+                <a:srgbClr val="000000"/>
+              </a:solidFill>
+              <a:uFill>
+                <a:solidFill>
+                  <a:srgbClr val="FFFFFF"/>
                 </a:solidFill>
               </a:uFill>
               <a:latin typeface="Arial"/>
@@ -4970,40 +4779,16 @@
           </a:p>
         </p:txBody>
       </p:sp>
-      <p:pic>
-        <p:nvPicPr>
-          <p:cNvPr id="83" name="" descr=""/>
-          <p:cNvPicPr/>
-          <p:nvPr/>
-        </p:nvPicPr>
-        <p:blipFill>
-          <a:blip r:embed="rId14"/>
-          <a:srcRect l="0" t="0" r="57133" b="0"/>
-          <a:stretch/>
-        </p:blipFill>
-        <p:spPr>
-          <a:xfrm rot="16200000">
-            <a:off x="5785920" y="1295280"/>
-            <a:ext cx="456840" cy="438120"/>
-          </a:xfrm>
-          <a:prstGeom prst="rect">
-            <a:avLst/>
-          </a:prstGeom>
-          <a:ln>
-            <a:noFill/>
-          </a:ln>
-        </p:spPr>
-      </p:pic>
-      <p:sp>
-        <p:nvSpPr>
-          <p:cNvPr id="84" name="CustomShape 32"/>
+      <p:sp>
+        <p:nvSpPr>
+          <p:cNvPr id="87" name="CustomShape 34"/>
           <p:cNvSpPr/>
           <p:nvPr/>
         </p:nvSpPr>
         <p:spPr>
           <a:xfrm rot="16200000">
-            <a:off x="6189480" y="2469240"/>
-            <a:ext cx="908640" cy="364320"/>
+            <a:off x="7193880" y="2790000"/>
+            <a:ext cx="1280160" cy="364320"/>
           </a:xfrm>
           <a:prstGeom prst="rect">
             <a:avLst/>
@@ -5014,13 +4799,20 @@
           </a:ln>
         </p:spPr>
         <p:style>
-          <a:lnRef idx="0"/>
-          <a:fillRef idx="0"/>
-          <a:effectRef idx="0"/>
+          <a:lnRef idx="0">
+            <a:scrgbClr r="0" g="0" b="0"/>
+          </a:lnRef>
+          <a:fillRef idx="0">
+            <a:scrgbClr r="0" g="0" b="0"/>
+          </a:fillRef>
+          <a:effectRef idx="0">
+            <a:scrgbClr r="0" g="0" b="0"/>
+          </a:effectRef>
           <a:fontRef idx="minor"/>
         </p:style>
         <p:txBody>
-          <a:bodyPr wrap="none" lIns="90000" rIns="90000" tIns="45000" bIns="45000"/>
+          <a:bodyPr wrap="none" lIns="90000" tIns="45000" rIns="90000" bIns="45000"/>
+          <a:lstStyle/>
           <a:p>
             <a:pPr>
               <a:lnSpc>
@@ -5028,40 +4820,26 @@
               </a:lnSpc>
             </a:pPr>
             <a:r>
-              <a:rPr b="0" lang="en-US" sz="1800" spc="-1" strike="noStrike">
+              <a:rPr lang="en-US" sz="1800" b="0" strike="noStrike" spc="-1" dirty="0">
                 <a:solidFill>
                   <a:srgbClr val="000000"/>
                 </a:solidFill>
                 <a:uFill>
                   <a:solidFill>
-                    <a:srgbClr val="ffffff"/>
+                    <a:srgbClr val="FFFFFF"/>
                   </a:solidFill>
                 </a:uFill>
                 <a:latin typeface="Calibri"/>
               </a:rPr>
-              <a:t>HBas</a:t>
+              <a:t>MongoDB</a:t>
             </a:r>
-            <a:r>
-              <a:rPr b="0" lang="en-US" sz="1800" spc="-1" strike="noStrike">
-                <a:solidFill>
-                  <a:srgbClr val="000000"/>
-                </a:solidFill>
-                <a:uFill>
-                  <a:solidFill>
-                    <a:srgbClr val="ffffff"/>
-                  </a:solidFill>
-                </a:uFill>
-                <a:latin typeface="Calibri"/>
-              </a:rPr>
-              <a:t>e</a:t>
-            </a:r>
-            <a:endParaRPr b="0" lang="en-US" sz="1800" spc="-1" strike="noStrike">
-              <a:solidFill>
-                <a:srgbClr val="000000"/>
-              </a:solidFill>
-              <a:uFill>
-                <a:solidFill>
-                  <a:srgbClr val="ffffff"/>
+            <a:endParaRPr lang="en-US" sz="1800" b="0" strike="noStrike" spc="-1" dirty="0">
+              <a:solidFill>
+                <a:srgbClr val="000000"/>
+              </a:solidFill>
+              <a:uFill>
+                <a:solidFill>
+                  <a:srgbClr val="FFFFFF"/>
                 </a:solidFill>
               </a:uFill>
               <a:latin typeface="Arial"/>
@@ -5071,19 +4849,19 @@
       </p:sp>
       <p:pic>
         <p:nvPicPr>
-          <p:cNvPr id="85" name="" descr=""/>
+          <p:cNvPr id="88" name="Picture 87"/>
           <p:cNvPicPr/>
           <p:nvPr/>
         </p:nvPicPr>
         <p:blipFill>
           <a:blip r:embed="rId15"/>
-          <a:srcRect l="67456" t="0" r="0" b="0"/>
+          <a:srcRect r="58380"/>
           <a:stretch/>
         </p:blipFill>
         <p:spPr>
           <a:xfrm rot="16200000">
-            <a:off x="6339960" y="1326600"/>
-            <a:ext cx="604440" cy="474480"/>
+            <a:off x="6851520" y="1492560"/>
+            <a:ext cx="822600" cy="408960"/>
           </a:xfrm>
           <a:prstGeom prst="rect">
             <a:avLst/>
@@ -5093,185 +4871,21 @@
           </a:ln>
         </p:spPr>
       </p:pic>
-      <p:sp>
-        <p:nvSpPr>
-          <p:cNvPr id="86" name="CustomShape 33"/>
-          <p:cNvSpPr/>
-          <p:nvPr/>
-        </p:nvSpPr>
-        <p:spPr>
-          <a:xfrm rot="16200000">
-            <a:off x="6556680" y="2772360"/>
-            <a:ext cx="1382400" cy="364320"/>
-          </a:xfrm>
-          <a:prstGeom prst="rect">
-            <a:avLst/>
-          </a:prstGeom>
-          <a:noFill/>
-          <a:ln>
-            <a:noFill/>
-          </a:ln>
-        </p:spPr>
-        <p:style>
-          <a:lnRef idx="0"/>
-          <a:fillRef idx="0"/>
-          <a:effectRef idx="0"/>
-          <a:fontRef idx="minor"/>
-        </p:style>
-        <p:txBody>
-          <a:bodyPr wrap="none" lIns="90000" rIns="90000" tIns="45000" bIns="45000"/>
-          <a:p>
-            <a:pPr>
-              <a:lnSpc>
-                <a:spcPct val="100000"/>
-              </a:lnSpc>
-            </a:pPr>
-            <a:r>
-              <a:rPr b="0" lang="en-US" sz="1800" spc="-1" strike="noStrike">
-                <a:solidFill>
-                  <a:srgbClr val="000000"/>
-                </a:solidFill>
-                <a:uFill>
-                  <a:solidFill>
-                    <a:srgbClr val="ffffff"/>
-                  </a:solidFill>
-                </a:uFill>
-                <a:latin typeface="Calibri"/>
-              </a:rPr>
-              <a:t>Cassandra</a:t>
-            </a:r>
-            <a:endParaRPr b="0" lang="en-US" sz="1800" spc="-1" strike="noStrike">
-              <a:solidFill>
-                <a:srgbClr val="000000"/>
-              </a:solidFill>
-              <a:uFill>
-                <a:solidFill>
-                  <a:srgbClr val="ffffff"/>
-                </a:solidFill>
-              </a:uFill>
-              <a:latin typeface="Arial"/>
-            </a:endParaRPr>
-          </a:p>
-        </p:txBody>
-      </p:sp>
-      <p:sp>
-        <p:nvSpPr>
-          <p:cNvPr id="87" name="CustomShape 34"/>
-          <p:cNvSpPr/>
-          <p:nvPr/>
-        </p:nvSpPr>
-        <p:spPr>
-          <a:xfrm rot="16200000">
-            <a:off x="7193880" y="2790000"/>
-            <a:ext cx="1280160" cy="364320"/>
-          </a:xfrm>
-          <a:prstGeom prst="rect">
-            <a:avLst/>
-          </a:prstGeom>
-          <a:noFill/>
-          <a:ln>
-            <a:noFill/>
-          </a:ln>
-        </p:spPr>
-        <p:style>
-          <a:lnRef idx="0"/>
-          <a:fillRef idx="0"/>
-          <a:effectRef idx="0"/>
-          <a:fontRef idx="minor"/>
-        </p:style>
-        <p:txBody>
-          <a:bodyPr wrap="none" lIns="90000" rIns="90000" tIns="45000" bIns="45000"/>
-          <a:p>
-            <a:pPr>
-              <a:lnSpc>
-                <a:spcPct val="100000"/>
-              </a:lnSpc>
-            </a:pPr>
-            <a:r>
-              <a:rPr b="0" lang="en-US" sz="1800" spc="-1" strike="noStrike">
-                <a:solidFill>
-                  <a:srgbClr val="000000"/>
-                </a:solidFill>
-                <a:uFill>
-                  <a:solidFill>
-                    <a:srgbClr val="ffffff"/>
-                  </a:solidFill>
-                </a:uFill>
-                <a:latin typeface="Calibri"/>
-              </a:rPr>
-              <a:t>M</a:t>
-            </a:r>
-            <a:r>
-              <a:rPr b="0" lang="en-US" sz="1800" spc="-1" strike="noStrike">
-                <a:solidFill>
-                  <a:srgbClr val="000000"/>
-                </a:solidFill>
-                <a:uFill>
-                  <a:solidFill>
-                    <a:srgbClr val="ffffff"/>
-                  </a:solidFill>
-                </a:uFill>
-                <a:latin typeface="Calibri"/>
-              </a:rPr>
-              <a:t>on</a:t>
-            </a:r>
-            <a:r>
-              <a:rPr b="0" lang="en-US" sz="1800" spc="-1" strike="noStrike">
-                <a:solidFill>
-                  <a:srgbClr val="000000"/>
-                </a:solidFill>
-                <a:uFill>
-                  <a:solidFill>
-                    <a:srgbClr val="ffffff"/>
-                  </a:solidFill>
-                </a:uFill>
-                <a:latin typeface="Calibri"/>
-              </a:rPr>
-              <a:t>go</a:t>
-            </a:r>
-            <a:r>
-              <a:rPr b="0" lang="en-US" sz="1800" spc="-1" strike="noStrike">
-                <a:solidFill>
-                  <a:srgbClr val="000000"/>
-                </a:solidFill>
-                <a:uFill>
-                  <a:solidFill>
-                    <a:srgbClr val="ffffff"/>
-                  </a:solidFill>
-                </a:uFill>
-                <a:latin typeface="Calibri"/>
-              </a:rPr>
-              <a:t>DB</a:t>
-            </a:r>
-            <a:endParaRPr b="0" lang="en-US" sz="1800" spc="-1" strike="noStrike">
-              <a:solidFill>
-                <a:srgbClr val="000000"/>
-              </a:solidFill>
-              <a:uFill>
-                <a:solidFill>
-                  <a:srgbClr val="ffffff"/>
-                </a:solidFill>
-              </a:uFill>
-              <a:latin typeface="Arial"/>
-            </a:endParaRPr>
-          </a:p>
-        </p:txBody>
-      </p:sp>
       <p:pic>
         <p:nvPicPr>
-          <p:cNvPr id="88" name="" descr=""/>
+          <p:cNvPr id="89" name="Picture 88"/>
           <p:cNvPicPr/>
           <p:nvPr/>
         </p:nvPicPr>
         <p:blipFill>
           <a:blip r:embed="rId16"/>
-          <a:srcRect l="0" t="0" r="58380" b="0"/>
+          <a:srcRect r="87133"/>
           <a:stretch/>
         </p:blipFill>
         <p:spPr>
-          <a:xfrm rot="16200000">
-            <a:off x="6851520" y="1492560"/>
-            <a:ext cx="822600" cy="408960"/>
+          <a:xfrm>
+            <a:off x="7675200" y="1296720"/>
+            <a:ext cx="401400" cy="847800"/>
           </a:xfrm>
           <a:prstGeom prst="rect">
             <a:avLst/>
@@ -5281,32 +4895,11 @@
           </a:ln>
         </p:spPr>
       </p:pic>
-      <p:pic>
-        <p:nvPicPr>
-          <p:cNvPr id="89" name="" descr=""/>
-          <p:cNvPicPr/>
-          <p:nvPr/>
-        </p:nvPicPr>
-        <p:blipFill>
-          <a:blip r:embed="rId17"/>
-          <a:srcRect l="0" t="0" r="87133" b="0"/>
-          <a:stretch/>
-        </p:blipFill>
-        <p:spPr>
-          <a:xfrm>
-            <a:off x="7675200" y="1296720"/>
-            <a:ext cx="401400" cy="847800"/>
-          </a:xfrm>
-          <a:prstGeom prst="rect">
-            <a:avLst/>
-          </a:prstGeom>
-          <a:ln>
-            <a:noFill/>
-          </a:ln>
-        </p:spPr>
-      </p:pic>
     </p:spTree>
   </p:cSld>
+  <p:clrMapOvr>
+    <a:masterClrMapping/>
+  </p:clrMapOvr>
   <p:timing>
     <p:tnLst>
       <p:par>
@@ -5315,14 +4908,14 @@
             <p:seq>
               <p:cTn id="2" nodeType="mainSeq"/>
               <p:prevCondLst>
-                <p:cond delay="0" evt="onPrev">
+                <p:cond evt="onPrev" delay="0">
                   <p:tgtEl>
                     <p:sldTgt/>
                   </p:tgtEl>
                 </p:cond>
               </p:prevCondLst>
               <p:nextCondLst>
-                <p:cond delay="0" evt="onNext">
+                <p:cond evt="onNext" delay="0">
                   <p:tgtEl>
                     <p:sldTgt/>
                   </p:tgtEl>
@@ -5557,5 +5150,7 @@
       </a:bgFillStyleLst>
     </a:fmtScheme>
   </a:themeElements>
+  <a:objectDefaults/>
+  <a:extraClrSchemeLst/>
 </a:theme>
 </file>